--- a/doc/slides/Robot-Arm-Inverse-Kinematics-Principle.pptx
+++ b/doc/slides/Robot-Arm-Inverse-Kinematics-Principle.pptx
@@ -5,18 +5,20 @@
     <p:sldMasterId id="2147483732" r:id="rId1"/>
   </p:sldMasterIdLst>
   <p:notesMasterIdLst>
-    <p:notesMasterId r:id="rId8"/>
+    <p:notesMasterId r:id="rId10"/>
   </p:notesMasterIdLst>
   <p:handoutMasterIdLst>
-    <p:handoutMasterId r:id="rId9"/>
+    <p:handoutMasterId r:id="rId11"/>
   </p:handoutMasterIdLst>
   <p:sldIdLst>
-    <p:sldId id="271" r:id="rId2"/>
+    <p:sldId id="277" r:id="rId2"/>
     <p:sldId id="264" r:id="rId3"/>
     <p:sldId id="266" r:id="rId4"/>
     <p:sldId id="274" r:id="rId5"/>
     <p:sldId id="265" r:id="rId6"/>
     <p:sldId id="276" r:id="rId7"/>
+    <p:sldId id="272" r:id="rId8"/>
+    <p:sldId id="273" r:id="rId9"/>
   </p:sldIdLst>
   <p:sldSz cx="12192000" cy="6858000"/>
   <p:notesSz cx="6858000" cy="9144000"/>
@@ -231,7 +233,7 @@
           <a:p>
             <a:fld id="{9BDC461C-9488-4B33-8404-FB69A384252D}" type="datetimeFigureOut">
               <a:rPr kumimoji="1" lang="ja-JP" altLang="en-US" smtClean="0"/>
-              <a:t>2021/3/13</a:t>
+              <a:t>2021/4/4</a:t>
             </a:fld>
             <a:endParaRPr kumimoji="1" lang="ja-JP" altLang="en-US"/>
           </a:p>
@@ -408,7 +410,7 @@
           <a:p>
             <a:fld id="{4F23D6BA-2164-40E7-BA8B-970E642CDFC3}" type="datetimeFigureOut">
               <a:rPr kumimoji="1" lang="ja-JP" altLang="en-US" smtClean="0"/>
-              <a:t>2021/3/13</a:t>
+              <a:t>2021/4/4</a:t>
             </a:fld>
             <a:endParaRPr kumimoji="1" lang="ja-JP" altLang="en-US"/>
           </a:p>
@@ -895,7 +897,7 @@
           <a:p>
             <a:r>
               <a:rPr kumimoji="1" lang="en-US" altLang="ja-JP"/>
-              <a:t>2021-03-13</a:t>
+              <a:t>2021-04-04</a:t>
             </a:r>
             <a:endParaRPr kumimoji="1" lang="ja-JP" altLang="en-US"/>
           </a:p>
@@ -1107,7 +1109,7 @@
           <a:p>
             <a:r>
               <a:rPr kumimoji="1" lang="en-US" altLang="ja-JP"/>
-              <a:t>2021-03-13</a:t>
+              <a:t>2021-04-04</a:t>
             </a:r>
             <a:endParaRPr kumimoji="1" lang="ja-JP" altLang="en-US"/>
           </a:p>
@@ -1324,7 +1326,7 @@
           <a:p>
             <a:r>
               <a:rPr kumimoji="1" lang="en-US" altLang="ja-JP"/>
-              <a:t>2021-03-13</a:t>
+              <a:t>2021-04-04</a:t>
             </a:r>
             <a:endParaRPr kumimoji="1" lang="ja-JP" altLang="en-US"/>
           </a:p>
@@ -1560,7 +1562,7 @@
           <a:p>
             <a:r>
               <a:rPr kumimoji="1" lang="en-US" altLang="ja-JP"/>
-              <a:t>2021-03-13</a:t>
+              <a:t>2021-04-04</a:t>
             </a:r>
             <a:endParaRPr kumimoji="1" lang="ja-JP" altLang="en-US" dirty="0"/>
           </a:p>
@@ -1815,7 +1817,7 @@
           <a:p>
             <a:r>
               <a:rPr kumimoji="1" lang="en-US" altLang="ja-JP"/>
-              <a:t>2021-03-13</a:t>
+              <a:t>2021-04-04</a:t>
             </a:r>
             <a:endParaRPr kumimoji="1" lang="ja-JP" altLang="en-US"/>
           </a:p>
@@ -2177,7 +2179,7 @@
           <a:p>
             <a:r>
               <a:rPr kumimoji="1" lang="en-US" altLang="ja-JP"/>
-              <a:t>2021-03-13</a:t>
+              <a:t>2021-04-04</a:t>
             </a:r>
             <a:endParaRPr kumimoji="1" lang="ja-JP" altLang="en-US"/>
           </a:p>
@@ -2678,7 +2680,7 @@
           <a:p>
             <a:r>
               <a:rPr kumimoji="1" lang="en-US" altLang="ja-JP"/>
-              <a:t>2021-03-13</a:t>
+              <a:t>2021-04-04</a:t>
             </a:r>
             <a:endParaRPr kumimoji="1" lang="ja-JP" altLang="en-US"/>
           </a:p>
@@ -2806,7 +2808,7 @@
           <a:p>
             <a:r>
               <a:rPr kumimoji="1" lang="en-US" altLang="ja-JP"/>
-              <a:t>2021-03-13</a:t>
+              <a:t>2021-04-04</a:t>
             </a:r>
             <a:endParaRPr kumimoji="1" lang="ja-JP" altLang="en-US"/>
           </a:p>
@@ -2905,7 +2907,7 @@
           <a:p>
             <a:r>
               <a:rPr kumimoji="1" lang="en-US" altLang="ja-JP"/>
-              <a:t>2021-03-13</a:t>
+              <a:t>2021-04-04</a:t>
             </a:r>
             <a:endParaRPr kumimoji="1" lang="ja-JP" altLang="en-US"/>
           </a:p>
@@ -3222,7 +3224,7 @@
           <a:p>
             <a:r>
               <a:rPr kumimoji="1" lang="en-US" altLang="ja-JP"/>
-              <a:t>2021-03-13</a:t>
+              <a:t>2021-04-04</a:t>
             </a:r>
             <a:endParaRPr kumimoji="1" lang="ja-JP" altLang="en-US"/>
           </a:p>
@@ -3487,7 +3489,7 @@
           <a:p>
             <a:r>
               <a:rPr kumimoji="1" lang="en-US" altLang="ja-JP"/>
-              <a:t>2021-03-13</a:t>
+              <a:t>2021-04-04</a:t>
             </a:r>
             <a:endParaRPr kumimoji="1" lang="ja-JP" altLang="en-US"/>
           </a:p>
@@ -3732,7 +3734,7 @@
           <a:p>
             <a:r>
               <a:rPr lang="en-US" altLang="ja-JP"/>
-              <a:t>2021-03-13</a:t>
+              <a:t>2021-04-04</a:t>
             </a:r>
             <a:endParaRPr lang="ja-JP" altLang="en-US" dirty="0"/>
           </a:p>
@@ -4204,9 +4206,16 @@
             <p:ph type="ctrTitle"/>
           </p:nvPr>
         </p:nvSpPr>
-        <p:spPr/>
+        <p:spPr>
+          <a:xfrm>
+            <a:off x="914400" y="693266"/>
+            <a:ext cx="10363200" cy="2231678"/>
+          </a:xfrm>
+        </p:spPr>
         <p:txBody>
-          <a:bodyPr/>
+          <a:bodyPr>
+            <a:noAutofit/>
+          </a:bodyPr>
           <a:lstStyle/>
           <a:p>
             <a:r>
@@ -4227,6 +4236,23 @@
             <a:r>
               <a:rPr lang="en-US" altLang="ja-JP" dirty="0"/>
               <a:t>Robot Arm Inverse Kinematics: Principle</a:t>
+            </a:r>
+            <a:br>
+              <a:rPr lang="en-US" altLang="ja-JP" dirty="0"/>
+            </a:br>
+            <a:br>
+              <a:rPr lang="en-US" altLang="ja-JP" dirty="0"/>
+            </a:br>
+            <a:r>
+              <a:rPr lang="ja-JP" altLang="en-US" sz="2400" dirty="0"/>
+              <a:t>成瀬継太郎（会津大）</a:t>
+            </a:r>
+            <a:br>
+              <a:rPr lang="en-US" altLang="ja-JP" sz="2400" dirty="0"/>
+            </a:br>
+            <a:r>
+              <a:rPr lang="en-US" altLang="ja-JP" sz="2400" dirty="0"/>
+              <a:t>Keitaro Naruse (Univ. of Aizu)</a:t>
             </a:r>
             <a:endParaRPr lang="ja-JP" altLang="en-US" dirty="0"/>
           </a:p>
@@ -4234,44 +4260,2172 @@
       </p:sp>
       <p:sp>
         <p:nvSpPr>
-          <p:cNvPr id="7" name="字幕 6">
-            <a:extLst>
-              <a:ext uri="{FF2B5EF4-FFF2-40B4-BE49-F238E27FC236}">
-                <a16:creationId xmlns:a16="http://schemas.microsoft.com/office/drawing/2014/main" id="{D6C66B2D-FA47-4AE3-AB3D-B1DE9C88964F}"/>
+          <p:cNvPr id="2" name="正方形/長方形 1">
+            <a:extLst>
+              <a:ext uri="{FF2B5EF4-FFF2-40B4-BE49-F238E27FC236}">
+                <a16:creationId xmlns:a16="http://schemas.microsoft.com/office/drawing/2014/main" id="{FAA7451C-EBF6-4D82-80C5-7368D5861538}"/>
+              </a:ext>
+            </a:extLst>
+          </p:cNvPr>
+          <p:cNvSpPr/>
+          <p:nvPr/>
+        </p:nvSpPr>
+        <p:spPr>
+          <a:xfrm>
+            <a:off x="6096000" y="3732239"/>
+            <a:ext cx="5472608" cy="2585408"/>
+          </a:xfrm>
+          <a:prstGeom prst="rect">
+            <a:avLst/>
+          </a:prstGeom>
+          <a:solidFill>
+            <a:schemeClr val="bg1"/>
+          </a:solidFill>
+          <a:ln w="9525">
+            <a:solidFill>
+              <a:schemeClr val="tx1"/>
+            </a:solidFill>
+          </a:ln>
+        </p:spPr>
+        <p:style>
+          <a:lnRef idx="2">
+            <a:schemeClr val="accent1">
+              <a:shade val="50000"/>
+            </a:schemeClr>
+          </a:lnRef>
+          <a:fillRef idx="1">
+            <a:schemeClr val="accent1"/>
+          </a:fillRef>
+          <a:effectRef idx="0">
+            <a:schemeClr val="accent1"/>
+          </a:effectRef>
+          <a:fontRef idx="minor">
+            <a:schemeClr val="lt1"/>
+          </a:fontRef>
+        </p:style>
+        <p:txBody>
+          <a:bodyPr rtlCol="0" anchor="t"/>
+          <a:lstStyle/>
+          <a:p>
+            <a:pPr algn="l"/>
+            <a:r>
+              <a:rPr kumimoji="1" lang="ja-JP" altLang="en-US" dirty="0">
+                <a:solidFill>
+                  <a:schemeClr val="tx1"/>
+                </a:solidFill>
+              </a:rPr>
+              <a:t>まとめ</a:t>
+            </a:r>
+            <a:endParaRPr kumimoji="1" lang="en-US" altLang="ja-JP" dirty="0">
+              <a:solidFill>
+                <a:schemeClr val="tx1"/>
+              </a:solidFill>
+            </a:endParaRPr>
+          </a:p>
+          <a:p>
+            <a:pPr marL="285750" indent="-285750" algn="l">
+              <a:buFont typeface="Arial" panose="020B0604020202020204" pitchFamily="34" charset="0"/>
+              <a:buChar char="•"/>
+            </a:pPr>
+            <a:r>
+              <a:rPr kumimoji="1" lang="ja-JP" altLang="en-US" dirty="0">
+                <a:solidFill>
+                  <a:schemeClr val="tx1"/>
+                </a:solidFill>
+              </a:rPr>
+              <a:t>逆運動学：</a:t>
+            </a:r>
+            <a:r>
+              <a:rPr lang="ja-JP" altLang="en-US" dirty="0">
+                <a:solidFill>
+                  <a:schemeClr val="tx1"/>
+                </a:solidFill>
+              </a:rPr>
+              <a:t>ロボットアームの目標の手先姿勢（位置と向き）からそれを実現する関節角度を求めること</a:t>
+            </a:r>
+            <a:endParaRPr lang="en-US" altLang="ja-JP" dirty="0">
+              <a:solidFill>
+                <a:schemeClr val="tx1"/>
+              </a:solidFill>
+            </a:endParaRPr>
+          </a:p>
+          <a:p>
+            <a:pPr algn="l"/>
+            <a:endParaRPr kumimoji="1" lang="en-US" altLang="ja-JP" dirty="0">
+              <a:solidFill>
+                <a:schemeClr val="tx1"/>
+              </a:solidFill>
+            </a:endParaRPr>
+          </a:p>
+          <a:p>
+            <a:pPr algn="l"/>
+            <a:r>
+              <a:rPr kumimoji="1" lang="en-US" altLang="ja-JP" dirty="0">
+                <a:solidFill>
+                  <a:schemeClr val="tx1"/>
+                </a:solidFill>
+              </a:rPr>
+              <a:t>Summary</a:t>
+            </a:r>
+          </a:p>
+          <a:p>
+            <a:pPr marL="285750" indent="-285750" algn="l">
+              <a:buFont typeface="Arial" panose="020B0604020202020204" pitchFamily="34" charset="0"/>
+              <a:buChar char="•"/>
+            </a:pPr>
+            <a:r>
+              <a:rPr lang="en-US" altLang="ja-JP" dirty="0">
+                <a:solidFill>
+                  <a:schemeClr val="tx1"/>
+                </a:solidFill>
+              </a:rPr>
+              <a:t>Inverse kinematics: Find joint angles </a:t>
+            </a:r>
+            <a:r>
+              <a:rPr lang="en-US" altLang="ja-JP">
+                <a:solidFill>
+                  <a:schemeClr val="tx1"/>
+                </a:solidFill>
+              </a:rPr>
+              <a:t>which satisfy </a:t>
+            </a:r>
+            <a:r>
+              <a:rPr lang="en-US" altLang="ja-JP" dirty="0">
+                <a:solidFill>
+                  <a:schemeClr val="tx1"/>
+                </a:solidFill>
+              </a:rPr>
+              <a:t>a target hand pose of a root arm</a:t>
+            </a:r>
+          </a:p>
+        </p:txBody>
+      </p:sp>
+      <p:graphicFrame>
+        <p:nvGraphicFramePr>
+          <p:cNvPr id="3" name="オブジェクト 2">
+            <a:extLst>
+              <a:ext uri="{FF2B5EF4-FFF2-40B4-BE49-F238E27FC236}">
+                <a16:creationId xmlns:a16="http://schemas.microsoft.com/office/drawing/2014/main" id="{CDD84468-0F58-4199-8542-B9D7F7A95E85}"/>
+              </a:ext>
+            </a:extLst>
+          </p:cNvPr>
+          <p:cNvGraphicFramePr>
+            <a:graphicFrameLocks noChangeAspect="1"/>
+          </p:cNvGraphicFramePr>
+          <p:nvPr>
+            <p:extLst>
+              <p:ext uri="{D42A27DB-BD31-4B8C-83A1-F6EECF244321}">
+                <p14:modId xmlns:p14="http://schemas.microsoft.com/office/powerpoint/2010/main" val="1275369787"/>
+              </p:ext>
+            </p:extLst>
+          </p:nvPr>
+        </p:nvGraphicFramePr>
+        <p:xfrm>
+          <a:off x="3314590" y="4498820"/>
+          <a:ext cx="1657350" cy="914400"/>
+        </p:xfrm>
+        <a:graphic>
+          <a:graphicData uri="http://schemas.openxmlformats.org/presentationml/2006/ole">
+            <mc:AlternateContent xmlns:mc="http://schemas.openxmlformats.org/markup-compatibility/2006">
+              <mc:Choice xmlns:v="urn:schemas-microsoft-com:vml" Requires="v">
+                <p:oleObj name="Equation" r:id="rId2" imgW="1104840" imgH="609480" progId="Equation.DSMT4">
+                  <p:embed/>
+                </p:oleObj>
+              </mc:Choice>
+              <mc:Fallback>
+                <p:oleObj name="Equation" r:id="rId2" imgW="1104840" imgH="609480" progId="Equation.DSMT4">
+                  <p:embed/>
+                  <p:pic>
+                    <p:nvPicPr>
+                      <p:cNvPr id="3" name="オブジェクト 2">
+                        <a:extLst>
+                          <a:ext uri="{FF2B5EF4-FFF2-40B4-BE49-F238E27FC236}">
+                            <a16:creationId xmlns:a16="http://schemas.microsoft.com/office/drawing/2014/main" id="{CDD84468-0F58-4199-8542-B9D7F7A95E85}"/>
+                          </a:ext>
+                        </a:extLst>
+                      </p:cNvPr>
+                      <p:cNvPicPr/>
+                      <p:nvPr/>
+                    </p:nvPicPr>
+                    <p:blipFill>
+                      <a:blip r:embed="rId3"/>
+                      <a:stretch>
+                        <a:fillRect/>
+                      </a:stretch>
+                    </p:blipFill>
+                    <p:spPr>
+                      <a:xfrm>
+                        <a:off x="3314590" y="4498820"/>
+                        <a:ext cx="1657350" cy="914400"/>
+                      </a:xfrm>
+                      <a:prstGeom prst="rect">
+                        <a:avLst/>
+                      </a:prstGeom>
+                    </p:spPr>
+                  </p:pic>
+                </p:oleObj>
+              </mc:Fallback>
+            </mc:AlternateContent>
+          </a:graphicData>
+        </a:graphic>
+      </p:graphicFrame>
+      <p:cxnSp>
+        <p:nvCxnSpPr>
+          <p:cNvPr id="37" name="直線コネクタ 36">
+            <a:extLst>
+              <a:ext uri="{FF2B5EF4-FFF2-40B4-BE49-F238E27FC236}">
+                <a16:creationId xmlns:a16="http://schemas.microsoft.com/office/drawing/2014/main" id="{0E6B536F-D450-474A-B3E2-13CFDBA204A7}"/>
+              </a:ext>
+            </a:extLst>
+          </p:cNvPr>
+          <p:cNvCxnSpPr>
+            <a:cxnSpLocks/>
+          </p:cNvCxnSpPr>
+          <p:nvPr/>
+        </p:nvCxnSpPr>
+        <p:spPr>
+          <a:xfrm flipH="1">
+            <a:off x="2716643" y="3562773"/>
+            <a:ext cx="1195895" cy="0"/>
+          </a:xfrm>
+          <a:prstGeom prst="line">
+            <a:avLst/>
+          </a:prstGeom>
+          <a:ln w="3175">
+            <a:solidFill>
+              <a:schemeClr val="tx1"/>
+            </a:solidFill>
+          </a:ln>
+        </p:spPr>
+        <p:style>
+          <a:lnRef idx="1">
+            <a:schemeClr val="accent1"/>
+          </a:lnRef>
+          <a:fillRef idx="0">
+            <a:schemeClr val="accent1"/>
+          </a:fillRef>
+          <a:effectRef idx="0">
+            <a:schemeClr val="accent1"/>
+          </a:effectRef>
+          <a:fontRef idx="minor">
+            <a:schemeClr val="tx1"/>
+          </a:fontRef>
+        </p:style>
+      </p:cxnSp>
+      <p:cxnSp>
+        <p:nvCxnSpPr>
+          <p:cNvPr id="38" name="直線コネクタ 37">
+            <a:extLst>
+              <a:ext uri="{FF2B5EF4-FFF2-40B4-BE49-F238E27FC236}">
+                <a16:creationId xmlns:a16="http://schemas.microsoft.com/office/drawing/2014/main" id="{F8E12898-F2ED-41F1-821D-6BFCC41A9376}"/>
+              </a:ext>
+            </a:extLst>
+          </p:cNvPr>
+          <p:cNvCxnSpPr>
+            <a:cxnSpLocks/>
+          </p:cNvCxnSpPr>
+          <p:nvPr/>
+        </p:nvCxnSpPr>
+        <p:spPr>
+          <a:xfrm flipV="1">
+            <a:off x="1162046" y="5590631"/>
+            <a:ext cx="1195895" cy="597961"/>
+          </a:xfrm>
+          <a:prstGeom prst="line">
+            <a:avLst/>
+          </a:prstGeom>
+          <a:ln>
+            <a:solidFill>
+              <a:schemeClr val="tx1"/>
+            </a:solidFill>
+          </a:ln>
+        </p:spPr>
+        <p:style>
+          <a:lnRef idx="1">
+            <a:schemeClr val="accent1"/>
+          </a:lnRef>
+          <a:fillRef idx="0">
+            <a:schemeClr val="accent1"/>
+          </a:fillRef>
+          <a:effectRef idx="0">
+            <a:schemeClr val="accent1"/>
+          </a:effectRef>
+          <a:fontRef idx="minor">
+            <a:schemeClr val="tx1"/>
+          </a:fontRef>
+        </p:style>
+      </p:cxnSp>
+      <p:cxnSp>
+        <p:nvCxnSpPr>
+          <p:cNvPr id="39" name="直線コネクタ 38">
+            <a:extLst>
+              <a:ext uri="{FF2B5EF4-FFF2-40B4-BE49-F238E27FC236}">
+                <a16:creationId xmlns:a16="http://schemas.microsoft.com/office/drawing/2014/main" id="{A58DF4F2-4CAE-4BF1-82F2-3C145905FF3C}"/>
+              </a:ext>
+            </a:extLst>
+          </p:cNvPr>
+          <p:cNvCxnSpPr>
+            <a:cxnSpLocks/>
+          </p:cNvCxnSpPr>
+          <p:nvPr/>
+        </p:nvCxnSpPr>
+        <p:spPr>
+          <a:xfrm>
+            <a:off x="803277" y="6188592"/>
+            <a:ext cx="3348507" cy="7116"/>
+          </a:xfrm>
+          <a:prstGeom prst="line">
+            <a:avLst/>
+          </a:prstGeom>
+          <a:ln w="3175">
+            <a:solidFill>
+              <a:schemeClr val="tx1"/>
+            </a:solidFill>
+            <a:tailEnd type="triangle" w="lg" len="lg"/>
+          </a:ln>
+        </p:spPr>
+        <p:style>
+          <a:lnRef idx="1">
+            <a:schemeClr val="accent1"/>
+          </a:lnRef>
+          <a:fillRef idx="0">
+            <a:schemeClr val="accent1"/>
+          </a:fillRef>
+          <a:effectRef idx="0">
+            <a:schemeClr val="accent1"/>
+          </a:effectRef>
+          <a:fontRef idx="minor">
+            <a:schemeClr val="tx1"/>
+          </a:fontRef>
+        </p:style>
+      </p:cxnSp>
+      <p:cxnSp>
+        <p:nvCxnSpPr>
+          <p:cNvPr id="40" name="直線コネクタ 39">
+            <a:extLst>
+              <a:ext uri="{FF2B5EF4-FFF2-40B4-BE49-F238E27FC236}">
+                <a16:creationId xmlns:a16="http://schemas.microsoft.com/office/drawing/2014/main" id="{1EA28406-B4C3-43D8-A121-B9F177F21AA1}"/>
+              </a:ext>
+            </a:extLst>
+          </p:cNvPr>
+          <p:cNvCxnSpPr>
+            <a:cxnSpLocks/>
+          </p:cNvCxnSpPr>
+          <p:nvPr/>
+        </p:nvCxnSpPr>
+        <p:spPr>
+          <a:xfrm flipV="1">
+            <a:off x="2357941" y="4394736"/>
+            <a:ext cx="597948" cy="1195895"/>
+          </a:xfrm>
+          <a:prstGeom prst="line">
+            <a:avLst/>
+          </a:prstGeom>
+          <a:ln>
+            <a:solidFill>
+              <a:schemeClr val="tx1"/>
+            </a:solidFill>
+          </a:ln>
+        </p:spPr>
+        <p:style>
+          <a:lnRef idx="1">
+            <a:schemeClr val="accent1"/>
+          </a:lnRef>
+          <a:fillRef idx="0">
+            <a:schemeClr val="accent1"/>
+          </a:fillRef>
+          <a:effectRef idx="0">
+            <a:schemeClr val="accent1"/>
+          </a:effectRef>
+          <a:fontRef idx="minor">
+            <a:schemeClr val="tx1"/>
+          </a:fontRef>
+        </p:style>
+      </p:cxnSp>
+      <p:cxnSp>
+        <p:nvCxnSpPr>
+          <p:cNvPr id="41" name="直線コネクタ 40">
+            <a:extLst>
+              <a:ext uri="{FF2B5EF4-FFF2-40B4-BE49-F238E27FC236}">
+                <a16:creationId xmlns:a16="http://schemas.microsoft.com/office/drawing/2014/main" id="{1490F47F-AF1F-4D7C-A85E-A3943407BF46}"/>
+              </a:ext>
+            </a:extLst>
+          </p:cNvPr>
+          <p:cNvCxnSpPr>
+            <a:cxnSpLocks/>
+          </p:cNvCxnSpPr>
+          <p:nvPr/>
+        </p:nvCxnSpPr>
+        <p:spPr>
+          <a:xfrm flipH="1" flipV="1">
+            <a:off x="2357941" y="3198840"/>
+            <a:ext cx="597948" cy="1195895"/>
+          </a:xfrm>
+          <a:prstGeom prst="line">
+            <a:avLst/>
+          </a:prstGeom>
+          <a:ln>
+            <a:solidFill>
+              <a:schemeClr val="tx1"/>
+            </a:solidFill>
+          </a:ln>
+        </p:spPr>
+        <p:style>
+          <a:lnRef idx="1">
+            <a:schemeClr val="accent1"/>
+          </a:lnRef>
+          <a:fillRef idx="0">
+            <a:schemeClr val="accent1"/>
+          </a:fillRef>
+          <a:effectRef idx="0">
+            <a:schemeClr val="accent1"/>
+          </a:effectRef>
+          <a:fontRef idx="minor">
+            <a:schemeClr val="tx1"/>
+          </a:fontRef>
+        </p:style>
+      </p:cxnSp>
+      <p:cxnSp>
+        <p:nvCxnSpPr>
+          <p:cNvPr id="42" name="直線コネクタ 41">
+            <a:extLst>
+              <a:ext uri="{FF2B5EF4-FFF2-40B4-BE49-F238E27FC236}">
+                <a16:creationId xmlns:a16="http://schemas.microsoft.com/office/drawing/2014/main" id="{FC28193E-09C5-4D87-BEFE-D93995F34AE9}"/>
+              </a:ext>
+            </a:extLst>
+          </p:cNvPr>
+          <p:cNvCxnSpPr>
+            <a:cxnSpLocks/>
+          </p:cNvCxnSpPr>
+          <p:nvPr/>
+        </p:nvCxnSpPr>
+        <p:spPr>
+          <a:xfrm flipV="1">
+            <a:off x="1162046" y="5291657"/>
+            <a:ext cx="1793843" cy="896935"/>
+          </a:xfrm>
+          <a:prstGeom prst="line">
+            <a:avLst/>
+          </a:prstGeom>
+          <a:ln w="3175">
+            <a:solidFill>
+              <a:schemeClr val="tx1"/>
+            </a:solidFill>
+          </a:ln>
+        </p:spPr>
+        <p:style>
+          <a:lnRef idx="1">
+            <a:schemeClr val="accent1"/>
+          </a:lnRef>
+          <a:fillRef idx="0">
+            <a:schemeClr val="accent1"/>
+          </a:fillRef>
+          <a:effectRef idx="0">
+            <a:schemeClr val="accent1"/>
+          </a:effectRef>
+          <a:fontRef idx="minor">
+            <a:schemeClr val="tx1"/>
+          </a:fontRef>
+        </p:style>
+      </p:cxnSp>
+      <p:cxnSp>
+        <p:nvCxnSpPr>
+          <p:cNvPr id="43" name="直線コネクタ 42">
+            <a:extLst>
+              <a:ext uri="{FF2B5EF4-FFF2-40B4-BE49-F238E27FC236}">
+                <a16:creationId xmlns:a16="http://schemas.microsoft.com/office/drawing/2014/main" id="{07D96F9C-1DB8-48D7-8A39-58C53977ED1F}"/>
+              </a:ext>
+            </a:extLst>
+          </p:cNvPr>
+          <p:cNvCxnSpPr>
+            <a:cxnSpLocks/>
+          </p:cNvCxnSpPr>
+          <p:nvPr/>
+        </p:nvCxnSpPr>
+        <p:spPr>
+          <a:xfrm flipV="1">
+            <a:off x="2357941" y="3557609"/>
+            <a:ext cx="1016511" cy="2033024"/>
+          </a:xfrm>
+          <a:prstGeom prst="line">
+            <a:avLst/>
+          </a:prstGeom>
+          <a:ln w="3175">
+            <a:solidFill>
+              <a:schemeClr val="tx1"/>
+            </a:solidFill>
+          </a:ln>
+        </p:spPr>
+        <p:style>
+          <a:lnRef idx="1">
+            <a:schemeClr val="accent1"/>
+          </a:lnRef>
+          <a:fillRef idx="0">
+            <a:schemeClr val="accent1"/>
+          </a:fillRef>
+          <a:effectRef idx="0">
+            <a:schemeClr val="accent1"/>
+          </a:effectRef>
+          <a:fontRef idx="minor">
+            <a:schemeClr val="tx1"/>
+          </a:fontRef>
+        </p:style>
+      </p:cxnSp>
+      <p:cxnSp>
+        <p:nvCxnSpPr>
+          <p:cNvPr id="44" name="直線コネクタ 43">
+            <a:extLst>
+              <a:ext uri="{FF2B5EF4-FFF2-40B4-BE49-F238E27FC236}">
+                <a16:creationId xmlns:a16="http://schemas.microsoft.com/office/drawing/2014/main" id="{420EAF45-DD9E-4D1D-A29C-6B3B086C3CC1}"/>
+              </a:ext>
+            </a:extLst>
+          </p:cNvPr>
+          <p:cNvCxnSpPr>
+            <a:cxnSpLocks/>
+          </p:cNvCxnSpPr>
+          <p:nvPr/>
+        </p:nvCxnSpPr>
+        <p:spPr>
+          <a:xfrm flipH="1" flipV="1">
+            <a:off x="2118762" y="2720482"/>
+            <a:ext cx="837127" cy="1674253"/>
+          </a:xfrm>
+          <a:prstGeom prst="line">
+            <a:avLst/>
+          </a:prstGeom>
+          <a:ln w="3175">
+            <a:solidFill>
+              <a:schemeClr val="tx1"/>
+            </a:solidFill>
+          </a:ln>
+        </p:spPr>
+        <p:style>
+          <a:lnRef idx="1">
+            <a:schemeClr val="accent1"/>
+          </a:lnRef>
+          <a:fillRef idx="0">
+            <a:schemeClr val="accent1"/>
+          </a:fillRef>
+          <a:effectRef idx="0">
+            <a:schemeClr val="accent1"/>
+          </a:effectRef>
+          <a:fontRef idx="minor">
+            <a:schemeClr val="tx1"/>
+          </a:fontRef>
+        </p:style>
+      </p:cxnSp>
+      <p:sp>
+        <p:nvSpPr>
+          <p:cNvPr id="45" name="楕円 44">
+            <a:extLst>
+              <a:ext uri="{FF2B5EF4-FFF2-40B4-BE49-F238E27FC236}">
+                <a16:creationId xmlns:a16="http://schemas.microsoft.com/office/drawing/2014/main" id="{FF14BE4D-7C43-446F-90BC-067096B62DDC}"/>
               </a:ext>
             </a:extLst>
           </p:cNvPr>
           <p:cNvSpPr>
-            <a:spLocks noGrp="1"/>
+            <a:spLocks noChangeAspect="1"/>
           </p:cNvSpPr>
+          <p:nvPr/>
+        </p:nvSpPr>
+        <p:spPr>
+          <a:xfrm>
+            <a:off x="2836326" y="4275173"/>
+            <a:ext cx="239152" cy="239152"/>
+          </a:xfrm>
+          <a:prstGeom prst="ellipse">
+            <a:avLst/>
+          </a:prstGeom>
+          <a:solidFill>
+            <a:schemeClr val="bg1"/>
+          </a:solidFill>
+          <a:ln w="9525">
+            <a:solidFill>
+              <a:schemeClr val="tx1"/>
+            </a:solidFill>
+          </a:ln>
+        </p:spPr>
+        <p:style>
+          <a:lnRef idx="2">
+            <a:schemeClr val="accent1">
+              <a:shade val="50000"/>
+            </a:schemeClr>
+          </a:lnRef>
+          <a:fillRef idx="1">
+            <a:schemeClr val="accent1"/>
+          </a:fillRef>
+          <a:effectRef idx="0">
+            <a:schemeClr val="accent1"/>
+          </a:effectRef>
+          <a:fontRef idx="minor">
+            <a:schemeClr val="lt1"/>
+          </a:fontRef>
+        </p:style>
+        <p:txBody>
+          <a:bodyPr rtlCol="0" anchor="t"/>
+          <a:lstStyle/>
+          <a:p>
+            <a:pPr algn="l"/>
+            <a:endParaRPr lang="ja-JP" altLang="en-US" dirty="0">
+              <a:solidFill>
+                <a:schemeClr val="tx1"/>
+              </a:solidFill>
+            </a:endParaRPr>
+          </a:p>
+        </p:txBody>
+      </p:sp>
+      <p:sp>
+        <p:nvSpPr>
+          <p:cNvPr id="46" name="楕円 45">
+            <a:extLst>
+              <a:ext uri="{FF2B5EF4-FFF2-40B4-BE49-F238E27FC236}">
+                <a16:creationId xmlns:a16="http://schemas.microsoft.com/office/drawing/2014/main" id="{3522B9CD-EC64-42B0-B187-40B0689CFFB9}"/>
+              </a:ext>
+            </a:extLst>
+          </p:cNvPr>
+          <p:cNvSpPr>
+            <a:spLocks noChangeAspect="1"/>
+          </p:cNvSpPr>
+          <p:nvPr/>
+        </p:nvSpPr>
+        <p:spPr>
+          <a:xfrm>
+            <a:off x="2238351" y="5471042"/>
+            <a:ext cx="239152" cy="239152"/>
+          </a:xfrm>
+          <a:prstGeom prst="ellipse">
+            <a:avLst/>
+          </a:prstGeom>
+          <a:solidFill>
+            <a:schemeClr val="bg1"/>
+          </a:solidFill>
+          <a:ln w="9525">
+            <a:solidFill>
+              <a:schemeClr val="tx1"/>
+            </a:solidFill>
+          </a:ln>
+        </p:spPr>
+        <p:style>
+          <a:lnRef idx="2">
+            <a:schemeClr val="accent1">
+              <a:shade val="50000"/>
+            </a:schemeClr>
+          </a:lnRef>
+          <a:fillRef idx="1">
+            <a:schemeClr val="accent1"/>
+          </a:fillRef>
+          <a:effectRef idx="0">
+            <a:schemeClr val="accent1"/>
+          </a:effectRef>
+          <a:fontRef idx="minor">
+            <a:schemeClr val="lt1"/>
+          </a:fontRef>
+        </p:style>
+        <p:txBody>
+          <a:bodyPr rtlCol="0" anchor="t"/>
+          <a:lstStyle/>
+          <a:p>
+            <a:pPr algn="l"/>
+            <a:endParaRPr lang="ja-JP" altLang="en-US" dirty="0">
+              <a:solidFill>
+                <a:schemeClr val="tx1"/>
+              </a:solidFill>
+            </a:endParaRPr>
+          </a:p>
+        </p:txBody>
+      </p:sp>
+      <p:graphicFrame>
+        <p:nvGraphicFramePr>
+          <p:cNvPr id="47" name="オブジェクト 46">
+            <a:extLst>
+              <a:ext uri="{FF2B5EF4-FFF2-40B4-BE49-F238E27FC236}">
+                <a16:creationId xmlns:a16="http://schemas.microsoft.com/office/drawing/2014/main" id="{A806D481-10D1-4001-A9AF-9B8CAED94FBC}"/>
+              </a:ext>
+            </a:extLst>
+          </p:cNvPr>
+          <p:cNvGraphicFramePr>
+            <a:graphicFrameLocks noChangeAspect="1"/>
+          </p:cNvGraphicFramePr>
           <p:nvPr>
-            <p:ph type="subTitle" idx="1"/>
+            <p:extLst>
+              <p:ext uri="{D42A27DB-BD31-4B8C-83A1-F6EECF244321}">
+                <p14:modId xmlns:p14="http://schemas.microsoft.com/office/powerpoint/2010/main" val="3608451130"/>
+              </p:ext>
+            </p:extLst>
           </p:nvPr>
+        </p:nvGraphicFramePr>
+        <p:xfrm>
+          <a:off x="1828125" y="5910967"/>
+          <a:ext cx="228420" cy="342900"/>
+        </p:xfrm>
+        <a:graphic>
+          <a:graphicData uri="http://schemas.openxmlformats.org/presentationml/2006/ole">
+            <mc:AlternateContent xmlns:mc="http://schemas.openxmlformats.org/markup-compatibility/2006">
+              <mc:Choice xmlns:v="urn:schemas-microsoft-com:vml" Requires="v">
+                <p:oleObj name="Equation" r:id="rId4" imgW="152280" imgH="228600" progId="Equation.DSMT4">
+                  <p:embed/>
+                </p:oleObj>
+              </mc:Choice>
+              <mc:Fallback>
+                <p:oleObj name="Equation" r:id="rId4" imgW="152280" imgH="228600" progId="Equation.DSMT4">
+                  <p:embed/>
+                  <p:pic>
+                    <p:nvPicPr>
+                      <p:cNvPr id="18" name="オブジェクト 17">
+                        <a:extLst>
+                          <a:ext uri="{FF2B5EF4-FFF2-40B4-BE49-F238E27FC236}">
+                            <a16:creationId xmlns:a16="http://schemas.microsoft.com/office/drawing/2014/main" id="{C1D8F897-BA4B-4AAC-9823-F5A8857F935E}"/>
+                          </a:ext>
+                        </a:extLst>
+                      </p:cNvPr>
+                      <p:cNvPicPr/>
+                      <p:nvPr/>
+                    </p:nvPicPr>
+                    <p:blipFill>
+                      <a:blip r:embed="rId5"/>
+                      <a:stretch>
+                        <a:fillRect/>
+                      </a:stretch>
+                    </p:blipFill>
+                    <p:spPr>
+                      <a:xfrm>
+                        <a:off x="1828125" y="5910967"/>
+                        <a:ext cx="228420" cy="342900"/>
+                      </a:xfrm>
+                      <a:prstGeom prst="rect">
+                        <a:avLst/>
+                      </a:prstGeom>
+                    </p:spPr>
+                  </p:pic>
+                </p:oleObj>
+              </mc:Fallback>
+            </mc:AlternateContent>
+          </a:graphicData>
+        </a:graphic>
+      </p:graphicFrame>
+      <p:sp>
+        <p:nvSpPr>
+          <p:cNvPr id="48" name="円弧 47">
+            <a:extLst>
+              <a:ext uri="{FF2B5EF4-FFF2-40B4-BE49-F238E27FC236}">
+                <a16:creationId xmlns:a16="http://schemas.microsoft.com/office/drawing/2014/main" id="{48448CE7-E9AD-4828-9B95-B2331E45AB95}"/>
+              </a:ext>
+            </a:extLst>
+          </p:cNvPr>
+          <p:cNvSpPr>
+            <a:spLocks noChangeAspect="1"/>
+          </p:cNvSpPr>
+          <p:nvPr/>
         </p:nvSpPr>
-        <p:spPr/>
+        <p:spPr>
+          <a:xfrm>
+            <a:off x="1136350" y="5889685"/>
+            <a:ext cx="597881" cy="597881"/>
+          </a:xfrm>
+          <a:prstGeom prst="arc">
+            <a:avLst>
+              <a:gd name="adj1" fmla="val 18723435"/>
+              <a:gd name="adj2" fmla="val 0"/>
+            </a:avLst>
+          </a:prstGeom>
+          <a:ln>
+            <a:solidFill>
+              <a:schemeClr val="tx1"/>
+            </a:solidFill>
+            <a:headEnd type="triangle" w="lg" len="lg"/>
+            <a:tailEnd type="none"/>
+          </a:ln>
+        </p:spPr>
+        <p:style>
+          <a:lnRef idx="1">
+            <a:schemeClr val="accent1"/>
+          </a:lnRef>
+          <a:fillRef idx="0">
+            <a:schemeClr val="accent1"/>
+          </a:fillRef>
+          <a:effectRef idx="0">
+            <a:schemeClr val="accent1"/>
+          </a:effectRef>
+          <a:fontRef idx="minor">
+            <a:schemeClr val="tx1"/>
+          </a:fontRef>
+        </p:style>
         <p:txBody>
-          <a:bodyPr/>
+          <a:bodyPr rtlCol="0" anchor="ctr"/>
           <a:lstStyle/>
           <a:p>
-            <a:r>
-              <a:rPr lang="ja-JP" altLang="en-US" dirty="0"/>
-              <a:t>成瀬継太郎</a:t>
-            </a:r>
-            <a:endParaRPr lang="en-US" altLang="ja-JP" dirty="0"/>
-          </a:p>
-          <a:p>
-            <a:r>
-              <a:rPr lang="en-US" altLang="ja-JP" dirty="0"/>
-              <a:t>Keitaro Naruse</a:t>
-            </a:r>
-            <a:endParaRPr lang="ja-JP" altLang="en-US" dirty="0"/>
+            <a:pPr algn="ctr"/>
+            <a:endParaRPr lang="ja-JP" altLang="en-US"/>
+          </a:p>
+        </p:txBody>
+      </p:sp>
+      <p:sp>
+        <p:nvSpPr>
+          <p:cNvPr id="49" name="円弧 48">
+            <a:extLst>
+              <a:ext uri="{FF2B5EF4-FFF2-40B4-BE49-F238E27FC236}">
+                <a16:creationId xmlns:a16="http://schemas.microsoft.com/office/drawing/2014/main" id="{0E578F05-F3E9-495A-9FBA-F9AFF77BCE03}"/>
+              </a:ext>
+            </a:extLst>
+          </p:cNvPr>
+          <p:cNvSpPr>
+            <a:spLocks noChangeAspect="1"/>
+          </p:cNvSpPr>
+          <p:nvPr/>
+        </p:nvSpPr>
+        <p:spPr>
+          <a:xfrm>
+            <a:off x="2118762" y="5221102"/>
+            <a:ext cx="597881" cy="597881"/>
+          </a:xfrm>
+          <a:prstGeom prst="arc">
+            <a:avLst>
+              <a:gd name="adj1" fmla="val 17612764"/>
+              <a:gd name="adj2" fmla="val 20360500"/>
+            </a:avLst>
+          </a:prstGeom>
+          <a:ln>
+            <a:solidFill>
+              <a:schemeClr val="tx1"/>
+            </a:solidFill>
+            <a:headEnd type="triangle" w="lg" len="lg"/>
+            <a:tailEnd type="none"/>
+          </a:ln>
+        </p:spPr>
+        <p:style>
+          <a:lnRef idx="1">
+            <a:schemeClr val="accent1"/>
+          </a:lnRef>
+          <a:fillRef idx="0">
+            <a:schemeClr val="accent1"/>
+          </a:fillRef>
+          <a:effectRef idx="0">
+            <a:schemeClr val="accent1"/>
+          </a:effectRef>
+          <a:fontRef idx="minor">
+            <a:schemeClr val="tx1"/>
+          </a:fontRef>
+        </p:style>
+        <p:txBody>
+          <a:bodyPr rtlCol="0" anchor="ctr"/>
+          <a:lstStyle/>
+          <a:p>
+            <a:pPr algn="ctr"/>
+            <a:endParaRPr lang="ja-JP" altLang="en-US"/>
+          </a:p>
+        </p:txBody>
+      </p:sp>
+      <p:graphicFrame>
+        <p:nvGraphicFramePr>
+          <p:cNvPr id="50" name="オブジェクト 49">
+            <a:extLst>
+              <a:ext uri="{FF2B5EF4-FFF2-40B4-BE49-F238E27FC236}">
+                <a16:creationId xmlns:a16="http://schemas.microsoft.com/office/drawing/2014/main" id="{15471DAB-77FC-4BCA-916C-2A513BFBE833}"/>
+              </a:ext>
+            </a:extLst>
+          </p:cNvPr>
+          <p:cNvGraphicFramePr>
+            <a:graphicFrameLocks noChangeAspect="1"/>
+          </p:cNvGraphicFramePr>
+          <p:nvPr>
+            <p:extLst>
+              <p:ext uri="{D42A27DB-BD31-4B8C-83A1-F6EECF244321}">
+                <p14:modId xmlns:p14="http://schemas.microsoft.com/office/powerpoint/2010/main" val="3205351256"/>
+              </p:ext>
+            </p:extLst>
+          </p:nvPr>
+        </p:nvGraphicFramePr>
+        <p:xfrm>
+          <a:off x="2708306" y="5045412"/>
+          <a:ext cx="247320" cy="342900"/>
+        </p:xfrm>
+        <a:graphic>
+          <a:graphicData uri="http://schemas.openxmlformats.org/presentationml/2006/ole">
+            <mc:AlternateContent xmlns:mc="http://schemas.openxmlformats.org/markup-compatibility/2006">
+              <mc:Choice xmlns:v="urn:schemas-microsoft-com:vml" Requires="v">
+                <p:oleObj name="Equation" r:id="rId6" imgW="164880" imgH="228600" progId="Equation.DSMT4">
+                  <p:embed/>
+                </p:oleObj>
+              </mc:Choice>
+              <mc:Fallback>
+                <p:oleObj name="Equation" r:id="rId6" imgW="164880" imgH="228600" progId="Equation.DSMT4">
+                  <p:embed/>
+                  <p:pic>
+                    <p:nvPicPr>
+                      <p:cNvPr id="21" name="オブジェクト 20">
+                        <a:extLst>
+                          <a:ext uri="{FF2B5EF4-FFF2-40B4-BE49-F238E27FC236}">
+                            <a16:creationId xmlns:a16="http://schemas.microsoft.com/office/drawing/2014/main" id="{17B8C35D-8957-4122-8078-5905FDBB52D0}"/>
+                          </a:ext>
+                        </a:extLst>
+                      </p:cNvPr>
+                      <p:cNvPicPr/>
+                      <p:nvPr/>
+                    </p:nvPicPr>
+                    <p:blipFill>
+                      <a:blip r:embed="rId7"/>
+                      <a:stretch>
+                        <a:fillRect/>
+                      </a:stretch>
+                    </p:blipFill>
+                    <p:spPr>
+                      <a:xfrm>
+                        <a:off x="2708306" y="5045412"/>
+                        <a:ext cx="247320" cy="342900"/>
+                      </a:xfrm>
+                      <a:prstGeom prst="rect">
+                        <a:avLst/>
+                      </a:prstGeom>
+                    </p:spPr>
+                  </p:pic>
+                </p:oleObj>
+              </mc:Fallback>
+            </mc:AlternateContent>
+          </a:graphicData>
+        </a:graphic>
+      </p:graphicFrame>
+      <p:graphicFrame>
+        <p:nvGraphicFramePr>
+          <p:cNvPr id="51" name="オブジェクト 50">
+            <a:extLst>
+              <a:ext uri="{FF2B5EF4-FFF2-40B4-BE49-F238E27FC236}">
+                <a16:creationId xmlns:a16="http://schemas.microsoft.com/office/drawing/2014/main" id="{5B0DF584-81D8-490A-A750-7D15569EEEBA}"/>
+              </a:ext>
+            </a:extLst>
+          </p:cNvPr>
+          <p:cNvGraphicFramePr>
+            <a:graphicFrameLocks noChangeAspect="1"/>
+          </p:cNvGraphicFramePr>
+          <p:nvPr>
+            <p:extLst>
+              <p:ext uri="{D42A27DB-BD31-4B8C-83A1-F6EECF244321}">
+                <p14:modId xmlns:p14="http://schemas.microsoft.com/office/powerpoint/2010/main" val="2928502984"/>
+              </p:ext>
+            </p:extLst>
+          </p:nvPr>
+        </p:nvGraphicFramePr>
+        <p:xfrm>
+          <a:off x="2899430" y="3721088"/>
+          <a:ext cx="247320" cy="342900"/>
+        </p:xfrm>
+        <a:graphic>
+          <a:graphicData uri="http://schemas.openxmlformats.org/presentationml/2006/ole">
+            <mc:AlternateContent xmlns:mc="http://schemas.openxmlformats.org/markup-compatibility/2006">
+              <mc:Choice xmlns:v="urn:schemas-microsoft-com:vml" Requires="v">
+                <p:oleObj name="Equation" r:id="rId8" imgW="164880" imgH="228600" progId="Equation.DSMT4">
+                  <p:embed/>
+                </p:oleObj>
+              </mc:Choice>
+              <mc:Fallback>
+                <p:oleObj name="Equation" r:id="rId8" imgW="164880" imgH="228600" progId="Equation.DSMT4">
+                  <p:embed/>
+                  <p:pic>
+                    <p:nvPicPr>
+                      <p:cNvPr id="22" name="オブジェクト 21">
+                        <a:extLst>
+                          <a:ext uri="{FF2B5EF4-FFF2-40B4-BE49-F238E27FC236}">
+                            <a16:creationId xmlns:a16="http://schemas.microsoft.com/office/drawing/2014/main" id="{1E345211-050D-4555-B46F-622B1187A9D9}"/>
+                          </a:ext>
+                        </a:extLst>
+                      </p:cNvPr>
+                      <p:cNvPicPr/>
+                      <p:nvPr/>
+                    </p:nvPicPr>
+                    <p:blipFill>
+                      <a:blip r:embed="rId9"/>
+                      <a:stretch>
+                        <a:fillRect/>
+                      </a:stretch>
+                    </p:blipFill>
+                    <p:spPr>
+                      <a:xfrm>
+                        <a:off x="2899430" y="3721088"/>
+                        <a:ext cx="247320" cy="342900"/>
+                      </a:xfrm>
+                      <a:prstGeom prst="rect">
+                        <a:avLst/>
+                      </a:prstGeom>
+                    </p:spPr>
+                  </p:pic>
+                </p:oleObj>
+              </mc:Fallback>
+            </mc:AlternateContent>
+          </a:graphicData>
+        </a:graphic>
+      </p:graphicFrame>
+      <p:sp>
+        <p:nvSpPr>
+          <p:cNvPr id="52" name="円弧 51">
+            <a:extLst>
+              <a:ext uri="{FF2B5EF4-FFF2-40B4-BE49-F238E27FC236}">
+                <a16:creationId xmlns:a16="http://schemas.microsoft.com/office/drawing/2014/main" id="{CB77CDE5-9CBD-4988-B5EF-08422B7AE6F9}"/>
+              </a:ext>
+            </a:extLst>
+          </p:cNvPr>
+          <p:cNvSpPr>
+            <a:spLocks noChangeAspect="1"/>
+          </p:cNvSpPr>
+          <p:nvPr/>
+        </p:nvSpPr>
+        <p:spPr>
+          <a:xfrm>
+            <a:off x="2683980" y="4010414"/>
+            <a:ext cx="597881" cy="597881"/>
+          </a:xfrm>
+          <a:prstGeom prst="arc">
+            <a:avLst>
+              <a:gd name="adj1" fmla="val 13843597"/>
+              <a:gd name="adj2" fmla="val 17979227"/>
+            </a:avLst>
+          </a:prstGeom>
+          <a:ln>
+            <a:solidFill>
+              <a:schemeClr val="tx1"/>
+            </a:solidFill>
+            <a:headEnd type="triangle" w="lg" len="lg"/>
+            <a:tailEnd type="none"/>
+          </a:ln>
+        </p:spPr>
+        <p:style>
+          <a:lnRef idx="1">
+            <a:schemeClr val="accent1"/>
+          </a:lnRef>
+          <a:fillRef idx="0">
+            <a:schemeClr val="accent1"/>
+          </a:fillRef>
+          <a:effectRef idx="0">
+            <a:schemeClr val="accent1"/>
+          </a:effectRef>
+          <a:fontRef idx="minor">
+            <a:schemeClr val="tx1"/>
+          </a:fontRef>
+        </p:style>
+        <p:txBody>
+          <a:bodyPr rtlCol="0" anchor="ctr"/>
+          <a:lstStyle/>
+          <a:p>
+            <a:pPr algn="ctr"/>
+            <a:endParaRPr lang="ja-JP" altLang="en-US"/>
+          </a:p>
+        </p:txBody>
+      </p:sp>
+      <p:cxnSp>
+        <p:nvCxnSpPr>
+          <p:cNvPr id="53" name="直線コネクタ 52">
+            <a:extLst>
+              <a:ext uri="{FF2B5EF4-FFF2-40B4-BE49-F238E27FC236}">
+                <a16:creationId xmlns:a16="http://schemas.microsoft.com/office/drawing/2014/main" id="{2F0BBECB-FAA5-450A-834A-46F86AFE639E}"/>
+              </a:ext>
+            </a:extLst>
+          </p:cNvPr>
+          <p:cNvCxnSpPr>
+            <a:cxnSpLocks/>
+          </p:cNvCxnSpPr>
+          <p:nvPr/>
+        </p:nvCxnSpPr>
+        <p:spPr>
+          <a:xfrm flipH="1">
+            <a:off x="1759993" y="3198840"/>
+            <a:ext cx="1195895" cy="0"/>
+          </a:xfrm>
+          <a:prstGeom prst="line">
+            <a:avLst/>
+          </a:prstGeom>
+          <a:ln w="3175">
+            <a:solidFill>
+              <a:schemeClr val="tx1"/>
+            </a:solidFill>
+          </a:ln>
+        </p:spPr>
+        <p:style>
+          <a:lnRef idx="1">
+            <a:schemeClr val="accent1"/>
+          </a:lnRef>
+          <a:fillRef idx="0">
+            <a:schemeClr val="accent1"/>
+          </a:fillRef>
+          <a:effectRef idx="0">
+            <a:schemeClr val="accent1"/>
+          </a:effectRef>
+          <a:fontRef idx="minor">
+            <a:schemeClr val="tx1"/>
+          </a:fontRef>
+        </p:style>
+      </p:cxnSp>
+      <p:sp>
+        <p:nvSpPr>
+          <p:cNvPr id="54" name="楕円 53">
+            <a:extLst>
+              <a:ext uri="{FF2B5EF4-FFF2-40B4-BE49-F238E27FC236}">
+                <a16:creationId xmlns:a16="http://schemas.microsoft.com/office/drawing/2014/main" id="{DE2C470E-31AB-4BD4-9CFE-78A4A49253E5}"/>
+              </a:ext>
+            </a:extLst>
+          </p:cNvPr>
+          <p:cNvSpPr>
+            <a:spLocks noChangeAspect="1"/>
+          </p:cNvSpPr>
+          <p:nvPr/>
+        </p:nvSpPr>
+        <p:spPr>
+          <a:xfrm>
+            <a:off x="2238351" y="3079251"/>
+            <a:ext cx="239152" cy="239152"/>
+          </a:xfrm>
+          <a:prstGeom prst="ellipse">
+            <a:avLst/>
+          </a:prstGeom>
+          <a:solidFill>
+            <a:schemeClr val="bg1"/>
+          </a:solidFill>
+          <a:ln w="9525">
+            <a:solidFill>
+              <a:schemeClr val="tx1"/>
+            </a:solidFill>
+          </a:ln>
+        </p:spPr>
+        <p:style>
+          <a:lnRef idx="2">
+            <a:schemeClr val="accent1">
+              <a:shade val="50000"/>
+            </a:schemeClr>
+          </a:lnRef>
+          <a:fillRef idx="1">
+            <a:schemeClr val="accent1"/>
+          </a:fillRef>
+          <a:effectRef idx="0">
+            <a:schemeClr val="accent1"/>
+          </a:effectRef>
+          <a:fontRef idx="minor">
+            <a:schemeClr val="lt1"/>
+          </a:fontRef>
+        </p:style>
+        <p:txBody>
+          <a:bodyPr rtlCol="0" anchor="t"/>
+          <a:lstStyle/>
+          <a:p>
+            <a:pPr algn="l"/>
+            <a:endParaRPr lang="ja-JP" altLang="en-US" dirty="0">
+              <a:solidFill>
+                <a:schemeClr val="tx1"/>
+              </a:solidFill>
+            </a:endParaRPr>
+          </a:p>
+        </p:txBody>
+      </p:sp>
+      <p:graphicFrame>
+        <p:nvGraphicFramePr>
+          <p:cNvPr id="55" name="オブジェクト 54">
+            <a:extLst>
+              <a:ext uri="{FF2B5EF4-FFF2-40B4-BE49-F238E27FC236}">
+                <a16:creationId xmlns:a16="http://schemas.microsoft.com/office/drawing/2014/main" id="{ABE96F4E-2ABE-4304-8EA0-9FD9EDE89426}"/>
+              </a:ext>
+            </a:extLst>
+          </p:cNvPr>
+          <p:cNvGraphicFramePr>
+            <a:graphicFrameLocks noChangeAspect="1"/>
+          </p:cNvGraphicFramePr>
+          <p:nvPr>
+            <p:extLst>
+              <p:ext uri="{D42A27DB-BD31-4B8C-83A1-F6EECF244321}">
+                <p14:modId xmlns:p14="http://schemas.microsoft.com/office/powerpoint/2010/main" val="1262472748"/>
+              </p:ext>
+            </p:extLst>
+          </p:nvPr>
+        </p:nvGraphicFramePr>
+        <p:xfrm>
+          <a:off x="2629210" y="2708919"/>
+          <a:ext cx="190080" cy="266220"/>
+        </p:xfrm>
+        <a:graphic>
+          <a:graphicData uri="http://schemas.openxmlformats.org/presentationml/2006/ole">
+            <mc:AlternateContent xmlns:mc="http://schemas.openxmlformats.org/markup-compatibility/2006">
+              <mc:Choice xmlns:v="urn:schemas-microsoft-com:vml" Requires="v">
+                <p:oleObj name="Equation" r:id="rId10" imgW="126720" imgH="177480" progId="Equation.DSMT4">
+                  <p:embed/>
+                </p:oleObj>
+              </mc:Choice>
+              <mc:Fallback>
+                <p:oleObj name="Equation" r:id="rId10" imgW="126720" imgH="177480" progId="Equation.DSMT4">
+                  <p:embed/>
+                  <p:pic>
+                    <p:nvPicPr>
+                      <p:cNvPr id="26" name="オブジェクト 25">
+                        <a:extLst>
+                          <a:ext uri="{FF2B5EF4-FFF2-40B4-BE49-F238E27FC236}">
+                            <a16:creationId xmlns:a16="http://schemas.microsoft.com/office/drawing/2014/main" id="{C9BE6A82-47A2-4732-9EB1-8DAEEC4550E2}"/>
+                          </a:ext>
+                        </a:extLst>
+                      </p:cNvPr>
+                      <p:cNvPicPr/>
+                      <p:nvPr/>
+                    </p:nvPicPr>
+                    <p:blipFill>
+                      <a:blip r:embed="rId11"/>
+                      <a:stretch>
+                        <a:fillRect/>
+                      </a:stretch>
+                    </p:blipFill>
+                    <p:spPr>
+                      <a:xfrm>
+                        <a:off x="2629210" y="2708919"/>
+                        <a:ext cx="190080" cy="266220"/>
+                      </a:xfrm>
+                      <a:prstGeom prst="rect">
+                        <a:avLst/>
+                      </a:prstGeom>
+                    </p:spPr>
+                  </p:pic>
+                </p:oleObj>
+              </mc:Fallback>
+            </mc:AlternateContent>
+          </a:graphicData>
+        </a:graphic>
+      </p:graphicFrame>
+      <p:sp>
+        <p:nvSpPr>
+          <p:cNvPr id="56" name="円弧 55">
+            <a:extLst>
+              <a:ext uri="{FF2B5EF4-FFF2-40B4-BE49-F238E27FC236}">
+                <a16:creationId xmlns:a16="http://schemas.microsoft.com/office/drawing/2014/main" id="{630FBE2C-E1E7-4B0C-87CE-E7B44C0C0DF4}"/>
+              </a:ext>
+            </a:extLst>
+          </p:cNvPr>
+          <p:cNvSpPr>
+            <a:spLocks noChangeAspect="1"/>
+          </p:cNvSpPr>
+          <p:nvPr/>
+        </p:nvSpPr>
+        <p:spPr>
+          <a:xfrm>
+            <a:off x="2078288" y="2900092"/>
+            <a:ext cx="597881" cy="597881"/>
+          </a:xfrm>
+          <a:prstGeom prst="arc">
+            <a:avLst>
+              <a:gd name="adj1" fmla="val 14431860"/>
+              <a:gd name="adj2" fmla="val 0"/>
+            </a:avLst>
+          </a:prstGeom>
+          <a:ln>
+            <a:solidFill>
+              <a:schemeClr val="tx1"/>
+            </a:solidFill>
+            <a:headEnd type="triangle" w="lg" len="lg"/>
+            <a:tailEnd type="none"/>
+          </a:ln>
+        </p:spPr>
+        <p:style>
+          <a:lnRef idx="1">
+            <a:schemeClr val="accent1"/>
+          </a:lnRef>
+          <a:fillRef idx="0">
+            <a:schemeClr val="accent1"/>
+          </a:fillRef>
+          <a:effectRef idx="0">
+            <a:schemeClr val="accent1"/>
+          </a:effectRef>
+          <a:fontRef idx="minor">
+            <a:schemeClr val="tx1"/>
+          </a:fontRef>
+        </p:style>
+        <p:txBody>
+          <a:bodyPr rtlCol="0" anchor="ctr"/>
+          <a:lstStyle/>
+          <a:p>
+            <a:pPr algn="ctr"/>
+            <a:endParaRPr lang="ja-JP" altLang="en-US"/>
+          </a:p>
+        </p:txBody>
+      </p:sp>
+      <p:graphicFrame>
+        <p:nvGraphicFramePr>
+          <p:cNvPr id="57" name="オブジェクト 56">
+            <a:extLst>
+              <a:ext uri="{FF2B5EF4-FFF2-40B4-BE49-F238E27FC236}">
+                <a16:creationId xmlns:a16="http://schemas.microsoft.com/office/drawing/2014/main" id="{21942668-EE04-42C4-9287-58532C5CA408}"/>
+              </a:ext>
+            </a:extLst>
+          </p:cNvPr>
+          <p:cNvGraphicFramePr>
+            <a:graphicFrameLocks noChangeAspect="1"/>
+          </p:cNvGraphicFramePr>
+          <p:nvPr>
+            <p:extLst>
+              <p:ext uri="{D42A27DB-BD31-4B8C-83A1-F6EECF244321}">
+                <p14:modId xmlns:p14="http://schemas.microsoft.com/office/powerpoint/2010/main" val="4093045811"/>
+              </p:ext>
+            </p:extLst>
+          </p:nvPr>
+        </p:nvGraphicFramePr>
+        <p:xfrm>
+          <a:off x="1967056" y="3269396"/>
+          <a:ext cx="419040" cy="647460"/>
+        </p:xfrm>
+        <a:graphic>
+          <a:graphicData uri="http://schemas.openxmlformats.org/presentationml/2006/ole">
+            <mc:AlternateContent xmlns:mc="http://schemas.openxmlformats.org/markup-compatibility/2006">
+              <mc:Choice xmlns:v="urn:schemas-microsoft-com:vml" Requires="v">
+                <p:oleObj name="Equation" r:id="rId12" imgW="279360" imgH="431640" progId="Equation.DSMT4">
+                  <p:embed/>
+                </p:oleObj>
+              </mc:Choice>
+              <mc:Fallback>
+                <p:oleObj name="Equation" r:id="rId12" imgW="279360" imgH="431640" progId="Equation.DSMT4">
+                  <p:embed/>
+                  <p:pic>
+                    <p:nvPicPr>
+                      <p:cNvPr id="28" name="オブジェクト 27">
+                        <a:extLst>
+                          <a:ext uri="{FF2B5EF4-FFF2-40B4-BE49-F238E27FC236}">
+                            <a16:creationId xmlns:a16="http://schemas.microsoft.com/office/drawing/2014/main" id="{BC1F3DEA-32F7-4DAC-87F7-9239C6A966BB}"/>
+                          </a:ext>
+                        </a:extLst>
+                      </p:cNvPr>
+                      <p:cNvPicPr/>
+                      <p:nvPr/>
+                    </p:nvPicPr>
+                    <p:blipFill>
+                      <a:blip r:embed="rId13"/>
+                      <a:stretch>
+                        <a:fillRect/>
+                      </a:stretch>
+                    </p:blipFill>
+                    <p:spPr>
+                      <a:xfrm>
+                        <a:off x="1967056" y="3269396"/>
+                        <a:ext cx="419040" cy="647460"/>
+                      </a:xfrm>
+                      <a:prstGeom prst="rect">
+                        <a:avLst/>
+                      </a:prstGeom>
+                    </p:spPr>
+                  </p:pic>
+                </p:oleObj>
+              </mc:Fallback>
+            </mc:AlternateContent>
+          </a:graphicData>
+        </a:graphic>
+      </p:graphicFrame>
+      <p:cxnSp>
+        <p:nvCxnSpPr>
+          <p:cNvPr id="58" name="直線コネクタ 57">
+            <a:extLst>
+              <a:ext uri="{FF2B5EF4-FFF2-40B4-BE49-F238E27FC236}">
+                <a16:creationId xmlns:a16="http://schemas.microsoft.com/office/drawing/2014/main" id="{6D636714-415F-4929-8159-8D2591C322B0}"/>
+              </a:ext>
+            </a:extLst>
+          </p:cNvPr>
+          <p:cNvCxnSpPr>
+            <a:cxnSpLocks/>
+          </p:cNvCxnSpPr>
+          <p:nvPr/>
+        </p:nvCxnSpPr>
+        <p:spPr>
+          <a:xfrm flipV="1">
+            <a:off x="1162032" y="3198827"/>
+            <a:ext cx="0" cy="3288739"/>
+          </a:xfrm>
+          <a:prstGeom prst="line">
+            <a:avLst/>
+          </a:prstGeom>
+          <a:ln w="3175">
+            <a:solidFill>
+              <a:schemeClr val="tx1"/>
+            </a:solidFill>
+            <a:tailEnd type="triangle" w="lg" len="lg"/>
+          </a:ln>
+        </p:spPr>
+        <p:style>
+          <a:lnRef idx="1">
+            <a:schemeClr val="accent1"/>
+          </a:lnRef>
+          <a:fillRef idx="0">
+            <a:schemeClr val="accent1"/>
+          </a:fillRef>
+          <a:effectRef idx="0">
+            <a:schemeClr val="accent1"/>
+          </a:effectRef>
+          <a:fontRef idx="minor">
+            <a:schemeClr val="tx1"/>
+          </a:fontRef>
+        </p:style>
+      </p:cxnSp>
+      <p:graphicFrame>
+        <p:nvGraphicFramePr>
+          <p:cNvPr id="59" name="オブジェクト 58">
+            <a:extLst>
+              <a:ext uri="{FF2B5EF4-FFF2-40B4-BE49-F238E27FC236}">
+                <a16:creationId xmlns:a16="http://schemas.microsoft.com/office/drawing/2014/main" id="{FE91BA91-3A23-4BE0-8F3A-42192AFFE09D}"/>
+              </a:ext>
+            </a:extLst>
+          </p:cNvPr>
+          <p:cNvGraphicFramePr>
+            <a:graphicFrameLocks noChangeAspect="1"/>
+          </p:cNvGraphicFramePr>
+          <p:nvPr>
+            <p:extLst>
+              <p:ext uri="{D42A27DB-BD31-4B8C-83A1-F6EECF244321}">
+                <p14:modId xmlns:p14="http://schemas.microsoft.com/office/powerpoint/2010/main" val="3508503685"/>
+              </p:ext>
+            </p:extLst>
+          </p:nvPr>
+        </p:nvGraphicFramePr>
+        <p:xfrm>
+          <a:off x="3852809" y="6259425"/>
+          <a:ext cx="190080" cy="209520"/>
+        </p:xfrm>
+        <a:graphic>
+          <a:graphicData uri="http://schemas.openxmlformats.org/presentationml/2006/ole">
+            <mc:AlternateContent xmlns:mc="http://schemas.openxmlformats.org/markup-compatibility/2006">
+              <mc:Choice xmlns:v="urn:schemas-microsoft-com:vml" Requires="v">
+                <p:oleObj name="Equation" r:id="rId14" imgW="126720" imgH="139680" progId="Equation.DSMT4">
+                  <p:embed/>
+                </p:oleObj>
+              </mc:Choice>
+              <mc:Fallback>
+                <p:oleObj name="Equation" r:id="rId14" imgW="126720" imgH="139680" progId="Equation.DSMT4">
+                  <p:embed/>
+                  <p:pic>
+                    <p:nvPicPr>
+                      <p:cNvPr id="30" name="オブジェクト 29">
+                        <a:extLst>
+                          <a:ext uri="{FF2B5EF4-FFF2-40B4-BE49-F238E27FC236}">
+                            <a16:creationId xmlns:a16="http://schemas.microsoft.com/office/drawing/2014/main" id="{49FA9045-7A88-4294-8671-2051C5D37D29}"/>
+                          </a:ext>
+                        </a:extLst>
+                      </p:cNvPr>
+                      <p:cNvPicPr/>
+                      <p:nvPr/>
+                    </p:nvPicPr>
+                    <p:blipFill>
+                      <a:blip r:embed="rId15"/>
+                      <a:stretch>
+                        <a:fillRect/>
+                      </a:stretch>
+                    </p:blipFill>
+                    <p:spPr>
+                      <a:xfrm>
+                        <a:off x="3852809" y="6259425"/>
+                        <a:ext cx="190080" cy="209520"/>
+                      </a:xfrm>
+                      <a:prstGeom prst="rect">
+                        <a:avLst/>
+                      </a:prstGeom>
+                    </p:spPr>
+                  </p:pic>
+                </p:oleObj>
+              </mc:Fallback>
+            </mc:AlternateContent>
+          </a:graphicData>
+        </a:graphic>
+      </p:graphicFrame>
+      <p:graphicFrame>
+        <p:nvGraphicFramePr>
+          <p:cNvPr id="60" name="オブジェクト 59">
+            <a:extLst>
+              <a:ext uri="{FF2B5EF4-FFF2-40B4-BE49-F238E27FC236}">
+                <a16:creationId xmlns:a16="http://schemas.microsoft.com/office/drawing/2014/main" id="{F883082D-E1A8-4A33-9B65-7370127F15D8}"/>
+              </a:ext>
+            </a:extLst>
+          </p:cNvPr>
+          <p:cNvGraphicFramePr>
+            <a:graphicFrameLocks noChangeAspect="1"/>
+          </p:cNvGraphicFramePr>
+          <p:nvPr>
+            <p:extLst>
+              <p:ext uri="{D42A27DB-BD31-4B8C-83A1-F6EECF244321}">
+                <p14:modId xmlns:p14="http://schemas.microsoft.com/office/powerpoint/2010/main" val="3269501578"/>
+              </p:ext>
+            </p:extLst>
+          </p:nvPr>
+        </p:nvGraphicFramePr>
+        <p:xfrm>
+          <a:off x="964267" y="3368207"/>
+          <a:ext cx="209520" cy="247320"/>
+        </p:xfrm>
+        <a:graphic>
+          <a:graphicData uri="http://schemas.openxmlformats.org/presentationml/2006/ole">
+            <mc:AlternateContent xmlns:mc="http://schemas.openxmlformats.org/markup-compatibility/2006">
+              <mc:Choice xmlns:v="urn:schemas-microsoft-com:vml" Requires="v">
+                <p:oleObj name="Equation" r:id="rId16" imgW="139680" imgH="164880" progId="Equation.DSMT4">
+                  <p:embed/>
+                </p:oleObj>
+              </mc:Choice>
+              <mc:Fallback>
+                <p:oleObj name="Equation" r:id="rId16" imgW="139680" imgH="164880" progId="Equation.DSMT4">
+                  <p:embed/>
+                  <p:pic>
+                    <p:nvPicPr>
+                      <p:cNvPr id="31" name="オブジェクト 30">
+                        <a:extLst>
+                          <a:ext uri="{FF2B5EF4-FFF2-40B4-BE49-F238E27FC236}">
+                            <a16:creationId xmlns:a16="http://schemas.microsoft.com/office/drawing/2014/main" id="{52A3D7E9-3A5D-463B-B399-F60E7184AE5C}"/>
+                          </a:ext>
+                        </a:extLst>
+                      </p:cNvPr>
+                      <p:cNvPicPr/>
+                      <p:nvPr/>
+                    </p:nvPicPr>
+                    <p:blipFill>
+                      <a:blip r:embed="rId17"/>
+                      <a:stretch>
+                        <a:fillRect/>
+                      </a:stretch>
+                    </p:blipFill>
+                    <p:spPr>
+                      <a:xfrm>
+                        <a:off x="964267" y="3368207"/>
+                        <a:ext cx="209520" cy="247320"/>
+                      </a:xfrm>
+                      <a:prstGeom prst="rect">
+                        <a:avLst/>
+                      </a:prstGeom>
+                    </p:spPr>
+                  </p:pic>
+                </p:oleObj>
+              </mc:Fallback>
+            </mc:AlternateContent>
+          </a:graphicData>
+        </a:graphic>
+      </p:graphicFrame>
+      <p:graphicFrame>
+        <p:nvGraphicFramePr>
+          <p:cNvPr id="61" name="オブジェクト 60">
+            <a:extLst>
+              <a:ext uri="{FF2B5EF4-FFF2-40B4-BE49-F238E27FC236}">
+                <a16:creationId xmlns:a16="http://schemas.microsoft.com/office/drawing/2014/main" id="{D41F502A-C2BB-44EE-95E1-B5E204214DB2}"/>
+              </a:ext>
+            </a:extLst>
+          </p:cNvPr>
+          <p:cNvGraphicFramePr>
+            <a:graphicFrameLocks noChangeAspect="1"/>
+          </p:cNvGraphicFramePr>
+          <p:nvPr>
+            <p:extLst>
+              <p:ext uri="{D42A27DB-BD31-4B8C-83A1-F6EECF244321}">
+                <p14:modId xmlns:p14="http://schemas.microsoft.com/office/powerpoint/2010/main" val="2497845033"/>
+              </p:ext>
+            </p:extLst>
+          </p:nvPr>
+        </p:nvGraphicFramePr>
+        <p:xfrm>
+          <a:off x="931213" y="6277394"/>
+          <a:ext cx="190080" cy="209520"/>
+        </p:xfrm>
+        <a:graphic>
+          <a:graphicData uri="http://schemas.openxmlformats.org/presentationml/2006/ole">
+            <mc:AlternateContent xmlns:mc="http://schemas.openxmlformats.org/markup-compatibility/2006">
+              <mc:Choice xmlns:v="urn:schemas-microsoft-com:vml" Requires="v">
+                <p:oleObj name="Equation" r:id="rId18" imgW="126720" imgH="139680" progId="Equation.DSMT4">
+                  <p:embed/>
+                </p:oleObj>
+              </mc:Choice>
+              <mc:Fallback>
+                <p:oleObj name="Equation" r:id="rId18" imgW="126720" imgH="139680" progId="Equation.DSMT4">
+                  <p:embed/>
+                  <p:pic>
+                    <p:nvPicPr>
+                      <p:cNvPr id="32" name="オブジェクト 31">
+                        <a:extLst>
+                          <a:ext uri="{FF2B5EF4-FFF2-40B4-BE49-F238E27FC236}">
+                            <a16:creationId xmlns:a16="http://schemas.microsoft.com/office/drawing/2014/main" id="{4B98AAB6-0E10-4A69-8F64-EFF7D36B0773}"/>
+                          </a:ext>
+                        </a:extLst>
+                      </p:cNvPr>
+                      <p:cNvPicPr/>
+                      <p:nvPr/>
+                    </p:nvPicPr>
+                    <p:blipFill>
+                      <a:blip r:embed="rId19"/>
+                      <a:stretch>
+                        <a:fillRect/>
+                      </a:stretch>
+                    </p:blipFill>
+                    <p:spPr>
+                      <a:xfrm>
+                        <a:off x="931213" y="6277394"/>
+                        <a:ext cx="190080" cy="209520"/>
+                      </a:xfrm>
+                      <a:prstGeom prst="rect">
+                        <a:avLst/>
+                      </a:prstGeom>
+                    </p:spPr>
+                  </p:pic>
+                </p:oleObj>
+              </mc:Fallback>
+            </mc:AlternateContent>
+          </a:graphicData>
+        </a:graphic>
+      </p:graphicFrame>
+      <p:sp>
+        <p:nvSpPr>
+          <p:cNvPr id="62" name="楕円 61">
+            <a:extLst>
+              <a:ext uri="{FF2B5EF4-FFF2-40B4-BE49-F238E27FC236}">
+                <a16:creationId xmlns:a16="http://schemas.microsoft.com/office/drawing/2014/main" id="{11FA708B-EAA4-4802-AEB1-89A589AEF8D3}"/>
+              </a:ext>
+            </a:extLst>
+          </p:cNvPr>
+          <p:cNvSpPr>
+            <a:spLocks noChangeAspect="1"/>
+          </p:cNvSpPr>
+          <p:nvPr/>
+        </p:nvSpPr>
+        <p:spPr>
+          <a:xfrm>
+            <a:off x="1042456" y="6069016"/>
+            <a:ext cx="239153" cy="239153"/>
+          </a:xfrm>
+          <a:prstGeom prst="ellipse">
+            <a:avLst/>
+          </a:prstGeom>
+          <a:solidFill>
+            <a:schemeClr val="bg1"/>
+          </a:solidFill>
+          <a:ln w="9525">
+            <a:solidFill>
+              <a:schemeClr val="tx1"/>
+            </a:solidFill>
+          </a:ln>
+        </p:spPr>
+        <p:style>
+          <a:lnRef idx="2">
+            <a:schemeClr val="accent1">
+              <a:shade val="50000"/>
+            </a:schemeClr>
+          </a:lnRef>
+          <a:fillRef idx="1">
+            <a:schemeClr val="accent1"/>
+          </a:fillRef>
+          <a:effectRef idx="0">
+            <a:schemeClr val="accent1"/>
+          </a:effectRef>
+          <a:fontRef idx="minor">
+            <a:schemeClr val="lt1"/>
+          </a:fontRef>
+        </p:style>
+        <p:txBody>
+          <a:bodyPr rtlCol="0" anchor="t"/>
+          <a:lstStyle/>
+          <a:p>
+            <a:pPr algn="l"/>
+            <a:endParaRPr lang="ja-JP" altLang="en-US" dirty="0">
+              <a:solidFill>
+                <a:schemeClr val="tx1"/>
+              </a:solidFill>
+            </a:endParaRPr>
+          </a:p>
+        </p:txBody>
+      </p:sp>
+      <p:graphicFrame>
+        <p:nvGraphicFramePr>
+          <p:cNvPr id="63" name="オブジェクト 62">
+            <a:extLst>
+              <a:ext uri="{FF2B5EF4-FFF2-40B4-BE49-F238E27FC236}">
+                <a16:creationId xmlns:a16="http://schemas.microsoft.com/office/drawing/2014/main" id="{8213256C-C0CD-4F94-930A-BD66CB6F971A}"/>
+              </a:ext>
+            </a:extLst>
+          </p:cNvPr>
+          <p:cNvGraphicFramePr>
+            <a:graphicFrameLocks noChangeAspect="1"/>
+          </p:cNvGraphicFramePr>
+          <p:nvPr>
+            <p:extLst>
+              <p:ext uri="{D42A27DB-BD31-4B8C-83A1-F6EECF244321}">
+                <p14:modId xmlns:p14="http://schemas.microsoft.com/office/powerpoint/2010/main" val="3087601421"/>
+              </p:ext>
+            </p:extLst>
+          </p:nvPr>
+        </p:nvGraphicFramePr>
+        <p:xfrm>
+          <a:off x="2365066" y="3618802"/>
+          <a:ext cx="266220" cy="342900"/>
+        </p:xfrm>
+        <a:graphic>
+          <a:graphicData uri="http://schemas.openxmlformats.org/presentationml/2006/ole">
+            <mc:AlternateContent xmlns:mc="http://schemas.openxmlformats.org/markup-compatibility/2006">
+              <mc:Choice xmlns:v="urn:schemas-microsoft-com:vml" Requires="v">
+                <p:oleObj name="Equation" r:id="rId20" imgW="177480" imgH="228600" progId="Equation.DSMT4">
+                  <p:embed/>
+                </p:oleObj>
+              </mc:Choice>
+              <mc:Fallback>
+                <p:oleObj name="Equation" r:id="rId20" imgW="177480" imgH="228600" progId="Equation.DSMT4">
+                  <p:embed/>
+                  <p:pic>
+                    <p:nvPicPr>
+                      <p:cNvPr id="34" name="オブジェクト 33">
+                        <a:extLst>
+                          <a:ext uri="{FF2B5EF4-FFF2-40B4-BE49-F238E27FC236}">
+                            <a16:creationId xmlns:a16="http://schemas.microsoft.com/office/drawing/2014/main" id="{5FFB09A1-4506-46FB-AB48-560D6E72B2EC}"/>
+                          </a:ext>
+                        </a:extLst>
+                      </p:cNvPr>
+                      <p:cNvPicPr/>
+                      <p:nvPr/>
+                    </p:nvPicPr>
+                    <p:blipFill>
+                      <a:blip r:embed="rId21"/>
+                      <a:stretch>
+                        <a:fillRect/>
+                      </a:stretch>
+                    </p:blipFill>
+                    <p:spPr>
+                      <a:xfrm>
+                        <a:off x="2365066" y="3618802"/>
+                        <a:ext cx="266220" cy="342900"/>
+                      </a:xfrm>
+                      <a:prstGeom prst="rect">
+                        <a:avLst/>
+                      </a:prstGeom>
+                    </p:spPr>
+                  </p:pic>
+                </p:oleObj>
+              </mc:Fallback>
+            </mc:AlternateContent>
+          </a:graphicData>
+        </a:graphic>
+      </p:graphicFrame>
+      <p:graphicFrame>
+        <p:nvGraphicFramePr>
+          <p:cNvPr id="64" name="オブジェクト 63">
+            <a:extLst>
+              <a:ext uri="{FF2B5EF4-FFF2-40B4-BE49-F238E27FC236}">
+                <a16:creationId xmlns:a16="http://schemas.microsoft.com/office/drawing/2014/main" id="{55C5FDE1-A4B7-4B31-A401-93016F8B3AC2}"/>
+              </a:ext>
+            </a:extLst>
+          </p:cNvPr>
+          <p:cNvGraphicFramePr>
+            <a:graphicFrameLocks noChangeAspect="1"/>
+          </p:cNvGraphicFramePr>
+          <p:nvPr>
+            <p:extLst>
+              <p:ext uri="{D42A27DB-BD31-4B8C-83A1-F6EECF244321}">
+                <p14:modId xmlns:p14="http://schemas.microsoft.com/office/powerpoint/2010/main" val="1380416511"/>
+              </p:ext>
+            </p:extLst>
+          </p:nvPr>
+        </p:nvGraphicFramePr>
+        <p:xfrm>
+          <a:off x="2453856" y="4597085"/>
+          <a:ext cx="266220" cy="342900"/>
+        </p:xfrm>
+        <a:graphic>
+          <a:graphicData uri="http://schemas.openxmlformats.org/presentationml/2006/ole">
+            <mc:AlternateContent xmlns:mc="http://schemas.openxmlformats.org/markup-compatibility/2006">
+              <mc:Choice xmlns:v="urn:schemas-microsoft-com:vml" Requires="v">
+                <p:oleObj name="Equation" r:id="rId22" imgW="177480" imgH="228600" progId="Equation.DSMT4">
+                  <p:embed/>
+                </p:oleObj>
+              </mc:Choice>
+              <mc:Fallback>
+                <p:oleObj name="Equation" r:id="rId22" imgW="177480" imgH="228600" progId="Equation.DSMT4">
+                  <p:embed/>
+                  <p:pic>
+                    <p:nvPicPr>
+                      <p:cNvPr id="35" name="オブジェクト 34">
+                        <a:extLst>
+                          <a:ext uri="{FF2B5EF4-FFF2-40B4-BE49-F238E27FC236}">
+                            <a16:creationId xmlns:a16="http://schemas.microsoft.com/office/drawing/2014/main" id="{14A6B579-BC24-4AE3-9AA8-E2A77BF9D4C4}"/>
+                          </a:ext>
+                        </a:extLst>
+                      </p:cNvPr>
+                      <p:cNvPicPr/>
+                      <p:nvPr/>
+                    </p:nvPicPr>
+                    <p:blipFill>
+                      <a:blip r:embed="rId23"/>
+                      <a:stretch>
+                        <a:fillRect/>
+                      </a:stretch>
+                    </p:blipFill>
+                    <p:spPr>
+                      <a:xfrm>
+                        <a:off x="2453856" y="4597085"/>
+                        <a:ext cx="266220" cy="342900"/>
+                      </a:xfrm>
+                      <a:prstGeom prst="rect">
+                        <a:avLst/>
+                      </a:prstGeom>
+                    </p:spPr>
+                  </p:pic>
+                </p:oleObj>
+              </mc:Fallback>
+            </mc:AlternateContent>
+          </a:graphicData>
+        </a:graphic>
+      </p:graphicFrame>
+      <p:graphicFrame>
+        <p:nvGraphicFramePr>
+          <p:cNvPr id="65" name="オブジェクト 64">
+            <a:extLst>
+              <a:ext uri="{FF2B5EF4-FFF2-40B4-BE49-F238E27FC236}">
+                <a16:creationId xmlns:a16="http://schemas.microsoft.com/office/drawing/2014/main" id="{86D4A56F-4E63-4E29-8373-2DCA28945F4F}"/>
+              </a:ext>
+            </a:extLst>
+          </p:cNvPr>
+          <p:cNvGraphicFramePr>
+            <a:graphicFrameLocks noChangeAspect="1"/>
+          </p:cNvGraphicFramePr>
+          <p:nvPr>
+            <p:extLst>
+              <p:ext uri="{D42A27DB-BD31-4B8C-83A1-F6EECF244321}">
+                <p14:modId xmlns:p14="http://schemas.microsoft.com/office/powerpoint/2010/main" val="1210138858"/>
+              </p:ext>
+            </p:extLst>
+          </p:nvPr>
+        </p:nvGraphicFramePr>
+        <p:xfrm>
+          <a:off x="1608890" y="5561766"/>
+          <a:ext cx="247320" cy="342900"/>
+        </p:xfrm>
+        <a:graphic>
+          <a:graphicData uri="http://schemas.openxmlformats.org/presentationml/2006/ole">
+            <mc:AlternateContent xmlns:mc="http://schemas.openxmlformats.org/markup-compatibility/2006">
+              <mc:Choice xmlns:v="urn:schemas-microsoft-com:vml" Requires="v">
+                <p:oleObj name="Equation" r:id="rId24" imgW="164880" imgH="228600" progId="Equation.DSMT4">
+                  <p:embed/>
+                </p:oleObj>
+              </mc:Choice>
+              <mc:Fallback>
+                <p:oleObj name="Equation" r:id="rId24" imgW="164880" imgH="228600" progId="Equation.DSMT4">
+                  <p:embed/>
+                  <p:pic>
+                    <p:nvPicPr>
+                      <p:cNvPr id="36" name="オブジェクト 35">
+                        <a:extLst>
+                          <a:ext uri="{FF2B5EF4-FFF2-40B4-BE49-F238E27FC236}">
+                            <a16:creationId xmlns:a16="http://schemas.microsoft.com/office/drawing/2014/main" id="{51F44DC4-1132-4D32-BFD9-B3446984A07F}"/>
+                          </a:ext>
+                        </a:extLst>
+                      </p:cNvPr>
+                      <p:cNvPicPr/>
+                      <p:nvPr/>
+                    </p:nvPicPr>
+                    <p:blipFill>
+                      <a:blip r:embed="rId25"/>
+                      <a:stretch>
+                        <a:fillRect/>
+                      </a:stretch>
+                    </p:blipFill>
+                    <p:spPr>
+                      <a:xfrm>
+                        <a:off x="1608890" y="5561766"/>
+                        <a:ext cx="247320" cy="342900"/>
+                      </a:xfrm>
+                      <a:prstGeom prst="rect">
+                        <a:avLst/>
+                      </a:prstGeom>
+                    </p:spPr>
+                  </p:pic>
+                </p:oleObj>
+              </mc:Fallback>
+            </mc:AlternateContent>
+          </a:graphicData>
+        </a:graphic>
+      </p:graphicFrame>
+      <p:sp>
+        <p:nvSpPr>
+          <p:cNvPr id="66" name="楕円 65">
+            <a:extLst>
+              <a:ext uri="{FF2B5EF4-FFF2-40B4-BE49-F238E27FC236}">
+                <a16:creationId xmlns:a16="http://schemas.microsoft.com/office/drawing/2014/main" id="{62C5D121-D1AB-4FCA-955F-A29EC1CFB602}"/>
+              </a:ext>
+            </a:extLst>
+          </p:cNvPr>
+          <p:cNvSpPr>
+            <a:spLocks noChangeAspect="1"/>
+          </p:cNvSpPr>
+          <p:nvPr/>
+        </p:nvSpPr>
+        <p:spPr>
+          <a:xfrm>
+            <a:off x="3254889" y="3438059"/>
+            <a:ext cx="239152" cy="239152"/>
+          </a:xfrm>
+          <a:prstGeom prst="ellipse">
+            <a:avLst/>
+          </a:prstGeom>
+          <a:solidFill>
+            <a:schemeClr val="bg1"/>
+          </a:solidFill>
+          <a:ln w="9525">
+            <a:solidFill>
+              <a:srgbClr val="0070C0"/>
+            </a:solidFill>
+          </a:ln>
+        </p:spPr>
+        <p:style>
+          <a:lnRef idx="2">
+            <a:schemeClr val="accent1">
+              <a:shade val="50000"/>
+            </a:schemeClr>
+          </a:lnRef>
+          <a:fillRef idx="1">
+            <a:schemeClr val="accent1"/>
+          </a:fillRef>
+          <a:effectRef idx="0">
+            <a:schemeClr val="accent1"/>
+          </a:effectRef>
+          <a:fontRef idx="minor">
+            <a:schemeClr val="lt1"/>
+          </a:fontRef>
+        </p:style>
+        <p:txBody>
+          <a:bodyPr rtlCol="0" anchor="t"/>
+          <a:lstStyle/>
+          <a:p>
+            <a:pPr algn="l"/>
+            <a:endParaRPr lang="ja-JP" altLang="en-US" dirty="0">
+              <a:solidFill>
+                <a:schemeClr val="tx1"/>
+              </a:solidFill>
+            </a:endParaRPr>
+          </a:p>
+        </p:txBody>
+      </p:sp>
+      <p:graphicFrame>
+        <p:nvGraphicFramePr>
+          <p:cNvPr id="67" name="オブジェクト 66">
+            <a:extLst>
+              <a:ext uri="{FF2B5EF4-FFF2-40B4-BE49-F238E27FC236}">
+                <a16:creationId xmlns:a16="http://schemas.microsoft.com/office/drawing/2014/main" id="{C036BA27-1AF6-4104-8F91-77C18C39477A}"/>
+              </a:ext>
+            </a:extLst>
+          </p:cNvPr>
+          <p:cNvGraphicFramePr>
+            <a:graphicFrameLocks noChangeAspect="1"/>
+          </p:cNvGraphicFramePr>
+          <p:nvPr>
+            <p:extLst>
+              <p:ext uri="{D42A27DB-BD31-4B8C-83A1-F6EECF244321}">
+                <p14:modId xmlns:p14="http://schemas.microsoft.com/office/powerpoint/2010/main" val="3266050799"/>
+              </p:ext>
+            </p:extLst>
+          </p:nvPr>
+        </p:nvGraphicFramePr>
+        <p:xfrm>
+          <a:off x="3494042" y="3568618"/>
+          <a:ext cx="532980" cy="647460"/>
+        </p:xfrm>
+        <a:graphic>
+          <a:graphicData uri="http://schemas.openxmlformats.org/presentationml/2006/ole">
+            <mc:AlternateContent xmlns:mc="http://schemas.openxmlformats.org/markup-compatibility/2006">
+              <mc:Choice xmlns:v="urn:schemas-microsoft-com:vml" Requires="v">
+                <p:oleObj name="Equation" r:id="rId26" imgW="355320" imgH="431640" progId="Equation.DSMT4">
+                  <p:embed/>
+                </p:oleObj>
+              </mc:Choice>
+              <mc:Fallback>
+                <p:oleObj name="Equation" r:id="rId26" imgW="355320" imgH="431640" progId="Equation.DSMT4">
+                  <p:embed/>
+                  <p:pic>
+                    <p:nvPicPr>
+                      <p:cNvPr id="38" name="オブジェクト 37">
+                        <a:extLst>
+                          <a:ext uri="{FF2B5EF4-FFF2-40B4-BE49-F238E27FC236}">
+                            <a16:creationId xmlns:a16="http://schemas.microsoft.com/office/drawing/2014/main" id="{1759671E-9850-486C-92BD-B4CCDCA79F0F}"/>
+                          </a:ext>
+                        </a:extLst>
+                      </p:cNvPr>
+                      <p:cNvPicPr/>
+                      <p:nvPr/>
+                    </p:nvPicPr>
+                    <p:blipFill>
+                      <a:blip r:embed="rId27"/>
+                      <a:stretch>
+                        <a:fillRect/>
+                      </a:stretch>
+                    </p:blipFill>
+                    <p:spPr>
+                      <a:xfrm>
+                        <a:off x="3494042" y="3568618"/>
+                        <a:ext cx="532980" cy="647460"/>
+                      </a:xfrm>
+                      <a:prstGeom prst="rect">
+                        <a:avLst/>
+                      </a:prstGeom>
+                    </p:spPr>
+                  </p:pic>
+                </p:oleObj>
+              </mc:Fallback>
+            </mc:AlternateContent>
+          </a:graphicData>
+        </a:graphic>
+      </p:graphicFrame>
+      <p:cxnSp>
+        <p:nvCxnSpPr>
+          <p:cNvPr id="68" name="直線矢印コネクタ 67">
+            <a:extLst>
+              <a:ext uri="{FF2B5EF4-FFF2-40B4-BE49-F238E27FC236}">
+                <a16:creationId xmlns:a16="http://schemas.microsoft.com/office/drawing/2014/main" id="{BCACEAE0-D90B-49CB-AC82-AB020D2D7CC9}"/>
+              </a:ext>
+            </a:extLst>
+          </p:cNvPr>
+          <p:cNvCxnSpPr>
+            <a:cxnSpLocks/>
+          </p:cNvCxnSpPr>
+          <p:nvPr/>
+        </p:nvCxnSpPr>
+        <p:spPr>
+          <a:xfrm flipH="1" flipV="1">
+            <a:off x="3190070" y="2973507"/>
+            <a:ext cx="184396" cy="564372"/>
+          </a:xfrm>
+          <a:prstGeom prst="straightConnector1">
+            <a:avLst/>
+          </a:prstGeom>
+          <a:ln>
+            <a:solidFill>
+              <a:srgbClr val="0070C0"/>
+            </a:solidFill>
+            <a:tailEnd type="triangle" w="lg" len="lg"/>
+          </a:ln>
+        </p:spPr>
+        <p:style>
+          <a:lnRef idx="1">
+            <a:schemeClr val="accent1"/>
+          </a:lnRef>
+          <a:fillRef idx="0">
+            <a:schemeClr val="accent1"/>
+          </a:fillRef>
+          <a:effectRef idx="0">
+            <a:schemeClr val="accent1"/>
+          </a:effectRef>
+          <a:fontRef idx="minor">
+            <a:schemeClr val="tx1"/>
+          </a:fontRef>
+        </p:style>
+      </p:cxnSp>
+      <p:graphicFrame>
+        <p:nvGraphicFramePr>
+          <p:cNvPr id="69" name="オブジェクト 68">
+            <a:extLst>
+              <a:ext uri="{FF2B5EF4-FFF2-40B4-BE49-F238E27FC236}">
+                <a16:creationId xmlns:a16="http://schemas.microsoft.com/office/drawing/2014/main" id="{AD29513B-312B-422E-BF21-B98646DE4229}"/>
+              </a:ext>
+            </a:extLst>
+          </p:cNvPr>
+          <p:cNvGraphicFramePr>
+            <a:graphicFrameLocks noChangeAspect="1"/>
+          </p:cNvGraphicFramePr>
+          <p:nvPr>
+            <p:extLst>
+              <p:ext uri="{D42A27DB-BD31-4B8C-83A1-F6EECF244321}">
+                <p14:modId xmlns:p14="http://schemas.microsoft.com/office/powerpoint/2010/main" val="2008672940"/>
+              </p:ext>
+            </p:extLst>
+          </p:nvPr>
+        </p:nvGraphicFramePr>
+        <p:xfrm>
+          <a:off x="3511754" y="3079263"/>
+          <a:ext cx="266220" cy="342900"/>
+        </p:xfrm>
+        <a:graphic>
+          <a:graphicData uri="http://schemas.openxmlformats.org/presentationml/2006/ole">
+            <mc:AlternateContent xmlns:mc="http://schemas.openxmlformats.org/markup-compatibility/2006">
+              <mc:Choice xmlns:v="urn:schemas-microsoft-com:vml" Requires="v">
+                <p:oleObj name="Equation" r:id="rId28" imgW="177480" imgH="228600" progId="Equation.DSMT4">
+                  <p:embed/>
+                </p:oleObj>
+              </mc:Choice>
+              <mc:Fallback>
+                <p:oleObj name="Equation" r:id="rId28" imgW="177480" imgH="228600" progId="Equation.DSMT4">
+                  <p:embed/>
+                  <p:pic>
+                    <p:nvPicPr>
+                      <p:cNvPr id="40" name="オブジェクト 39">
+                        <a:extLst>
+                          <a:ext uri="{FF2B5EF4-FFF2-40B4-BE49-F238E27FC236}">
+                            <a16:creationId xmlns:a16="http://schemas.microsoft.com/office/drawing/2014/main" id="{EB3BA503-2049-45F9-B065-726FB11ADB1A}"/>
+                          </a:ext>
+                        </a:extLst>
+                      </p:cNvPr>
+                      <p:cNvPicPr/>
+                      <p:nvPr/>
+                    </p:nvPicPr>
+                    <p:blipFill>
+                      <a:blip r:embed="rId29"/>
+                      <a:stretch>
+                        <a:fillRect/>
+                      </a:stretch>
+                    </p:blipFill>
+                    <p:spPr>
+                      <a:xfrm>
+                        <a:off x="3511754" y="3079263"/>
+                        <a:ext cx="266220" cy="342900"/>
+                      </a:xfrm>
+                      <a:prstGeom prst="rect">
+                        <a:avLst/>
+                      </a:prstGeom>
+                    </p:spPr>
+                  </p:pic>
+                </p:oleObj>
+              </mc:Fallback>
+            </mc:AlternateContent>
+          </a:graphicData>
+        </a:graphic>
+      </p:graphicFrame>
+      <p:sp>
+        <p:nvSpPr>
+          <p:cNvPr id="70" name="円弧 69">
+            <a:extLst>
+              <a:ext uri="{FF2B5EF4-FFF2-40B4-BE49-F238E27FC236}">
+                <a16:creationId xmlns:a16="http://schemas.microsoft.com/office/drawing/2014/main" id="{CD792CC0-4D69-4645-B5F2-79C5E8568439}"/>
+              </a:ext>
+            </a:extLst>
+          </p:cNvPr>
+          <p:cNvSpPr>
+            <a:spLocks noChangeAspect="1"/>
+          </p:cNvSpPr>
+          <p:nvPr/>
+        </p:nvSpPr>
+        <p:spPr>
+          <a:xfrm>
+            <a:off x="3047779" y="3265578"/>
+            <a:ext cx="597881" cy="597881"/>
+          </a:xfrm>
+          <a:prstGeom prst="arc">
+            <a:avLst>
+              <a:gd name="adj1" fmla="val 15553395"/>
+              <a:gd name="adj2" fmla="val 0"/>
+            </a:avLst>
+          </a:prstGeom>
+          <a:ln>
+            <a:solidFill>
+              <a:schemeClr val="tx1"/>
+            </a:solidFill>
+            <a:headEnd type="triangle" w="lg" len="lg"/>
+            <a:tailEnd type="none"/>
+          </a:ln>
+        </p:spPr>
+        <p:style>
+          <a:lnRef idx="1">
+            <a:schemeClr val="accent1"/>
+          </a:lnRef>
+          <a:fillRef idx="0">
+            <a:schemeClr val="accent1"/>
+          </a:fillRef>
+          <a:effectRef idx="0">
+            <a:schemeClr val="accent1"/>
+          </a:effectRef>
+          <a:fontRef idx="minor">
+            <a:schemeClr val="tx1"/>
+          </a:fontRef>
+        </p:style>
+        <p:txBody>
+          <a:bodyPr rtlCol="0" anchor="ctr"/>
+          <a:lstStyle/>
+          <a:p>
+            <a:pPr algn="ctr"/>
+            <a:endParaRPr lang="ja-JP" altLang="en-US"/>
           </a:p>
         </p:txBody>
       </p:sp>
     </p:spTree>
     <p:extLst>
       <p:ext uri="{BB962C8B-B14F-4D97-AF65-F5344CB8AC3E}">
-        <p14:creationId xmlns:p14="http://schemas.microsoft.com/office/powerpoint/2010/main" val="2620029305"/>
+        <p14:creationId xmlns:p14="http://schemas.microsoft.com/office/powerpoint/2010/main" val="25440241"/>
       </p:ext>
     </p:extLst>
   </p:cSld>
@@ -4400,7 +6554,7 @@
           <a:p>
             <a:r>
               <a:rPr kumimoji="1" lang="en-US" altLang="ja-JP"/>
-              <a:t>2021-03-13</a:t>
+              <a:t>2021-04-04</a:t>
             </a:r>
             <a:endParaRPr kumimoji="1" lang="ja-JP" altLang="en-US"/>
           </a:p>
@@ -5617,25 +7771,25 @@
           <p:nvPr>
             <p:extLst>
               <p:ext uri="{D42A27DB-BD31-4B8C-83A1-F6EECF244321}">
-                <p14:modId xmlns:p14="http://schemas.microsoft.com/office/powerpoint/2010/main" val="938085728"/>
+                <p14:modId xmlns:p14="http://schemas.microsoft.com/office/powerpoint/2010/main" val="382592357"/>
               </p:ext>
             </p:extLst>
           </p:nvPr>
         </p:nvGraphicFramePr>
         <p:xfrm>
-          <a:off x="4603360" y="4113060"/>
-          <a:ext cx="1866900" cy="912813"/>
+          <a:off x="4470400" y="4113213"/>
+          <a:ext cx="2133600" cy="912812"/>
         </p:xfrm>
         <a:graphic>
           <a:graphicData uri="http://schemas.openxmlformats.org/presentationml/2006/ole">
             <mc:AlternateContent xmlns:mc="http://schemas.openxmlformats.org/markup-compatibility/2006">
               <mc:Choice xmlns:v="urn:schemas-microsoft-com:vml" Requires="v">
-                <p:oleObj name="Equation" r:id="rId12" imgW="1244520" imgH="609480" progId="Equation.DSMT4">
+                <p:oleObj name="Equation" r:id="rId12" imgW="1422360" imgH="609480" progId="Equation.DSMT4">
                   <p:embed/>
                 </p:oleObj>
               </mc:Choice>
               <mc:Fallback>
-                <p:oleObj name="Equation" r:id="rId12" imgW="1244520" imgH="609480" progId="Equation.DSMT4">
+                <p:oleObj name="Equation" r:id="rId12" imgW="1422360" imgH="609480" progId="Equation.DSMT4">
                   <p:embed/>
                   <p:pic>
                     <p:nvPicPr>
@@ -5657,8 +7811,8 @@
                     </p:blipFill>
                     <p:spPr>
                       <a:xfrm>
-                        <a:off x="4603360" y="4113060"/>
-                        <a:ext cx="1866900" cy="912813"/>
+                        <a:off x="4470400" y="4113213"/>
+                        <a:ext cx="2133600" cy="912812"/>
                       </a:xfrm>
                       <a:prstGeom prst="rect">
                         <a:avLst/>
@@ -6040,13 +8194,13 @@
           <p:nvPr>
             <p:extLst>
               <p:ext uri="{D42A27DB-BD31-4B8C-83A1-F6EECF244321}">
-                <p14:modId xmlns:p14="http://schemas.microsoft.com/office/powerpoint/2010/main" val="379665162"/>
+                <p14:modId xmlns:p14="http://schemas.microsoft.com/office/powerpoint/2010/main" val="3646105223"/>
               </p:ext>
             </p:extLst>
           </p:nvPr>
         </p:nvGraphicFramePr>
         <p:xfrm>
-          <a:off x="2576189" y="2638581"/>
+          <a:off x="2535273" y="2638581"/>
           <a:ext cx="266220" cy="342900"/>
         </p:xfrm>
         <a:graphic>
@@ -6080,7 +8234,7 @@
                     </p:blipFill>
                     <p:spPr>
                       <a:xfrm>
-                        <a:off x="2576189" y="2638581"/>
+                        <a:off x="2535273" y="2638581"/>
                         <a:ext cx="266220" cy="342900"/>
                       </a:xfrm>
                       <a:prstGeom prst="rect">
@@ -6109,13 +8263,13 @@
           <p:nvPr>
             <p:extLst>
               <p:ext uri="{D42A27DB-BD31-4B8C-83A1-F6EECF244321}">
-                <p14:modId xmlns:p14="http://schemas.microsoft.com/office/powerpoint/2010/main" val="2975490121"/>
+                <p14:modId xmlns:p14="http://schemas.microsoft.com/office/powerpoint/2010/main" val="2755327998"/>
               </p:ext>
             </p:extLst>
           </p:nvPr>
         </p:nvGraphicFramePr>
         <p:xfrm>
-          <a:off x="2683115" y="3816681"/>
+          <a:off x="2642199" y="3816681"/>
           <a:ext cx="266220" cy="342900"/>
         </p:xfrm>
         <a:graphic>
@@ -6149,7 +8303,7 @@
                     </p:blipFill>
                     <p:spPr>
                       <a:xfrm>
-                        <a:off x="2683115" y="3816681"/>
+                        <a:off x="2642199" y="3816681"/>
                         <a:ext cx="266220" cy="342900"/>
                       </a:xfrm>
                       <a:prstGeom prst="rect">
@@ -6420,13 +8574,13 @@
           <p:nvPr>
             <p:extLst>
               <p:ext uri="{D42A27DB-BD31-4B8C-83A1-F6EECF244321}">
-                <p14:modId xmlns:p14="http://schemas.microsoft.com/office/powerpoint/2010/main" val="1249126349"/>
+                <p14:modId xmlns:p14="http://schemas.microsoft.com/office/powerpoint/2010/main" val="1647388190"/>
               </p:ext>
             </p:extLst>
           </p:nvPr>
         </p:nvGraphicFramePr>
         <p:xfrm>
-          <a:off x="3868909" y="2055409"/>
+          <a:off x="3957092" y="1988840"/>
           <a:ext cx="266700" cy="342900"/>
         </p:xfrm>
         <a:graphic>
@@ -6460,7 +8614,7 @@
                     </p:blipFill>
                     <p:spPr>
                       <a:xfrm>
-                        <a:off x="3868909" y="2055409"/>
+                        <a:off x="3957092" y="1988840"/>
                         <a:ext cx="266700" cy="342900"/>
                       </a:xfrm>
                       <a:prstGeom prst="rect">
@@ -6695,7 +8849,7 @@
           <a:p>
             <a:r>
               <a:rPr kumimoji="1" lang="en-US" altLang="ja-JP"/>
-              <a:t>2021-03-13</a:t>
+              <a:t>2021-04-04</a:t>
             </a:r>
             <a:endParaRPr kumimoji="1" lang="ja-JP" altLang="en-US"/>
           </a:p>
@@ -8179,7 +10333,7 @@
         <p:spPr>
           <a:xfrm>
             <a:off x="4655840" y="1687307"/>
-            <a:ext cx="7128792" cy="3139321"/>
+            <a:ext cx="7128792" cy="3416320"/>
           </a:xfrm>
           <a:prstGeom prst="rect">
             <a:avLst/>
@@ -8205,7 +10359,15 @@
             </a:pPr>
             <a:r>
               <a:rPr lang="ja-JP" altLang="en-US" dirty="0"/>
-              <a:t>手先を動かしたい方向を，手先に与えたい速度と解釈する</a:t>
+              <a:t>現在から目標への手先姿勢の差</a:t>
+            </a:r>
+            <a:r>
+              <a:rPr lang="ja-JP" altLang="en-US"/>
+              <a:t>を，手先の姿勢</a:t>
+            </a:r>
+            <a:r>
+              <a:rPr lang="ja-JP" altLang="en-US" dirty="0"/>
+              <a:t>速度と解釈する</a:t>
             </a:r>
             <a:endParaRPr lang="en-US" altLang="ja-JP" dirty="0"/>
           </a:p>
@@ -8220,7 +10382,7 @@
                   <a:srgbClr val="FF0000"/>
                 </a:solidFill>
               </a:rPr>
-              <a:t>手先速度から関節速度に変換する</a:t>
+              <a:t>手先姿勢速度から関節角速度に変換する</a:t>
             </a:r>
             <a:endParaRPr lang="en-US" altLang="ja-JP" dirty="0"/>
           </a:p>
@@ -8231,7 +10393,7 @@
             </a:pPr>
             <a:r>
               <a:rPr lang="ja-JP" altLang="en-US" dirty="0"/>
-              <a:t>この関節速度をロボットアームに適用し，姿勢を変化させる</a:t>
+              <a:t>この関節角速度から関節角度の変位を求め，姿勢を変化させる</a:t>
             </a:r>
             <a:endParaRPr lang="en-US" altLang="ja-JP" dirty="0"/>
           </a:p>
@@ -8242,11 +10404,8 @@
             </a:pPr>
             <a:r>
               <a:rPr lang="ja-JP" altLang="en-US" dirty="0"/>
-              <a:t>これを繰り返すことにより，手先を目標位置に到達させることができる</a:t>
-            </a:r>
-            <a:endParaRPr lang="en-US" altLang="ja-JP" dirty="0"/>
-          </a:p>
-          <a:p>
+              <a:t>これを繰り返すことにより，手先を目標位置に到達させる</a:t>
+            </a:r>
             <a:endParaRPr lang="en-US" altLang="ja-JP" dirty="0"/>
           </a:p>
           <a:p>
@@ -8262,7 +10421,7 @@
             </a:pPr>
             <a:r>
               <a:rPr lang="en-US" altLang="ja-JP" dirty="0"/>
-              <a:t>Interpret a hand direction to move as a hand velocity</a:t>
+              <a:t>Interpret difference from current one to target pose as hand pose velocity</a:t>
             </a:r>
           </a:p>
           <a:p>
@@ -8276,7 +10435,7 @@
                   <a:srgbClr val="FF0000"/>
                 </a:solidFill>
               </a:rPr>
-              <a:t>Convert a hand velocity to a joint velocity</a:t>
+              <a:t>Convert the hand pose velocity to joint angular one</a:t>
             </a:r>
             <a:endParaRPr lang="en-US" altLang="ja-JP" dirty="0"/>
           </a:p>
@@ -8287,7 +10446,7 @@
             </a:pPr>
             <a:r>
               <a:rPr lang="en-US" altLang="ja-JP" dirty="0"/>
-              <a:t>Apply the joint velocity, and update a robot arm pose</a:t>
+              <a:t>Find joint angle displacement from the joint angular velocity, and update a robot arm pose</a:t>
             </a:r>
           </a:p>
           <a:p>
@@ -8297,7 +10456,7 @@
             </a:pPr>
             <a:r>
               <a:rPr lang="en-US" altLang="ja-JP" dirty="0"/>
-              <a:t>Iterating it, a hand can be reached a target eventually</a:t>
+              <a:t>Iterating it, reach a hand at a target pose eventually</a:t>
             </a:r>
           </a:p>
         </p:txBody>
@@ -8361,13 +10520,13 @@
           <p:nvPr>
             <p:extLst>
               <p:ext uri="{D42A27DB-BD31-4B8C-83A1-F6EECF244321}">
-                <p14:modId xmlns:p14="http://schemas.microsoft.com/office/powerpoint/2010/main" val="2850958692"/>
+                <p14:modId xmlns:p14="http://schemas.microsoft.com/office/powerpoint/2010/main" val="270276940"/>
               </p:ext>
             </p:extLst>
           </p:nvPr>
         </p:nvGraphicFramePr>
         <p:xfrm>
-          <a:off x="5231904" y="4869160"/>
+          <a:off x="5231904" y="5098504"/>
           <a:ext cx="3143250" cy="1066800"/>
         </p:xfrm>
         <a:graphic>
@@ -8401,7 +10560,7 @@
                     </p:blipFill>
                     <p:spPr>
                       <a:xfrm>
-                        <a:off x="5231904" y="4869160"/>
+                        <a:off x="5231904" y="5098504"/>
                         <a:ext cx="3143250" cy="1066800"/>
                       </a:xfrm>
                       <a:prstGeom prst="rect">
@@ -8961,6 +11120,213 @@
           </a:fontRef>
         </p:style>
       </p:cxnSp>
+      <p:graphicFrame>
+        <p:nvGraphicFramePr>
+          <p:cNvPr id="44" name="オブジェクト 43">
+            <a:extLst>
+              <a:ext uri="{FF2B5EF4-FFF2-40B4-BE49-F238E27FC236}">
+                <a16:creationId xmlns:a16="http://schemas.microsoft.com/office/drawing/2014/main" id="{43B19C19-5ECB-42BB-BD05-E1F1A6C345FC}"/>
+              </a:ext>
+            </a:extLst>
+          </p:cNvPr>
+          <p:cNvGraphicFramePr>
+            <a:graphicFrameLocks noChangeAspect="1"/>
+          </p:cNvGraphicFramePr>
+          <p:nvPr>
+            <p:extLst>
+              <p:ext uri="{D42A27DB-BD31-4B8C-83A1-F6EECF244321}">
+                <p14:modId xmlns:p14="http://schemas.microsoft.com/office/powerpoint/2010/main" val="3245472375"/>
+              </p:ext>
+            </p:extLst>
+          </p:nvPr>
+        </p:nvGraphicFramePr>
+        <p:xfrm>
+          <a:off x="2535273" y="2638581"/>
+          <a:ext cx="266220" cy="342900"/>
+        </p:xfrm>
+        <a:graphic>
+          <a:graphicData uri="http://schemas.openxmlformats.org/presentationml/2006/ole">
+            <mc:AlternateContent xmlns:mc="http://schemas.openxmlformats.org/markup-compatibility/2006">
+              <mc:Choice xmlns:v="urn:schemas-microsoft-com:vml" Requires="v">
+                <p:oleObj name="Equation" r:id="rId26" imgW="177480" imgH="228600" progId="Equation.DSMT4">
+                  <p:embed/>
+                </p:oleObj>
+              </mc:Choice>
+              <mc:Fallback>
+                <p:oleObj name="Equation" r:id="rId26" imgW="177480" imgH="228600" progId="Equation.DSMT4">
+                  <p:embed/>
+                  <p:pic>
+                    <p:nvPicPr>
+                      <p:cNvPr id="33" name="オブジェクト 32">
+                        <a:extLst>
+                          <a:ext uri="{FF2B5EF4-FFF2-40B4-BE49-F238E27FC236}">
+                            <a16:creationId xmlns:a16="http://schemas.microsoft.com/office/drawing/2014/main" id="{BAFC774A-9700-45DD-9A5E-1B4DFED78423}"/>
+                          </a:ext>
+                        </a:extLst>
+                      </p:cNvPr>
+                      <p:cNvPicPr/>
+                      <p:nvPr/>
+                    </p:nvPicPr>
+                    <p:blipFill>
+                      <a:blip r:embed="rId27"/>
+                      <a:stretch>
+                        <a:fillRect/>
+                      </a:stretch>
+                    </p:blipFill>
+                    <p:spPr>
+                      <a:xfrm>
+                        <a:off x="2535273" y="2638581"/>
+                        <a:ext cx="266220" cy="342900"/>
+                      </a:xfrm>
+                      <a:prstGeom prst="rect">
+                        <a:avLst/>
+                      </a:prstGeom>
+                    </p:spPr>
+                  </p:pic>
+                </p:oleObj>
+              </mc:Fallback>
+            </mc:AlternateContent>
+          </a:graphicData>
+        </a:graphic>
+      </p:graphicFrame>
+      <p:graphicFrame>
+        <p:nvGraphicFramePr>
+          <p:cNvPr id="46" name="オブジェクト 45">
+            <a:extLst>
+              <a:ext uri="{FF2B5EF4-FFF2-40B4-BE49-F238E27FC236}">
+                <a16:creationId xmlns:a16="http://schemas.microsoft.com/office/drawing/2014/main" id="{E9F41BD0-35AF-42F2-9286-B3E06046B368}"/>
+              </a:ext>
+            </a:extLst>
+          </p:cNvPr>
+          <p:cNvGraphicFramePr>
+            <a:graphicFrameLocks noChangeAspect="1"/>
+          </p:cNvGraphicFramePr>
+          <p:nvPr>
+            <p:extLst>
+              <p:ext uri="{D42A27DB-BD31-4B8C-83A1-F6EECF244321}">
+                <p14:modId xmlns:p14="http://schemas.microsoft.com/office/powerpoint/2010/main" val="671748221"/>
+              </p:ext>
+            </p:extLst>
+          </p:nvPr>
+        </p:nvGraphicFramePr>
+        <p:xfrm>
+          <a:off x="2642199" y="3816681"/>
+          <a:ext cx="266220" cy="342900"/>
+        </p:xfrm>
+        <a:graphic>
+          <a:graphicData uri="http://schemas.openxmlformats.org/presentationml/2006/ole">
+            <mc:AlternateContent xmlns:mc="http://schemas.openxmlformats.org/markup-compatibility/2006">
+              <mc:Choice xmlns:v="urn:schemas-microsoft-com:vml" Requires="v">
+                <p:oleObj name="Equation" r:id="rId28" imgW="177480" imgH="228600" progId="Equation.DSMT4">
+                  <p:embed/>
+                </p:oleObj>
+              </mc:Choice>
+              <mc:Fallback>
+                <p:oleObj name="Equation" r:id="rId28" imgW="177480" imgH="228600" progId="Equation.DSMT4">
+                  <p:embed/>
+                  <p:pic>
+                    <p:nvPicPr>
+                      <p:cNvPr id="34" name="オブジェクト 33">
+                        <a:extLst>
+                          <a:ext uri="{FF2B5EF4-FFF2-40B4-BE49-F238E27FC236}">
+                            <a16:creationId xmlns:a16="http://schemas.microsoft.com/office/drawing/2014/main" id="{1E53FC9C-FF2D-4F72-9460-1CEE7A9F0046}"/>
+                          </a:ext>
+                        </a:extLst>
+                      </p:cNvPr>
+                      <p:cNvPicPr/>
+                      <p:nvPr/>
+                    </p:nvPicPr>
+                    <p:blipFill>
+                      <a:blip r:embed="rId29"/>
+                      <a:stretch>
+                        <a:fillRect/>
+                      </a:stretch>
+                    </p:blipFill>
+                    <p:spPr>
+                      <a:xfrm>
+                        <a:off x="2642199" y="3816681"/>
+                        <a:ext cx="266220" cy="342900"/>
+                      </a:xfrm>
+                      <a:prstGeom prst="rect">
+                        <a:avLst/>
+                      </a:prstGeom>
+                    </p:spPr>
+                  </p:pic>
+                </p:oleObj>
+              </mc:Fallback>
+            </mc:AlternateContent>
+          </a:graphicData>
+        </a:graphic>
+      </p:graphicFrame>
+      <p:graphicFrame>
+        <p:nvGraphicFramePr>
+          <p:cNvPr id="48" name="オブジェクト 47">
+            <a:extLst>
+              <a:ext uri="{FF2B5EF4-FFF2-40B4-BE49-F238E27FC236}">
+                <a16:creationId xmlns:a16="http://schemas.microsoft.com/office/drawing/2014/main" id="{98593DD7-A118-4580-A331-1466FE3DD9B4}"/>
+              </a:ext>
+            </a:extLst>
+          </p:cNvPr>
+          <p:cNvGraphicFramePr>
+            <a:graphicFrameLocks noChangeAspect="1"/>
+          </p:cNvGraphicFramePr>
+          <p:nvPr>
+            <p:extLst>
+              <p:ext uri="{D42A27DB-BD31-4B8C-83A1-F6EECF244321}">
+                <p14:modId xmlns:p14="http://schemas.microsoft.com/office/powerpoint/2010/main" val="3272619571"/>
+              </p:ext>
+            </p:extLst>
+          </p:nvPr>
+        </p:nvGraphicFramePr>
+        <p:xfrm>
+          <a:off x="1665561" y="4978400"/>
+          <a:ext cx="247650" cy="342900"/>
+        </p:xfrm>
+        <a:graphic>
+          <a:graphicData uri="http://schemas.openxmlformats.org/presentationml/2006/ole">
+            <mc:AlternateContent xmlns:mc="http://schemas.openxmlformats.org/markup-compatibility/2006">
+              <mc:Choice xmlns:v="urn:schemas-microsoft-com:vml" Requires="v">
+                <p:oleObj name="Equation" r:id="rId30" imgW="164880" imgH="228600" progId="Equation.DSMT4">
+                  <p:embed/>
+                </p:oleObj>
+              </mc:Choice>
+              <mc:Fallback>
+                <p:oleObj name="Equation" r:id="rId30" imgW="164880" imgH="228600" progId="Equation.DSMT4">
+                  <p:embed/>
+                  <p:pic>
+                    <p:nvPicPr>
+                      <p:cNvPr id="35" name="オブジェクト 34">
+                        <a:extLst>
+                          <a:ext uri="{FF2B5EF4-FFF2-40B4-BE49-F238E27FC236}">
+                            <a16:creationId xmlns:a16="http://schemas.microsoft.com/office/drawing/2014/main" id="{78393261-4DE5-420B-8C08-306C182B8BEA}"/>
+                          </a:ext>
+                        </a:extLst>
+                      </p:cNvPr>
+                      <p:cNvPicPr/>
+                      <p:nvPr/>
+                    </p:nvPicPr>
+                    <p:blipFill>
+                      <a:blip r:embed="rId31"/>
+                      <a:stretch>
+                        <a:fillRect/>
+                      </a:stretch>
+                    </p:blipFill>
+                    <p:spPr>
+                      <a:xfrm>
+                        <a:off x="1665561" y="4978400"/>
+                        <a:ext cx="247650" cy="342900"/>
+                      </a:xfrm>
+                      <a:prstGeom prst="rect">
+                        <a:avLst/>
+                      </a:prstGeom>
+                    </p:spPr>
+                  </p:pic>
+                </p:oleObj>
+              </mc:Fallback>
+            </mc:AlternateContent>
+          </a:graphicData>
+        </a:graphic>
+      </p:graphicFrame>
     </p:spTree>
     <p:extLst>
       <p:ext uri="{BB962C8B-B14F-4D97-AF65-F5344CB8AC3E}">
@@ -9016,14 +11382,14 @@
           <a:p>
             <a:r>
               <a:rPr lang="ja-JP" altLang="en-US" dirty="0"/>
-              <a:t>手先速度と関節速度とヤコビアン</a:t>
+              <a:t>手先姿勢速度と関節角速度とヤコビアン</a:t>
             </a:r>
             <a:br>
               <a:rPr kumimoji="1" lang="en-US" altLang="ja-JP" dirty="0"/>
             </a:br>
             <a:r>
               <a:rPr kumimoji="1" lang="en-US" altLang="ja-JP" sz="2400" dirty="0"/>
-              <a:t>Hand Velocity, Joint Angle Velocity, and Jacobian</a:t>
+              <a:t>Hand Pose Velocity, Joint Angular Velocity, and Jacobian</a:t>
             </a:r>
             <a:endParaRPr kumimoji="1" lang="ja-JP" altLang="en-US" dirty="0"/>
           </a:p>
@@ -9052,7 +11418,7 @@
           <a:p>
             <a:r>
               <a:rPr kumimoji="1" lang="en-US" altLang="ja-JP"/>
-              <a:t>2021-03-13</a:t>
+              <a:t>2021-04-04</a:t>
             </a:r>
             <a:endParaRPr kumimoji="1" lang="ja-JP" altLang="en-US"/>
           </a:p>
@@ -9132,7 +11498,7 @@
         </p:nvCxnSpPr>
         <p:spPr>
           <a:xfrm flipV="1">
-            <a:off x="1127448" y="5013160"/>
+            <a:off x="767408" y="5013160"/>
             <a:ext cx="1440160" cy="720096"/>
           </a:xfrm>
           <a:prstGeom prst="line">
@@ -9175,7 +11541,7 @@
         </p:nvCxnSpPr>
         <p:spPr>
           <a:xfrm>
-            <a:off x="695400" y="5733256"/>
+            <a:off x="335360" y="5733256"/>
             <a:ext cx="4032448" cy="8570"/>
           </a:xfrm>
           <a:prstGeom prst="line">
@@ -9219,7 +11585,7 @@
         </p:nvCxnSpPr>
         <p:spPr>
           <a:xfrm flipV="1">
-            <a:off x="2567608" y="3573000"/>
+            <a:off x="2207568" y="3573000"/>
             <a:ext cx="720080" cy="1440160"/>
           </a:xfrm>
           <a:prstGeom prst="line">
@@ -9262,7 +11628,7 @@
         </p:nvCxnSpPr>
         <p:spPr>
           <a:xfrm flipH="1" flipV="1">
-            <a:off x="2567608" y="2132840"/>
+            <a:off x="2207568" y="2132840"/>
             <a:ext cx="720080" cy="1440160"/>
           </a:xfrm>
           <a:prstGeom prst="line">
@@ -9305,7 +11671,7 @@
         </p:nvCxnSpPr>
         <p:spPr>
           <a:xfrm flipV="1">
-            <a:off x="1127448" y="4653120"/>
+            <a:off x="767408" y="4653120"/>
             <a:ext cx="2160240" cy="1080136"/>
           </a:xfrm>
           <a:prstGeom prst="line">
@@ -9348,7 +11714,7 @@
         </p:nvCxnSpPr>
         <p:spPr>
           <a:xfrm flipV="1">
-            <a:off x="2567608" y="2564888"/>
+            <a:off x="2207568" y="2564888"/>
             <a:ext cx="1224136" cy="2448274"/>
           </a:xfrm>
           <a:prstGeom prst="line">
@@ -9391,7 +11757,7 @@
         </p:nvCxnSpPr>
         <p:spPr>
           <a:xfrm flipH="1" flipV="1">
-            <a:off x="2279576" y="1556776"/>
+            <a:off x="1919536" y="1556776"/>
             <a:ext cx="1008112" cy="2016224"/>
           </a:xfrm>
           <a:prstGeom prst="line">
@@ -9434,7 +11800,7 @@
         </p:nvSpPr>
         <p:spPr>
           <a:xfrm>
-            <a:off x="3143704" y="3429016"/>
+            <a:off x="2783664" y="3429016"/>
             <a:ext cx="288000" cy="288000"/>
           </a:xfrm>
           <a:prstGeom prst="ellipse">
@@ -9494,7 +11860,7 @@
         </p:nvSpPr>
         <p:spPr>
           <a:xfrm>
-            <a:off x="2423592" y="4869144"/>
+            <a:off x="2063552" y="4869144"/>
             <a:ext cx="288000" cy="288000"/>
           </a:xfrm>
           <a:prstGeom prst="ellipse">
@@ -9553,13 +11919,13 @@
           <p:nvPr>
             <p:extLst>
               <p:ext uri="{D42A27DB-BD31-4B8C-83A1-F6EECF244321}">
-                <p14:modId xmlns:p14="http://schemas.microsoft.com/office/powerpoint/2010/main" val="1391590886"/>
+                <p14:modId xmlns:p14="http://schemas.microsoft.com/office/powerpoint/2010/main" val="2682310363"/>
               </p:ext>
             </p:extLst>
           </p:nvPr>
         </p:nvGraphicFramePr>
         <p:xfrm>
-          <a:off x="1929086" y="5389563"/>
+          <a:off x="1569046" y="5389563"/>
           <a:ext cx="228600" cy="361950"/>
         </p:xfrm>
         <a:graphic>
@@ -9593,7 +11959,7 @@
                     </p:blipFill>
                     <p:spPr>
                       <a:xfrm>
-                        <a:off x="1929086" y="5389563"/>
+                        <a:off x="1569046" y="5389563"/>
                         <a:ext cx="228600" cy="361950"/>
                       </a:xfrm>
                       <a:prstGeom prst="rect">
@@ -9623,7 +11989,7 @@
         </p:nvSpPr>
         <p:spPr>
           <a:xfrm>
-            <a:off x="1096504" y="5373296"/>
+            <a:off x="736464" y="5373296"/>
             <a:ext cx="720000" cy="720000"/>
           </a:xfrm>
           <a:prstGeom prst="arc">
@@ -9679,7 +12045,7 @@
         </p:nvSpPr>
         <p:spPr>
           <a:xfrm>
-            <a:off x="2279576" y="4568153"/>
+            <a:off x="1919536" y="4568153"/>
             <a:ext cx="720000" cy="720000"/>
           </a:xfrm>
           <a:prstGeom prst="arc">
@@ -9734,13 +12100,13 @@
           <p:nvPr>
             <p:extLst>
               <p:ext uri="{D42A27DB-BD31-4B8C-83A1-F6EECF244321}">
-                <p14:modId xmlns:p14="http://schemas.microsoft.com/office/powerpoint/2010/main" val="1116473540"/>
+                <p14:modId xmlns:p14="http://schemas.microsoft.com/office/powerpoint/2010/main" val="345159377"/>
               </p:ext>
             </p:extLst>
           </p:nvPr>
         </p:nvGraphicFramePr>
         <p:xfrm>
-          <a:off x="2989536" y="4346575"/>
+          <a:off x="2629496" y="4346575"/>
           <a:ext cx="247650" cy="361950"/>
         </p:xfrm>
         <a:graphic>
@@ -9774,7 +12140,7 @@
                     </p:blipFill>
                     <p:spPr>
                       <a:xfrm>
-                        <a:off x="2989536" y="4346575"/>
+                        <a:off x="2629496" y="4346575"/>
                         <a:ext cx="247650" cy="361950"/>
                       </a:xfrm>
                       <a:prstGeom prst="rect">
@@ -9803,13 +12169,13 @@
           <p:nvPr>
             <p:extLst>
               <p:ext uri="{D42A27DB-BD31-4B8C-83A1-F6EECF244321}">
-                <p14:modId xmlns:p14="http://schemas.microsoft.com/office/powerpoint/2010/main" val="1690961435"/>
+                <p14:modId xmlns:p14="http://schemas.microsoft.com/office/powerpoint/2010/main" val="3435766371"/>
               </p:ext>
             </p:extLst>
           </p:nvPr>
         </p:nvGraphicFramePr>
         <p:xfrm>
-          <a:off x="3219723" y="2752725"/>
+          <a:off x="2859683" y="2752725"/>
           <a:ext cx="247650" cy="361950"/>
         </p:xfrm>
         <a:graphic>
@@ -9843,7 +12209,7 @@
                     </p:blipFill>
                     <p:spPr>
                       <a:xfrm>
-                        <a:off x="3219723" y="2752725"/>
+                        <a:off x="2859683" y="2752725"/>
                         <a:ext cx="247650" cy="361950"/>
                       </a:xfrm>
                       <a:prstGeom prst="rect">
@@ -9873,7 +12239,7 @@
         </p:nvSpPr>
         <p:spPr>
           <a:xfrm>
-            <a:off x="2960241" y="3110179"/>
+            <a:off x="2600201" y="3110179"/>
             <a:ext cx="720000" cy="720000"/>
           </a:xfrm>
           <a:prstGeom prst="arc">
@@ -9929,7 +12295,7 @@
         </p:nvCxnSpPr>
         <p:spPr>
           <a:xfrm flipH="1">
-            <a:off x="1847528" y="2132840"/>
+            <a:off x="1487488" y="2132840"/>
             <a:ext cx="1440160" cy="0"/>
           </a:xfrm>
           <a:prstGeom prst="line">
@@ -9972,7 +12338,7 @@
         </p:nvSpPr>
         <p:spPr>
           <a:xfrm>
-            <a:off x="2423592" y="1988824"/>
+            <a:off x="2063552" y="1988824"/>
             <a:ext cx="288000" cy="288000"/>
           </a:xfrm>
           <a:prstGeom prst="ellipse">
@@ -10031,13 +12397,13 @@
           <p:nvPr>
             <p:extLst>
               <p:ext uri="{D42A27DB-BD31-4B8C-83A1-F6EECF244321}">
-                <p14:modId xmlns:p14="http://schemas.microsoft.com/office/powerpoint/2010/main" val="1217375269"/>
+                <p14:modId xmlns:p14="http://schemas.microsoft.com/office/powerpoint/2010/main" val="3499086230"/>
               </p:ext>
             </p:extLst>
           </p:nvPr>
         </p:nvGraphicFramePr>
         <p:xfrm>
-          <a:off x="2894286" y="1524000"/>
+          <a:off x="2534246" y="1524000"/>
           <a:ext cx="190500" cy="304800"/>
         </p:xfrm>
         <a:graphic>
@@ -10071,7 +12437,7 @@
                     </p:blipFill>
                     <p:spPr>
                       <a:xfrm>
-                        <a:off x="2894286" y="1524000"/>
+                        <a:off x="2534246" y="1524000"/>
                         <a:ext cx="190500" cy="304800"/>
                       </a:xfrm>
                       <a:prstGeom prst="rect">
@@ -10101,7 +12467,7 @@
         </p:nvSpPr>
         <p:spPr>
           <a:xfrm>
-            <a:off x="2230835" y="1773071"/>
+            <a:off x="1870795" y="1773071"/>
             <a:ext cx="720000" cy="720000"/>
           </a:xfrm>
           <a:prstGeom prst="arc">
@@ -10157,7 +12523,7 @@
         </p:nvCxnSpPr>
         <p:spPr>
           <a:xfrm flipV="1">
-            <a:off x="1127432" y="2132824"/>
+            <a:off x="767392" y="2132824"/>
             <a:ext cx="0" cy="3960472"/>
           </a:xfrm>
           <a:prstGeom prst="line">
@@ -10200,13 +12566,13 @@
           <p:nvPr>
             <p:extLst>
               <p:ext uri="{D42A27DB-BD31-4B8C-83A1-F6EECF244321}">
-                <p14:modId xmlns:p14="http://schemas.microsoft.com/office/powerpoint/2010/main" val="170682414"/>
+                <p14:modId xmlns:p14="http://schemas.microsoft.com/office/powerpoint/2010/main" val="4102955316"/>
               </p:ext>
             </p:extLst>
           </p:nvPr>
         </p:nvGraphicFramePr>
         <p:xfrm>
-          <a:off x="4367808" y="5818558"/>
+          <a:off x="4007768" y="5818558"/>
           <a:ext cx="190080" cy="209520"/>
         </p:xfrm>
         <a:graphic>
@@ -10240,7 +12606,7 @@
                     </p:blipFill>
                     <p:spPr>
                       <a:xfrm>
-                        <a:off x="4367808" y="5818558"/>
+                        <a:off x="4007768" y="5818558"/>
                         <a:ext cx="190080" cy="209520"/>
                       </a:xfrm>
                       <a:prstGeom prst="rect">
@@ -10269,13 +12635,13 @@
           <p:nvPr>
             <p:extLst>
               <p:ext uri="{D42A27DB-BD31-4B8C-83A1-F6EECF244321}">
-                <p14:modId xmlns:p14="http://schemas.microsoft.com/office/powerpoint/2010/main" val="527552252"/>
+                <p14:modId xmlns:p14="http://schemas.microsoft.com/office/powerpoint/2010/main" val="3558100226"/>
               </p:ext>
             </p:extLst>
           </p:nvPr>
         </p:nvGraphicFramePr>
         <p:xfrm>
-          <a:off x="889273" y="2336800"/>
+          <a:off x="529233" y="2336800"/>
           <a:ext cx="209550" cy="247650"/>
         </p:xfrm>
         <a:graphic>
@@ -10309,7 +12675,7 @@
                     </p:blipFill>
                     <p:spPr>
                       <a:xfrm>
-                        <a:off x="889273" y="2336800"/>
+                        <a:off x="529233" y="2336800"/>
                         <a:ext cx="209550" cy="247650"/>
                       </a:xfrm>
                       <a:prstGeom prst="rect">
@@ -10338,13 +12704,13 @@
           <p:nvPr>
             <p:extLst>
               <p:ext uri="{D42A27DB-BD31-4B8C-83A1-F6EECF244321}">
-                <p14:modId xmlns:p14="http://schemas.microsoft.com/office/powerpoint/2010/main" val="1327298901"/>
+                <p14:modId xmlns:p14="http://schemas.microsoft.com/office/powerpoint/2010/main" val="3626918162"/>
               </p:ext>
             </p:extLst>
           </p:nvPr>
         </p:nvGraphicFramePr>
         <p:xfrm>
-          <a:off x="849468" y="5840196"/>
+          <a:off x="489428" y="5840196"/>
           <a:ext cx="190500" cy="209550"/>
         </p:xfrm>
         <a:graphic>
@@ -10378,7 +12744,7 @@
                     </p:blipFill>
                     <p:spPr>
                       <a:xfrm>
-                        <a:off x="849468" y="5840196"/>
+                        <a:off x="489428" y="5840196"/>
                         <a:ext cx="190500" cy="209550"/>
                       </a:xfrm>
                       <a:prstGeom prst="rect">
@@ -10408,7 +12774,7 @@
         </p:nvSpPr>
         <p:spPr>
           <a:xfrm>
-            <a:off x="983432" y="5589256"/>
+            <a:off x="623392" y="5589256"/>
             <a:ext cx="288000" cy="288000"/>
           </a:xfrm>
           <a:prstGeom prst="ellipse">
@@ -10468,7 +12834,7 @@
         </p:nvCxnSpPr>
         <p:spPr>
           <a:xfrm>
-            <a:off x="2564725" y="2132825"/>
+            <a:off x="2204685" y="2132825"/>
             <a:ext cx="520061" cy="203975"/>
           </a:xfrm>
           <a:prstGeom prst="straightConnector1">
@@ -10512,7 +12878,7 @@
         </p:nvCxnSpPr>
         <p:spPr>
           <a:xfrm flipH="1">
-            <a:off x="2999576" y="2571107"/>
+            <a:off x="2639536" y="2571107"/>
             <a:ext cx="1440160" cy="0"/>
           </a:xfrm>
           <a:prstGeom prst="line">
@@ -10555,7 +12921,7 @@
         </p:nvSpPr>
         <p:spPr>
           <a:xfrm>
-            <a:off x="3647760" y="2420920"/>
+            <a:off x="3287720" y="2420920"/>
             <a:ext cx="288000" cy="288000"/>
           </a:xfrm>
           <a:prstGeom prst="ellipse">
@@ -10614,13 +12980,13 @@
           <p:nvPr>
             <p:extLst>
               <p:ext uri="{D42A27DB-BD31-4B8C-83A1-F6EECF244321}">
-                <p14:modId xmlns:p14="http://schemas.microsoft.com/office/powerpoint/2010/main" val="3085366068"/>
+                <p14:modId xmlns:p14="http://schemas.microsoft.com/office/powerpoint/2010/main" val="2800390735"/>
               </p:ext>
             </p:extLst>
           </p:nvPr>
         </p:nvGraphicFramePr>
         <p:xfrm>
-          <a:off x="3935760" y="2578145"/>
+          <a:off x="3575720" y="2578145"/>
           <a:ext cx="533400" cy="647700"/>
         </p:xfrm>
         <a:graphic>
@@ -10654,7 +13020,7 @@
                     </p:blipFill>
                     <p:spPr>
                       <a:xfrm>
-                        <a:off x="3935760" y="2578145"/>
+                        <a:off x="3575720" y="2578145"/>
                         <a:ext cx="533400" cy="647700"/>
                       </a:xfrm>
                       <a:prstGeom prst="rect">
@@ -10684,7 +13050,7 @@
         </p:nvCxnSpPr>
         <p:spPr>
           <a:xfrm flipH="1" flipV="1">
-            <a:off x="3569702" y="1861482"/>
+            <a:off x="3209662" y="1861482"/>
             <a:ext cx="222059" cy="679647"/>
           </a:xfrm>
           <a:prstGeom prst="straightConnector1">
@@ -10727,13 +13093,13 @@
           <p:nvPr>
             <p:extLst>
               <p:ext uri="{D42A27DB-BD31-4B8C-83A1-F6EECF244321}">
-                <p14:modId xmlns:p14="http://schemas.microsoft.com/office/powerpoint/2010/main" val="2360417920"/>
+                <p14:modId xmlns:p14="http://schemas.microsoft.com/office/powerpoint/2010/main" val="2108857215"/>
               </p:ext>
             </p:extLst>
           </p:nvPr>
         </p:nvGraphicFramePr>
         <p:xfrm>
-          <a:off x="3868909" y="2055409"/>
+          <a:off x="3508869" y="2055409"/>
           <a:ext cx="266700" cy="342900"/>
         </p:xfrm>
         <a:graphic>
@@ -10767,7 +13133,7 @@
                     </p:blipFill>
                     <p:spPr>
                       <a:xfrm>
-                        <a:off x="3868909" y="2055409"/>
+                        <a:off x="3508869" y="2055409"/>
                         <a:ext cx="266700" cy="342900"/>
                       </a:xfrm>
                       <a:prstGeom prst="rect">
@@ -10797,7 +13163,7 @@
         </p:nvSpPr>
         <p:spPr>
           <a:xfrm>
-            <a:off x="3398347" y="2213209"/>
+            <a:off x="3038307" y="2213209"/>
             <a:ext cx="720000" cy="720000"/>
           </a:xfrm>
           <a:prstGeom prst="arc">
@@ -10851,8 +13217,8 @@
         </p:nvSpPr>
         <p:spPr>
           <a:xfrm>
-            <a:off x="4663640" y="2663735"/>
-            <a:ext cx="7111331" cy="1477328"/>
+            <a:off x="4511664" y="2564904"/>
+            <a:ext cx="7263307" cy="1477328"/>
           </a:xfrm>
           <a:prstGeom prst="rect">
             <a:avLst/>
@@ -10871,7 +13237,7 @@
                   <a:srgbClr val="FF0000"/>
                 </a:solidFill>
               </a:rPr>
-              <a:t>順運動学関数の両辺を時間で微分することで，手先の速度を関節速度を関連付けることができ，ヤコビアンと呼ばれる行列で表現できる</a:t>
+              <a:t>順運動学関数の両辺を時間で微分することで，手先姿勢速度と関節角速度を，ヤコビアンと呼ばれる行列によって関連付けることができる</a:t>
             </a:r>
             <a:endParaRPr lang="en-US" altLang="ja-JP" dirty="0">
               <a:solidFill>
@@ -10886,7 +13252,7 @@
                   <a:srgbClr val="FF0000"/>
                 </a:solidFill>
               </a:rPr>
-              <a:t>Taking time derivative of both sides of a forward kinematics function, we can relate hand velocity and  joint angle one, which are represented in a matrix called Jacobian</a:t>
+              <a:t>Taking time derivative of both sides of a forward kinematics function, we can associate hand velocity and  joint angle one, and it can be represented in a matrix called Jacobian</a:t>
             </a:r>
           </a:p>
         </p:txBody>
@@ -10975,13 +13341,13 @@
           <p:nvPr>
             <p:extLst>
               <p:ext uri="{D42A27DB-BD31-4B8C-83A1-F6EECF244321}">
-                <p14:modId xmlns:p14="http://schemas.microsoft.com/office/powerpoint/2010/main" val="3403952785"/>
+                <p14:modId xmlns:p14="http://schemas.microsoft.com/office/powerpoint/2010/main" val="1753053115"/>
               </p:ext>
             </p:extLst>
           </p:nvPr>
         </p:nvGraphicFramePr>
         <p:xfrm>
-          <a:off x="4799856" y="4379578"/>
+          <a:off x="4369668" y="4379578"/>
           <a:ext cx="3238500" cy="1866900"/>
         </p:xfrm>
         <a:graphic>
@@ -11015,7 +13381,7 @@
                     </p:blipFill>
                     <p:spPr>
                       <a:xfrm>
-                        <a:off x="4799856" y="4379578"/>
+                        <a:off x="4369668" y="4379578"/>
                         <a:ext cx="3238500" cy="1866900"/>
                       </a:xfrm>
                       <a:prstGeom prst="rect">
@@ -11046,13 +13412,13 @@
           <p:nvPr/>
         </p:nvCxnSpPr>
         <p:spPr>
-          <a:xfrm rot="10800000" flipH="1" flipV="1">
-            <a:off x="4745310" y="2041772"/>
-            <a:ext cx="54546" cy="3271255"/>
+          <a:xfrm rot="10800000" flipV="1">
+            <a:off x="4369668" y="2041772"/>
+            <a:ext cx="375642" cy="3271255"/>
           </a:xfrm>
           <a:prstGeom prst="curvedConnector3">
             <a:avLst>
-              <a:gd name="adj1" fmla="val -419096"/>
+              <a:gd name="adj1" fmla="val 160856"/>
             </a:avLst>
           </a:prstGeom>
           <a:ln>
@@ -11092,13 +13458,13 @@
           <p:nvPr>
             <p:extLst>
               <p:ext uri="{D42A27DB-BD31-4B8C-83A1-F6EECF244321}">
-                <p14:modId xmlns:p14="http://schemas.microsoft.com/office/powerpoint/2010/main" val="2015426882"/>
+                <p14:modId xmlns:p14="http://schemas.microsoft.com/office/powerpoint/2010/main" val="974593614"/>
               </p:ext>
             </p:extLst>
           </p:nvPr>
         </p:nvGraphicFramePr>
         <p:xfrm>
-          <a:off x="8400256" y="4338227"/>
+          <a:off x="8184232" y="4338227"/>
           <a:ext cx="3505200" cy="1943100"/>
         </p:xfrm>
         <a:graphic>
@@ -11132,7 +13498,7 @@
                     </p:blipFill>
                     <p:spPr>
                       <a:xfrm>
-                        <a:off x="8400256" y="4338227"/>
+                        <a:off x="8184232" y="4338227"/>
                         <a:ext cx="3505200" cy="1943100"/>
                       </a:xfrm>
                       <a:prstGeom prst="rect">
@@ -11164,8 +13530,8 @@
         </p:nvCxnSpPr>
         <p:spPr>
           <a:xfrm flipV="1">
-            <a:off x="8038356" y="5309777"/>
-            <a:ext cx="361900" cy="3251"/>
+            <a:off x="7608168" y="5309777"/>
+            <a:ext cx="576064" cy="3251"/>
           </a:xfrm>
           <a:prstGeom prst="straightConnector1">
             <a:avLst/>
@@ -11192,6 +13558,351 @@
           </a:fontRef>
         </p:style>
       </p:cxnSp>
+      <p:sp>
+        <p:nvSpPr>
+          <p:cNvPr id="25" name="テキスト ボックス 24">
+            <a:extLst>
+              <a:ext uri="{FF2B5EF4-FFF2-40B4-BE49-F238E27FC236}">
+                <a16:creationId xmlns:a16="http://schemas.microsoft.com/office/drawing/2014/main" id="{4458DAFD-BA51-4420-997A-7C4A164367C6}"/>
+              </a:ext>
+            </a:extLst>
+          </p:cNvPr>
+          <p:cNvSpPr txBox="1"/>
+          <p:nvPr/>
+        </p:nvSpPr>
+        <p:spPr>
+          <a:xfrm>
+            <a:off x="7554091" y="4304554"/>
+            <a:ext cx="1261884" cy="738664"/>
+          </a:xfrm>
+          <a:prstGeom prst="rect">
+            <a:avLst/>
+          </a:prstGeom>
+          <a:noFill/>
+        </p:spPr>
+        <p:txBody>
+          <a:bodyPr wrap="none" rtlCol="0">
+            <a:spAutoFit/>
+          </a:bodyPr>
+          <a:lstStyle/>
+          <a:p>
+            <a:r>
+              <a:rPr lang="ja-JP" altLang="en-US" sz="1400" dirty="0">
+                <a:solidFill>
+                  <a:srgbClr val="FF0000"/>
+                </a:solidFill>
+              </a:rPr>
+              <a:t>手先姿勢速度</a:t>
+            </a:r>
+            <a:endParaRPr lang="en-US" altLang="ja-JP" sz="1400" dirty="0">
+              <a:solidFill>
+                <a:srgbClr val="FF0000"/>
+              </a:solidFill>
+            </a:endParaRPr>
+          </a:p>
+          <a:p>
+            <a:r>
+              <a:rPr kumimoji="1" lang="en-US" altLang="ja-JP" sz="1400" dirty="0">
+                <a:solidFill>
+                  <a:srgbClr val="FF0000"/>
+                </a:solidFill>
+              </a:rPr>
+              <a:t>Hand pose</a:t>
+            </a:r>
+          </a:p>
+          <a:p>
+            <a:r>
+              <a:rPr kumimoji="1" lang="en-US" altLang="ja-JP" sz="1400" dirty="0">
+                <a:solidFill>
+                  <a:srgbClr val="FF0000"/>
+                </a:solidFill>
+              </a:rPr>
+              <a:t>velocity</a:t>
+            </a:r>
+            <a:endParaRPr kumimoji="1" lang="ja-JP" altLang="en-US" sz="1400" dirty="0">
+              <a:solidFill>
+                <a:srgbClr val="FF0000"/>
+              </a:solidFill>
+            </a:endParaRPr>
+          </a:p>
+        </p:txBody>
+      </p:sp>
+      <p:sp>
+        <p:nvSpPr>
+          <p:cNvPr id="45" name="テキスト ボックス 44">
+            <a:extLst>
+              <a:ext uri="{FF2B5EF4-FFF2-40B4-BE49-F238E27FC236}">
+                <a16:creationId xmlns:a16="http://schemas.microsoft.com/office/drawing/2014/main" id="{BA69B6DA-B898-4772-8E95-EE5491375CDE}"/>
+              </a:ext>
+            </a:extLst>
+          </p:cNvPr>
+          <p:cNvSpPr txBox="1"/>
+          <p:nvPr/>
+        </p:nvSpPr>
+        <p:spPr>
+          <a:xfrm>
+            <a:off x="10335402" y="4197933"/>
+            <a:ext cx="1258678" cy="738664"/>
+          </a:xfrm>
+          <a:prstGeom prst="rect">
+            <a:avLst/>
+          </a:prstGeom>
+          <a:noFill/>
+        </p:spPr>
+        <p:txBody>
+          <a:bodyPr wrap="none" rtlCol="0">
+            <a:spAutoFit/>
+          </a:bodyPr>
+          <a:lstStyle/>
+          <a:p>
+            <a:r>
+              <a:rPr lang="ja-JP" altLang="en-US" sz="1400" dirty="0">
+                <a:solidFill>
+                  <a:srgbClr val="FF0000"/>
+                </a:solidFill>
+              </a:rPr>
+              <a:t>関節角速度</a:t>
+            </a:r>
+            <a:endParaRPr lang="en-US" altLang="ja-JP" sz="1400" dirty="0">
+              <a:solidFill>
+                <a:srgbClr val="FF0000"/>
+              </a:solidFill>
+            </a:endParaRPr>
+          </a:p>
+          <a:p>
+            <a:r>
+              <a:rPr kumimoji="1" lang="en-US" altLang="ja-JP" sz="1400" dirty="0">
+                <a:solidFill>
+                  <a:srgbClr val="FF0000"/>
+                </a:solidFill>
+              </a:rPr>
+              <a:t>Joint angular </a:t>
+            </a:r>
+          </a:p>
+          <a:p>
+            <a:r>
+              <a:rPr kumimoji="1" lang="en-US" altLang="ja-JP" sz="1400" dirty="0">
+                <a:solidFill>
+                  <a:srgbClr val="FF0000"/>
+                </a:solidFill>
+              </a:rPr>
+              <a:t>velocity</a:t>
+            </a:r>
+            <a:endParaRPr kumimoji="1" lang="ja-JP" altLang="en-US" sz="1400" dirty="0">
+              <a:solidFill>
+                <a:srgbClr val="FF0000"/>
+              </a:solidFill>
+            </a:endParaRPr>
+          </a:p>
+        </p:txBody>
+      </p:sp>
+      <p:graphicFrame>
+        <p:nvGraphicFramePr>
+          <p:cNvPr id="46" name="オブジェクト 45">
+            <a:extLst>
+              <a:ext uri="{FF2B5EF4-FFF2-40B4-BE49-F238E27FC236}">
+                <a16:creationId xmlns:a16="http://schemas.microsoft.com/office/drawing/2014/main" id="{2EB738D9-BFAD-4A31-BB9D-903496CE258D}"/>
+              </a:ext>
+            </a:extLst>
+          </p:cNvPr>
+          <p:cNvGraphicFramePr>
+            <a:graphicFrameLocks noChangeAspect="1"/>
+          </p:cNvGraphicFramePr>
+          <p:nvPr>
+            <p:extLst>
+              <p:ext uri="{D42A27DB-BD31-4B8C-83A1-F6EECF244321}">
+                <p14:modId xmlns:p14="http://schemas.microsoft.com/office/powerpoint/2010/main" val="313677115"/>
+              </p:ext>
+            </p:extLst>
+          </p:nvPr>
+        </p:nvGraphicFramePr>
+        <p:xfrm>
+          <a:off x="2216647" y="2647747"/>
+          <a:ext cx="266220" cy="342900"/>
+        </p:xfrm>
+        <a:graphic>
+          <a:graphicData uri="http://schemas.openxmlformats.org/presentationml/2006/ole">
+            <mc:AlternateContent xmlns:mc="http://schemas.openxmlformats.org/markup-compatibility/2006">
+              <mc:Choice xmlns:v="urn:schemas-microsoft-com:vml" Requires="v">
+                <p:oleObj name="Equation" r:id="rId26" imgW="177480" imgH="228600" progId="Equation.DSMT4">
+                  <p:embed/>
+                </p:oleObj>
+              </mc:Choice>
+              <mc:Fallback>
+                <p:oleObj name="Equation" r:id="rId26" imgW="177480" imgH="228600" progId="Equation.DSMT4">
+                  <p:embed/>
+                  <p:pic>
+                    <p:nvPicPr>
+                      <p:cNvPr id="33" name="オブジェクト 32">
+                        <a:extLst>
+                          <a:ext uri="{FF2B5EF4-FFF2-40B4-BE49-F238E27FC236}">
+                            <a16:creationId xmlns:a16="http://schemas.microsoft.com/office/drawing/2014/main" id="{BAFC774A-9700-45DD-9A5E-1B4DFED78423}"/>
+                          </a:ext>
+                        </a:extLst>
+                      </p:cNvPr>
+                      <p:cNvPicPr/>
+                      <p:nvPr/>
+                    </p:nvPicPr>
+                    <p:blipFill>
+                      <a:blip r:embed="rId27"/>
+                      <a:stretch>
+                        <a:fillRect/>
+                      </a:stretch>
+                    </p:blipFill>
+                    <p:spPr>
+                      <a:xfrm>
+                        <a:off x="2216647" y="2647747"/>
+                        <a:ext cx="266220" cy="342900"/>
+                      </a:xfrm>
+                      <a:prstGeom prst="rect">
+                        <a:avLst/>
+                      </a:prstGeom>
+                    </p:spPr>
+                  </p:pic>
+                </p:oleObj>
+              </mc:Fallback>
+            </mc:AlternateContent>
+          </a:graphicData>
+        </a:graphic>
+      </p:graphicFrame>
+      <p:graphicFrame>
+        <p:nvGraphicFramePr>
+          <p:cNvPr id="48" name="オブジェクト 47">
+            <a:extLst>
+              <a:ext uri="{FF2B5EF4-FFF2-40B4-BE49-F238E27FC236}">
+                <a16:creationId xmlns:a16="http://schemas.microsoft.com/office/drawing/2014/main" id="{FDB34350-2953-4B1D-A057-5A9E1AF2293C}"/>
+              </a:ext>
+            </a:extLst>
+          </p:cNvPr>
+          <p:cNvGraphicFramePr>
+            <a:graphicFrameLocks noChangeAspect="1"/>
+          </p:cNvGraphicFramePr>
+          <p:nvPr>
+            <p:extLst>
+              <p:ext uri="{D42A27DB-BD31-4B8C-83A1-F6EECF244321}">
+                <p14:modId xmlns:p14="http://schemas.microsoft.com/office/powerpoint/2010/main" val="1130693735"/>
+              </p:ext>
+            </p:extLst>
+          </p:nvPr>
+        </p:nvGraphicFramePr>
+        <p:xfrm>
+          <a:off x="2270775" y="3832563"/>
+          <a:ext cx="266220" cy="342900"/>
+        </p:xfrm>
+        <a:graphic>
+          <a:graphicData uri="http://schemas.openxmlformats.org/presentationml/2006/ole">
+            <mc:AlternateContent xmlns:mc="http://schemas.openxmlformats.org/markup-compatibility/2006">
+              <mc:Choice xmlns:v="urn:schemas-microsoft-com:vml" Requires="v">
+                <p:oleObj name="Equation" r:id="rId28" imgW="177480" imgH="228600" progId="Equation.DSMT4">
+                  <p:embed/>
+                </p:oleObj>
+              </mc:Choice>
+              <mc:Fallback>
+                <p:oleObj name="Equation" r:id="rId28" imgW="177480" imgH="228600" progId="Equation.DSMT4">
+                  <p:embed/>
+                  <p:pic>
+                    <p:nvPicPr>
+                      <p:cNvPr id="34" name="オブジェクト 33">
+                        <a:extLst>
+                          <a:ext uri="{FF2B5EF4-FFF2-40B4-BE49-F238E27FC236}">
+                            <a16:creationId xmlns:a16="http://schemas.microsoft.com/office/drawing/2014/main" id="{1E53FC9C-FF2D-4F72-9460-1CEE7A9F0046}"/>
+                          </a:ext>
+                        </a:extLst>
+                      </p:cNvPr>
+                      <p:cNvPicPr/>
+                      <p:nvPr/>
+                    </p:nvPicPr>
+                    <p:blipFill>
+                      <a:blip r:embed="rId29"/>
+                      <a:stretch>
+                        <a:fillRect/>
+                      </a:stretch>
+                    </p:blipFill>
+                    <p:spPr>
+                      <a:xfrm>
+                        <a:off x="2270775" y="3832563"/>
+                        <a:ext cx="266220" cy="342900"/>
+                      </a:xfrm>
+                      <a:prstGeom prst="rect">
+                        <a:avLst/>
+                      </a:prstGeom>
+                    </p:spPr>
+                  </p:pic>
+                </p:oleObj>
+              </mc:Fallback>
+            </mc:AlternateContent>
+          </a:graphicData>
+        </a:graphic>
+      </p:graphicFrame>
+      <p:graphicFrame>
+        <p:nvGraphicFramePr>
+          <p:cNvPr id="50" name="オブジェクト 49">
+            <a:extLst>
+              <a:ext uri="{FF2B5EF4-FFF2-40B4-BE49-F238E27FC236}">
+                <a16:creationId xmlns:a16="http://schemas.microsoft.com/office/drawing/2014/main" id="{037FB546-F755-49ED-9489-286A2CDD0082}"/>
+              </a:ext>
+            </a:extLst>
+          </p:cNvPr>
+          <p:cNvGraphicFramePr>
+            <a:graphicFrameLocks noChangeAspect="1"/>
+          </p:cNvGraphicFramePr>
+          <p:nvPr>
+            <p:extLst>
+              <p:ext uri="{D42A27DB-BD31-4B8C-83A1-F6EECF244321}">
+                <p14:modId xmlns:p14="http://schemas.microsoft.com/office/powerpoint/2010/main" val="2479928987"/>
+              </p:ext>
+            </p:extLst>
+          </p:nvPr>
+        </p:nvGraphicFramePr>
+        <p:xfrm>
+          <a:off x="1496210" y="4898021"/>
+          <a:ext cx="247650" cy="342900"/>
+        </p:xfrm>
+        <a:graphic>
+          <a:graphicData uri="http://schemas.openxmlformats.org/presentationml/2006/ole">
+            <mc:AlternateContent xmlns:mc="http://schemas.openxmlformats.org/markup-compatibility/2006">
+              <mc:Choice xmlns:v="urn:schemas-microsoft-com:vml" Requires="v">
+                <p:oleObj name="Equation" r:id="rId30" imgW="164880" imgH="228600" progId="Equation.DSMT4">
+                  <p:embed/>
+                </p:oleObj>
+              </mc:Choice>
+              <mc:Fallback>
+                <p:oleObj name="Equation" r:id="rId30" imgW="164880" imgH="228600" progId="Equation.DSMT4">
+                  <p:embed/>
+                  <p:pic>
+                    <p:nvPicPr>
+                      <p:cNvPr id="35" name="オブジェクト 34">
+                        <a:extLst>
+                          <a:ext uri="{FF2B5EF4-FFF2-40B4-BE49-F238E27FC236}">
+                            <a16:creationId xmlns:a16="http://schemas.microsoft.com/office/drawing/2014/main" id="{78393261-4DE5-420B-8C08-306C182B8BEA}"/>
+                          </a:ext>
+                        </a:extLst>
+                      </p:cNvPr>
+                      <p:cNvPicPr/>
+                      <p:nvPr/>
+                    </p:nvPicPr>
+                    <p:blipFill>
+                      <a:blip r:embed="rId31"/>
+                      <a:stretch>
+                        <a:fillRect/>
+                      </a:stretch>
+                    </p:blipFill>
+                    <p:spPr>
+                      <a:xfrm>
+                        <a:off x="1496210" y="4898021"/>
+                        <a:ext cx="247650" cy="342900"/>
+                      </a:xfrm>
+                      <a:prstGeom prst="rect">
+                        <a:avLst/>
+                      </a:prstGeom>
+                    </p:spPr>
+                  </p:pic>
+                </p:oleObj>
+              </mc:Fallback>
+            </mc:AlternateContent>
+          </a:graphicData>
+        </a:graphic>
+      </p:graphicFrame>
     </p:spTree>
     <p:extLst>
       <p:ext uri="{BB962C8B-B14F-4D97-AF65-F5344CB8AC3E}">
@@ -11251,7 +13962,7 @@
               <a:rPr kumimoji="1" lang="en-US" altLang="ja-JP" dirty="0"/>
             </a:br>
             <a:r>
-              <a:rPr kumimoji="1" lang="en-US" altLang="ja-JP" dirty="0"/>
+              <a:rPr kumimoji="1" lang="en-US" altLang="ja-JP" sz="2400" dirty="0"/>
               <a:t>Instance of Jacobian</a:t>
             </a:r>
             <a:endParaRPr kumimoji="1" lang="ja-JP" altLang="en-US" dirty="0"/>
@@ -11281,7 +13992,7 @@
           <a:p>
             <a:r>
               <a:rPr kumimoji="1" lang="en-US" altLang="ja-JP"/>
-              <a:t>2021-03-13</a:t>
+              <a:t>2021-04-04</a:t>
             </a:r>
             <a:endParaRPr kumimoji="1" lang="ja-JP" altLang="en-US"/>
           </a:p>
@@ -13333,6 +16044,213 @@
           </a:p>
         </p:txBody>
       </p:sp>
+      <p:graphicFrame>
+        <p:nvGraphicFramePr>
+          <p:cNvPr id="42" name="オブジェクト 41">
+            <a:extLst>
+              <a:ext uri="{FF2B5EF4-FFF2-40B4-BE49-F238E27FC236}">
+                <a16:creationId xmlns:a16="http://schemas.microsoft.com/office/drawing/2014/main" id="{7964B76C-E731-41FB-A5E4-868E22062651}"/>
+              </a:ext>
+            </a:extLst>
+          </p:cNvPr>
+          <p:cNvGraphicFramePr>
+            <a:graphicFrameLocks noChangeAspect="1"/>
+          </p:cNvGraphicFramePr>
+          <p:nvPr>
+            <p:extLst>
+              <p:ext uri="{D42A27DB-BD31-4B8C-83A1-F6EECF244321}">
+                <p14:modId xmlns:p14="http://schemas.microsoft.com/office/powerpoint/2010/main" val="3648397188"/>
+              </p:ext>
+            </p:extLst>
+          </p:nvPr>
+        </p:nvGraphicFramePr>
+        <p:xfrm>
+          <a:off x="2535273" y="2638581"/>
+          <a:ext cx="266220" cy="342900"/>
+        </p:xfrm>
+        <a:graphic>
+          <a:graphicData uri="http://schemas.openxmlformats.org/presentationml/2006/ole">
+            <mc:AlternateContent xmlns:mc="http://schemas.openxmlformats.org/markup-compatibility/2006">
+              <mc:Choice xmlns:v="urn:schemas-microsoft-com:vml" Requires="v">
+                <p:oleObj name="Equation" r:id="rId24" imgW="177480" imgH="228600" progId="Equation.DSMT4">
+                  <p:embed/>
+                </p:oleObj>
+              </mc:Choice>
+              <mc:Fallback>
+                <p:oleObj name="Equation" r:id="rId24" imgW="177480" imgH="228600" progId="Equation.DSMT4">
+                  <p:embed/>
+                  <p:pic>
+                    <p:nvPicPr>
+                      <p:cNvPr id="44" name="オブジェクト 43">
+                        <a:extLst>
+                          <a:ext uri="{FF2B5EF4-FFF2-40B4-BE49-F238E27FC236}">
+                            <a16:creationId xmlns:a16="http://schemas.microsoft.com/office/drawing/2014/main" id="{43B19C19-5ECB-42BB-BD05-E1F1A6C345FC}"/>
+                          </a:ext>
+                        </a:extLst>
+                      </p:cNvPr>
+                      <p:cNvPicPr/>
+                      <p:nvPr/>
+                    </p:nvPicPr>
+                    <p:blipFill>
+                      <a:blip r:embed="rId25"/>
+                      <a:stretch>
+                        <a:fillRect/>
+                      </a:stretch>
+                    </p:blipFill>
+                    <p:spPr>
+                      <a:xfrm>
+                        <a:off x="2535273" y="2638581"/>
+                        <a:ext cx="266220" cy="342900"/>
+                      </a:xfrm>
+                      <a:prstGeom prst="rect">
+                        <a:avLst/>
+                      </a:prstGeom>
+                    </p:spPr>
+                  </p:pic>
+                </p:oleObj>
+              </mc:Fallback>
+            </mc:AlternateContent>
+          </a:graphicData>
+        </a:graphic>
+      </p:graphicFrame>
+      <p:graphicFrame>
+        <p:nvGraphicFramePr>
+          <p:cNvPr id="43" name="オブジェクト 42">
+            <a:extLst>
+              <a:ext uri="{FF2B5EF4-FFF2-40B4-BE49-F238E27FC236}">
+                <a16:creationId xmlns:a16="http://schemas.microsoft.com/office/drawing/2014/main" id="{F5C776C5-2F7C-4648-959B-B2161C7F6443}"/>
+              </a:ext>
+            </a:extLst>
+          </p:cNvPr>
+          <p:cNvGraphicFramePr>
+            <a:graphicFrameLocks noChangeAspect="1"/>
+          </p:cNvGraphicFramePr>
+          <p:nvPr>
+            <p:extLst>
+              <p:ext uri="{D42A27DB-BD31-4B8C-83A1-F6EECF244321}">
+                <p14:modId xmlns:p14="http://schemas.microsoft.com/office/powerpoint/2010/main" val="78357760"/>
+              </p:ext>
+            </p:extLst>
+          </p:nvPr>
+        </p:nvGraphicFramePr>
+        <p:xfrm>
+          <a:off x="2642199" y="3816681"/>
+          <a:ext cx="266220" cy="342900"/>
+        </p:xfrm>
+        <a:graphic>
+          <a:graphicData uri="http://schemas.openxmlformats.org/presentationml/2006/ole">
+            <mc:AlternateContent xmlns:mc="http://schemas.openxmlformats.org/markup-compatibility/2006">
+              <mc:Choice xmlns:v="urn:schemas-microsoft-com:vml" Requires="v">
+                <p:oleObj name="Equation" r:id="rId26" imgW="177480" imgH="228600" progId="Equation.DSMT4">
+                  <p:embed/>
+                </p:oleObj>
+              </mc:Choice>
+              <mc:Fallback>
+                <p:oleObj name="Equation" r:id="rId26" imgW="177480" imgH="228600" progId="Equation.DSMT4">
+                  <p:embed/>
+                  <p:pic>
+                    <p:nvPicPr>
+                      <p:cNvPr id="46" name="オブジェクト 45">
+                        <a:extLst>
+                          <a:ext uri="{FF2B5EF4-FFF2-40B4-BE49-F238E27FC236}">
+                            <a16:creationId xmlns:a16="http://schemas.microsoft.com/office/drawing/2014/main" id="{E9F41BD0-35AF-42F2-9286-B3E06046B368}"/>
+                          </a:ext>
+                        </a:extLst>
+                      </p:cNvPr>
+                      <p:cNvPicPr/>
+                      <p:nvPr/>
+                    </p:nvPicPr>
+                    <p:blipFill>
+                      <a:blip r:embed="rId27"/>
+                      <a:stretch>
+                        <a:fillRect/>
+                      </a:stretch>
+                    </p:blipFill>
+                    <p:spPr>
+                      <a:xfrm>
+                        <a:off x="2642199" y="3816681"/>
+                        <a:ext cx="266220" cy="342900"/>
+                      </a:xfrm>
+                      <a:prstGeom prst="rect">
+                        <a:avLst/>
+                      </a:prstGeom>
+                    </p:spPr>
+                  </p:pic>
+                </p:oleObj>
+              </mc:Fallback>
+            </mc:AlternateContent>
+          </a:graphicData>
+        </a:graphic>
+      </p:graphicFrame>
+      <p:graphicFrame>
+        <p:nvGraphicFramePr>
+          <p:cNvPr id="44" name="オブジェクト 43">
+            <a:extLst>
+              <a:ext uri="{FF2B5EF4-FFF2-40B4-BE49-F238E27FC236}">
+                <a16:creationId xmlns:a16="http://schemas.microsoft.com/office/drawing/2014/main" id="{34F0839C-6C93-4684-9991-90B485A2B992}"/>
+              </a:ext>
+            </a:extLst>
+          </p:cNvPr>
+          <p:cNvGraphicFramePr>
+            <a:graphicFrameLocks noChangeAspect="1"/>
+          </p:cNvGraphicFramePr>
+          <p:nvPr>
+            <p:extLst>
+              <p:ext uri="{D42A27DB-BD31-4B8C-83A1-F6EECF244321}">
+                <p14:modId xmlns:p14="http://schemas.microsoft.com/office/powerpoint/2010/main" val="1035182391"/>
+              </p:ext>
+            </p:extLst>
+          </p:nvPr>
+        </p:nvGraphicFramePr>
+        <p:xfrm>
+          <a:off x="1665561" y="4978400"/>
+          <a:ext cx="247650" cy="342900"/>
+        </p:xfrm>
+        <a:graphic>
+          <a:graphicData uri="http://schemas.openxmlformats.org/presentationml/2006/ole">
+            <mc:AlternateContent xmlns:mc="http://schemas.openxmlformats.org/markup-compatibility/2006">
+              <mc:Choice xmlns:v="urn:schemas-microsoft-com:vml" Requires="v">
+                <p:oleObj name="Equation" r:id="rId28" imgW="164880" imgH="228600" progId="Equation.DSMT4">
+                  <p:embed/>
+                </p:oleObj>
+              </mc:Choice>
+              <mc:Fallback>
+                <p:oleObj name="Equation" r:id="rId28" imgW="164880" imgH="228600" progId="Equation.DSMT4">
+                  <p:embed/>
+                  <p:pic>
+                    <p:nvPicPr>
+                      <p:cNvPr id="48" name="オブジェクト 47">
+                        <a:extLst>
+                          <a:ext uri="{FF2B5EF4-FFF2-40B4-BE49-F238E27FC236}">
+                            <a16:creationId xmlns:a16="http://schemas.microsoft.com/office/drawing/2014/main" id="{98593DD7-A118-4580-A331-1466FE3DD9B4}"/>
+                          </a:ext>
+                        </a:extLst>
+                      </p:cNvPr>
+                      <p:cNvPicPr/>
+                      <p:nvPr/>
+                    </p:nvPicPr>
+                    <p:blipFill>
+                      <a:blip r:embed="rId29"/>
+                      <a:stretch>
+                        <a:fillRect/>
+                      </a:stretch>
+                    </p:blipFill>
+                    <p:spPr>
+                      <a:xfrm>
+                        <a:off x="1665561" y="4978400"/>
+                        <a:ext cx="247650" cy="342900"/>
+                      </a:xfrm>
+                      <a:prstGeom prst="rect">
+                        <a:avLst/>
+                      </a:prstGeom>
+                    </p:spPr>
+                  </p:pic>
+                </p:oleObj>
+              </mc:Fallback>
+            </mc:AlternateContent>
+          </a:graphicData>
+        </a:graphic>
+      </p:graphicFrame>
     </p:spTree>
     <p:extLst>
       <p:ext uri="{BB962C8B-B14F-4D97-AF65-F5344CB8AC3E}">
@@ -13394,8 +16312,8 @@
               <a:rPr kumimoji="1" lang="en-US" altLang="ja-JP" dirty="0"/>
             </a:br>
             <a:r>
-              <a:rPr kumimoji="1" lang="en-US" altLang="ja-JP" dirty="0"/>
-              <a:t>Velocity and Jacobian</a:t>
+              <a:rPr kumimoji="1" lang="en-US" altLang="ja-JP" sz="2400" dirty="0"/>
+              <a:t>Inverse Kinematics Solution with Jacobian</a:t>
             </a:r>
             <a:endParaRPr kumimoji="1" lang="ja-JP" altLang="en-US" dirty="0"/>
           </a:p>
@@ -13424,7 +16342,7 @@
           <a:p>
             <a:r>
               <a:rPr kumimoji="1" lang="en-US" altLang="ja-JP"/>
-              <a:t>2021-03-13</a:t>
+              <a:t>2021-04-04</a:t>
             </a:r>
             <a:endParaRPr kumimoji="1" lang="ja-JP" altLang="en-US"/>
           </a:p>
@@ -15048,10 +17966,16 @@
           <p:cNvGraphicFramePr>
             <a:graphicFrameLocks noChangeAspect="1"/>
           </p:cNvGraphicFramePr>
-          <p:nvPr/>
+          <p:nvPr>
+            <p:extLst>
+              <p:ext uri="{D42A27DB-BD31-4B8C-83A1-F6EECF244321}">
+                <p14:modId xmlns:p14="http://schemas.microsoft.com/office/powerpoint/2010/main" val="3654840027"/>
+              </p:ext>
+            </p:extLst>
+          </p:nvPr>
         </p:nvGraphicFramePr>
         <p:xfrm>
-          <a:off x="3868909" y="2055409"/>
+          <a:off x="3950977" y="1981664"/>
           <a:ext cx="266700" cy="342900"/>
         </p:xfrm>
         <a:graphic>
@@ -15085,7 +18009,7 @@
                     </p:blipFill>
                     <p:spPr>
                       <a:xfrm>
-                        <a:off x="3868909" y="2055409"/>
+                        <a:off x="3950977" y="1981664"/>
                         <a:ext cx="266700" cy="342900"/>
                       </a:xfrm>
                       <a:prstGeom prst="rect">
@@ -15258,25 +18182,25 @@
           <p:nvPr>
             <p:extLst>
               <p:ext uri="{D42A27DB-BD31-4B8C-83A1-F6EECF244321}">
-                <p14:modId xmlns:p14="http://schemas.microsoft.com/office/powerpoint/2010/main" val="321731409"/>
+                <p14:modId xmlns:p14="http://schemas.microsoft.com/office/powerpoint/2010/main" val="140527248"/>
               </p:ext>
             </p:extLst>
           </p:nvPr>
         </p:nvGraphicFramePr>
         <p:xfrm>
-          <a:off x="5770830" y="2506216"/>
-          <a:ext cx="4381500" cy="1066800"/>
+          <a:off x="4871864" y="2938264"/>
+          <a:ext cx="2114550" cy="1066800"/>
         </p:xfrm>
         <a:graphic>
           <a:graphicData uri="http://schemas.openxmlformats.org/presentationml/2006/ole">
             <mc:AlternateContent xmlns:mc="http://schemas.openxmlformats.org/markup-compatibility/2006">
               <mc:Choice xmlns:v="urn:schemas-microsoft-com:vml" Requires="v">
-                <p:oleObj name="Equation" r:id="rId20" imgW="2920680" imgH="711000" progId="Equation.DSMT4">
+                <p:oleObj name="Equation" r:id="rId20" imgW="1409400" imgH="711000" progId="Equation.DSMT4">
                   <p:embed/>
                 </p:oleObj>
               </mc:Choice>
               <mc:Fallback>
-                <p:oleObj name="Equation" r:id="rId20" imgW="2920680" imgH="711000" progId="Equation.DSMT4">
+                <p:oleObj name="Equation" r:id="rId20" imgW="1409400" imgH="711000" progId="Equation.DSMT4">
                   <p:embed/>
                   <p:pic>
                     <p:nvPicPr>
@@ -15298,8 +18222,8 @@
                     </p:blipFill>
                     <p:spPr>
                       <a:xfrm>
-                        <a:off x="5770830" y="2506216"/>
-                        <a:ext cx="4381500" cy="1066800"/>
+                        <a:off x="4871864" y="2938264"/>
+                        <a:ext cx="2114550" cy="1066800"/>
                       </a:xfrm>
                       <a:prstGeom prst="rect">
                         <a:avLst/>
@@ -15327,13 +18251,13 @@
           <p:nvPr>
             <p:extLst>
               <p:ext uri="{D42A27DB-BD31-4B8C-83A1-F6EECF244321}">
-                <p14:modId xmlns:p14="http://schemas.microsoft.com/office/powerpoint/2010/main" val="3538204328"/>
+                <p14:modId xmlns:p14="http://schemas.microsoft.com/office/powerpoint/2010/main" val="156824146"/>
               </p:ext>
             </p:extLst>
           </p:nvPr>
         </p:nvGraphicFramePr>
         <p:xfrm>
-          <a:off x="5666055" y="4619277"/>
+          <a:off x="5666055" y="4979317"/>
           <a:ext cx="4591050" cy="969963"/>
         </p:xfrm>
         <a:graphic>
@@ -15367,7 +18291,7 @@
                     </p:blipFill>
                     <p:spPr>
                       <a:xfrm>
-                        <a:off x="5666055" y="4619277"/>
+                        <a:off x="5666055" y="4979317"/>
                         <a:ext cx="4591050" cy="969963"/>
                       </a:xfrm>
                       <a:prstGeom prst="rect">
@@ -15398,13 +18322,13 @@
           <p:nvPr/>
         </p:nvCxnSpPr>
         <p:spPr>
-          <a:xfrm rot="10800000" flipV="1">
-            <a:off x="5666056" y="3039616"/>
-            <a:ext cx="104775" cy="2064642"/>
+          <a:xfrm rot="10800000" flipH="1" flipV="1">
+            <a:off x="4871863" y="3471664"/>
+            <a:ext cx="794191" cy="1992634"/>
           </a:xfrm>
           <a:prstGeom prst="curvedConnector3">
             <a:avLst>
-              <a:gd name="adj1" fmla="val 549722"/>
+              <a:gd name="adj1" fmla="val -28784"/>
             </a:avLst>
           </a:prstGeom>
           <a:ln>
@@ -15441,18 +18365,18 @@
           <p:cNvCxnSpPr>
             <a:cxnSpLocks/>
             <a:stCxn id="45" idx="3"/>
-            <a:endCxn id="48" idx="3"/>
+            <a:endCxn id="53" idx="3"/>
           </p:cNvCxnSpPr>
           <p:nvPr/>
         </p:nvCxnSpPr>
         <p:spPr>
-          <a:xfrm flipH="1" flipV="1">
-            <a:off x="10152330" y="3039616"/>
-            <a:ext cx="104775" cy="2064642"/>
+          <a:xfrm flipV="1">
+            <a:off x="10257105" y="3475136"/>
+            <a:ext cx="679455" cy="1989162"/>
           </a:xfrm>
           <a:prstGeom prst="curvedConnector3">
             <a:avLst>
-              <a:gd name="adj1" fmla="val -512059"/>
+              <a:gd name="adj1" fmla="val 133645"/>
             </a:avLst>
           </a:prstGeom>
           <a:ln>
@@ -15491,7 +18415,7 @@
         </p:nvSpPr>
         <p:spPr>
           <a:xfrm>
-            <a:off x="5375920" y="3947984"/>
+            <a:off x="5375920" y="4308024"/>
             <a:ext cx="4961615" cy="646331"/>
           </a:xfrm>
           <a:prstGeom prst="rect">
@@ -15514,7 +18438,7 @@
           <a:p>
             <a:r>
               <a:rPr lang="en-US" altLang="ja-JP" dirty="0"/>
-              <a:t>Forward kinematics: Joint angles -&gt; hand pose</a:t>
+              <a:t>Forward kinematics: Joint angles &gt; hand pose</a:t>
             </a:r>
             <a:endParaRPr kumimoji="1" lang="ja-JP" altLang="en-US" dirty="0"/>
           </a:p>
@@ -15534,8 +18458,8 @@
         </p:nvSpPr>
         <p:spPr>
           <a:xfrm>
-            <a:off x="5303912" y="1864041"/>
-            <a:ext cx="6500497" cy="646331"/>
+            <a:off x="4832741" y="1601140"/>
+            <a:ext cx="7196082" cy="1200329"/>
           </a:xfrm>
           <a:prstGeom prst="rect">
             <a:avLst/>
@@ -15543,7 +18467,7 @@
           <a:noFill/>
         </p:spPr>
         <p:txBody>
-          <a:bodyPr wrap="none" rtlCol="0">
+          <a:bodyPr wrap="square" rtlCol="0">
             <a:spAutoFit/>
           </a:bodyPr>
           <a:lstStyle/>
@@ -15554,14 +18478,71 @@
             </a:r>
             <a:r>
               <a:rPr kumimoji="1" lang="ja-JP" altLang="en-US" dirty="0"/>
-              <a:t>：手先速度→関節速度</a:t>
+              <a:t>：</a:t>
+            </a:r>
+            <a:r>
+              <a:rPr lang="ja-JP" altLang="en-US" dirty="0"/>
+              <a:t>手先姿勢の変位→</a:t>
+            </a:r>
+            <a:r>
+              <a:rPr kumimoji="1" lang="ja-JP" altLang="en-US" dirty="0"/>
+              <a:t>手先姿勢速度</a:t>
             </a:r>
             <a:endParaRPr kumimoji="1" lang="en-US" altLang="ja-JP" dirty="0"/>
           </a:p>
           <a:p>
             <a:r>
               <a:rPr kumimoji="1" lang="en-US" altLang="ja-JP" dirty="0"/>
-              <a:t>Joint angle update: Hand pose velocity -&gt; Joint angle velocity </a:t>
+              <a:t>	</a:t>
+            </a:r>
+            <a:r>
+              <a:rPr kumimoji="1" lang="ja-JP" altLang="en-US" dirty="0"/>
+              <a:t>→関節角速度→関節角度の変位</a:t>
+            </a:r>
+            <a:endParaRPr kumimoji="1" lang="en-US" altLang="ja-JP" dirty="0"/>
+          </a:p>
+          <a:p>
+            <a:r>
+              <a:rPr kumimoji="1" lang="en-US" altLang="ja-JP" dirty="0"/>
+              <a:t>Joint angle update: Hand pose displacement &gt; Hand pose velocity</a:t>
+            </a:r>
+          </a:p>
+          <a:p>
+            <a:r>
+              <a:rPr kumimoji="1" lang="en-US" altLang="ja-JP" dirty="0"/>
+              <a:t>	&gt; Joint angular velocity </a:t>
+            </a:r>
+            <a:r>
+              <a:rPr lang="en-US" altLang="ja-JP" dirty="0"/>
+              <a:t>&gt;</a:t>
+            </a:r>
+            <a:r>
+              <a:rPr lang="ja-JP" altLang="en-US" dirty="0"/>
+              <a:t> </a:t>
+            </a:r>
+            <a:r>
+              <a:rPr lang="en-US" altLang="ja-JP" dirty="0"/>
+              <a:t>Joint</a:t>
+            </a:r>
+            <a:r>
+              <a:rPr lang="ja-JP" altLang="en-US" dirty="0"/>
+              <a:t> </a:t>
+            </a:r>
+            <a:r>
+              <a:rPr lang="en-US" altLang="ja-JP" dirty="0"/>
+              <a:t>angle</a:t>
+            </a:r>
+            <a:r>
+              <a:rPr lang="ja-JP" altLang="en-US" dirty="0"/>
+              <a:t> </a:t>
+            </a:r>
+            <a:r>
+              <a:rPr lang="en-US" altLang="ja-JP" dirty="0"/>
+              <a:t>displacement</a:t>
+            </a:r>
+            <a:r>
+              <a:rPr kumimoji="1" lang="en-US" altLang="ja-JP" dirty="0"/>
+              <a:t> </a:t>
             </a:r>
             <a:endParaRPr kumimoji="1" lang="ja-JP" altLang="en-US" dirty="0"/>
           </a:p>
@@ -15569,10 +18550,10 @@
       </p:sp>
       <p:graphicFrame>
         <p:nvGraphicFramePr>
-          <p:cNvPr id="54" name="オブジェクト 53">
-            <a:extLst>
-              <a:ext uri="{FF2B5EF4-FFF2-40B4-BE49-F238E27FC236}">
-                <a16:creationId xmlns:a16="http://schemas.microsoft.com/office/drawing/2014/main" id="{C512A26A-978B-4279-8D18-4DB526035EBB}"/>
+          <p:cNvPr id="52" name="オブジェクト 51">
+            <a:extLst>
+              <a:ext uri="{FF2B5EF4-FFF2-40B4-BE49-F238E27FC236}">
+                <a16:creationId xmlns:a16="http://schemas.microsoft.com/office/drawing/2014/main" id="{BC74F05D-ACB5-4835-BF69-50328333356A}"/>
               </a:ext>
             </a:extLst>
           </p:cNvPr>
@@ -15582,25 +18563,25 @@
           <p:nvPr>
             <p:extLst>
               <p:ext uri="{D42A27DB-BD31-4B8C-83A1-F6EECF244321}">
-                <p14:modId xmlns:p14="http://schemas.microsoft.com/office/powerpoint/2010/main" val="1297924965"/>
+                <p14:modId xmlns:p14="http://schemas.microsoft.com/office/powerpoint/2010/main" val="1271915121"/>
               </p:ext>
             </p:extLst>
           </p:nvPr>
         </p:nvGraphicFramePr>
         <p:xfrm>
-          <a:off x="571550" y="4017963"/>
-          <a:ext cx="1924050" cy="1066800"/>
+          <a:off x="7432675" y="2938463"/>
+          <a:ext cx="1409700" cy="1066800"/>
         </p:xfrm>
         <a:graphic>
           <a:graphicData uri="http://schemas.openxmlformats.org/presentationml/2006/ole">
             <mc:AlternateContent xmlns:mc="http://schemas.openxmlformats.org/markup-compatibility/2006">
               <mc:Choice xmlns:v="urn:schemas-microsoft-com:vml" Requires="v">
-                <p:oleObj name="Equation" r:id="rId24" imgW="1282680" imgH="711000" progId="Equation.DSMT4">
+                <p:oleObj name="Equation" r:id="rId24" imgW="939600" imgH="711000" progId="Equation.DSMT4">
                   <p:embed/>
                 </p:oleObj>
               </mc:Choice>
               <mc:Fallback>
-                <p:oleObj name="Equation" r:id="rId24" imgW="1282680" imgH="711000" progId="Equation.DSMT4">
+                <p:oleObj name="Equation" r:id="rId24" imgW="939600" imgH="711000" progId="Equation.DSMT4">
                   <p:embed/>
                   <p:pic>
                     <p:nvPicPr>
@@ -15622,8 +18603,8 @@
                     </p:blipFill>
                     <p:spPr>
                       <a:xfrm>
-                        <a:off x="571550" y="4017963"/>
-                        <a:ext cx="1924050" cy="1066800"/>
+                        <a:off x="7432675" y="2938463"/>
+                        <a:ext cx="1409700" cy="1066800"/>
                       </a:xfrm>
                       <a:prstGeom prst="rect">
                         <a:avLst/>
@@ -15638,29 +18619,27 @@
       </p:graphicFrame>
       <p:cxnSp>
         <p:nvCxnSpPr>
-          <p:cNvPr id="55" name="コネクタ: 曲線 54">
-            <a:extLst>
-              <a:ext uri="{FF2B5EF4-FFF2-40B4-BE49-F238E27FC236}">
-                <a16:creationId xmlns:a16="http://schemas.microsoft.com/office/drawing/2014/main" id="{5100606C-2DF8-4CD1-BA8A-9975490C1700}"/>
+          <p:cNvPr id="30" name="直線矢印コネクタ 29">
+            <a:extLst>
+              <a:ext uri="{FF2B5EF4-FFF2-40B4-BE49-F238E27FC236}">
+                <a16:creationId xmlns:a16="http://schemas.microsoft.com/office/drawing/2014/main" id="{6DE04F3E-AF53-4949-975D-B26481EE5F0F}"/>
               </a:ext>
             </a:extLst>
           </p:cNvPr>
           <p:cNvCxnSpPr>
             <a:cxnSpLocks/>
-            <a:stCxn id="62" idx="1"/>
-            <a:endCxn id="54" idx="1"/>
+            <a:stCxn id="52" idx="1"/>
+            <a:endCxn id="48" idx="3"/>
           </p:cNvCxnSpPr>
           <p:nvPr/>
         </p:nvCxnSpPr>
         <p:spPr>
-          <a:xfrm rot="10800000" flipH="1" flipV="1">
-            <a:off x="407368" y="3242319"/>
-            <a:ext cx="164182" cy="1309043"/>
+          <a:xfrm flipH="1" flipV="1">
+            <a:off x="6986414" y="3471664"/>
+            <a:ext cx="446261" cy="199"/>
           </a:xfrm>
-          <a:prstGeom prst="curvedConnector3">
-            <a:avLst>
-              <a:gd name="adj1" fmla="val -139236"/>
-            </a:avLst>
+          <a:prstGeom prst="straightConnector1">
+            <a:avLst/>
           </a:prstGeom>
           <a:ln>
             <a:solidFill>
@@ -15686,10 +18665,10 @@
       </p:cxnSp>
       <p:graphicFrame>
         <p:nvGraphicFramePr>
-          <p:cNvPr id="62" name="オブジェクト 61">
-            <a:extLst>
-              <a:ext uri="{FF2B5EF4-FFF2-40B4-BE49-F238E27FC236}">
-                <a16:creationId xmlns:a16="http://schemas.microsoft.com/office/drawing/2014/main" id="{FEB12FBB-96EA-49C2-997B-795EC889AB25}"/>
+          <p:cNvPr id="53" name="オブジェクト 52">
+            <a:extLst>
+              <a:ext uri="{FF2B5EF4-FFF2-40B4-BE49-F238E27FC236}">
+                <a16:creationId xmlns:a16="http://schemas.microsoft.com/office/drawing/2014/main" id="{FF61CF08-A913-40AF-BFB7-5E5FA2A0881A}"/>
               </a:ext>
             </a:extLst>
           </p:cNvPr>
@@ -15699,32 +18678,32 @@
           <p:nvPr>
             <p:extLst>
               <p:ext uri="{D42A27DB-BD31-4B8C-83A1-F6EECF244321}">
-                <p14:modId xmlns:p14="http://schemas.microsoft.com/office/powerpoint/2010/main" val="478494011"/>
+                <p14:modId xmlns:p14="http://schemas.microsoft.com/office/powerpoint/2010/main" val="385420172"/>
               </p:ext>
             </p:extLst>
           </p:nvPr>
         </p:nvGraphicFramePr>
         <p:xfrm>
-          <a:off x="407368" y="2708920"/>
-          <a:ext cx="2419350" cy="1066800"/>
+          <a:off x="9336360" y="2998886"/>
+          <a:ext cx="1600200" cy="952500"/>
         </p:xfrm>
         <a:graphic>
           <a:graphicData uri="http://schemas.openxmlformats.org/presentationml/2006/ole">
             <mc:AlternateContent xmlns:mc="http://schemas.openxmlformats.org/markup-compatibility/2006">
               <mc:Choice xmlns:v="urn:schemas-microsoft-com:vml" Requires="v">
-                <p:oleObj name="Equation" r:id="rId26" imgW="1612800" imgH="711000" progId="Equation.DSMT4">
+                <p:oleObj name="Equation" r:id="rId26" imgW="1066680" imgH="634680" progId="Equation.DSMT4">
                   <p:embed/>
                 </p:oleObj>
               </mc:Choice>
               <mc:Fallback>
-                <p:oleObj name="Equation" r:id="rId26" imgW="1612800" imgH="711000" progId="Equation.DSMT4">
+                <p:oleObj name="Equation" r:id="rId26" imgW="1066680" imgH="634680" progId="Equation.DSMT4">
                   <p:embed/>
                   <p:pic>
                     <p:nvPicPr>
-                      <p:cNvPr id="54" name="オブジェクト 53">
+                      <p:cNvPr id="52" name="オブジェクト 51">
                         <a:extLst>
                           <a:ext uri="{FF2B5EF4-FFF2-40B4-BE49-F238E27FC236}">
-                            <a16:creationId xmlns:a16="http://schemas.microsoft.com/office/drawing/2014/main" id="{C512A26A-978B-4279-8D18-4DB526035EBB}"/>
+                            <a16:creationId xmlns:a16="http://schemas.microsoft.com/office/drawing/2014/main" id="{BC74F05D-ACB5-4835-BF69-50328333356A}"/>
                           </a:ext>
                         </a:extLst>
                       </p:cNvPr>
@@ -15739,8 +18718,261 @@
                     </p:blipFill>
                     <p:spPr>
                       <a:xfrm>
-                        <a:off x="407368" y="2708920"/>
-                        <a:ext cx="2419350" cy="1066800"/>
+                        <a:off x="9336360" y="2998886"/>
+                        <a:ext cx="1600200" cy="952500"/>
+                      </a:xfrm>
+                      <a:prstGeom prst="rect">
+                        <a:avLst/>
+                      </a:prstGeom>
+                    </p:spPr>
+                  </p:pic>
+                </p:oleObj>
+              </mc:Fallback>
+            </mc:AlternateContent>
+          </a:graphicData>
+        </a:graphic>
+      </p:graphicFrame>
+      <p:cxnSp>
+        <p:nvCxnSpPr>
+          <p:cNvPr id="56" name="直線矢印コネクタ 55">
+            <a:extLst>
+              <a:ext uri="{FF2B5EF4-FFF2-40B4-BE49-F238E27FC236}">
+                <a16:creationId xmlns:a16="http://schemas.microsoft.com/office/drawing/2014/main" id="{15F0E252-88C7-41AE-B392-F66087173D80}"/>
+              </a:ext>
+            </a:extLst>
+          </p:cNvPr>
+          <p:cNvCxnSpPr>
+            <a:cxnSpLocks/>
+            <a:stCxn id="53" idx="1"/>
+            <a:endCxn id="52" idx="3"/>
+          </p:cNvCxnSpPr>
+          <p:nvPr/>
+        </p:nvCxnSpPr>
+        <p:spPr>
+          <a:xfrm flipH="1" flipV="1">
+            <a:off x="8842375" y="3471863"/>
+            <a:ext cx="493985" cy="3273"/>
+          </a:xfrm>
+          <a:prstGeom prst="straightConnector1">
+            <a:avLst/>
+          </a:prstGeom>
+          <a:ln>
+            <a:solidFill>
+              <a:srgbClr val="FF0000"/>
+            </a:solidFill>
+            <a:tailEnd type="triangle" w="lg" len="lg"/>
+          </a:ln>
+        </p:spPr>
+        <p:style>
+          <a:lnRef idx="1">
+            <a:schemeClr val="accent1"/>
+          </a:lnRef>
+          <a:fillRef idx="0">
+            <a:schemeClr val="accent1"/>
+          </a:fillRef>
+          <a:effectRef idx="0">
+            <a:schemeClr val="accent1"/>
+          </a:effectRef>
+          <a:fontRef idx="minor">
+            <a:schemeClr val="tx1"/>
+          </a:fontRef>
+        </p:style>
+      </p:cxnSp>
+      <p:graphicFrame>
+        <p:nvGraphicFramePr>
+          <p:cNvPr id="54" name="オブジェクト 53">
+            <a:extLst>
+              <a:ext uri="{FF2B5EF4-FFF2-40B4-BE49-F238E27FC236}">
+                <a16:creationId xmlns:a16="http://schemas.microsoft.com/office/drawing/2014/main" id="{BDEE21A1-AD22-4148-9306-DB9C56142219}"/>
+              </a:ext>
+            </a:extLst>
+          </p:cNvPr>
+          <p:cNvGraphicFramePr>
+            <a:graphicFrameLocks noChangeAspect="1"/>
+          </p:cNvGraphicFramePr>
+          <p:nvPr>
+            <p:extLst>
+              <p:ext uri="{D42A27DB-BD31-4B8C-83A1-F6EECF244321}">
+                <p14:modId xmlns:p14="http://schemas.microsoft.com/office/powerpoint/2010/main" val="3648397188"/>
+              </p:ext>
+            </p:extLst>
+          </p:nvPr>
+        </p:nvGraphicFramePr>
+        <p:xfrm>
+          <a:off x="2535273" y="2638581"/>
+          <a:ext cx="266220" cy="342900"/>
+        </p:xfrm>
+        <a:graphic>
+          <a:graphicData uri="http://schemas.openxmlformats.org/presentationml/2006/ole">
+            <mc:AlternateContent xmlns:mc="http://schemas.openxmlformats.org/markup-compatibility/2006">
+              <mc:Choice xmlns:v="urn:schemas-microsoft-com:vml" Requires="v">
+                <p:oleObj name="Equation" r:id="rId28" imgW="177480" imgH="228600" progId="Equation.DSMT4">
+                  <p:embed/>
+                </p:oleObj>
+              </mc:Choice>
+              <mc:Fallback>
+                <p:oleObj name="Equation" r:id="rId28" imgW="177480" imgH="228600" progId="Equation.DSMT4">
+                  <p:embed/>
+                  <p:pic>
+                    <p:nvPicPr>
+                      <p:cNvPr id="44" name="オブジェクト 43">
+                        <a:extLst>
+                          <a:ext uri="{FF2B5EF4-FFF2-40B4-BE49-F238E27FC236}">
+                            <a16:creationId xmlns:a16="http://schemas.microsoft.com/office/drawing/2014/main" id="{43B19C19-5ECB-42BB-BD05-E1F1A6C345FC}"/>
+                          </a:ext>
+                        </a:extLst>
+                      </p:cNvPr>
+                      <p:cNvPicPr/>
+                      <p:nvPr/>
+                    </p:nvPicPr>
+                    <p:blipFill>
+                      <a:blip r:embed="rId29"/>
+                      <a:stretch>
+                        <a:fillRect/>
+                      </a:stretch>
+                    </p:blipFill>
+                    <p:spPr>
+                      <a:xfrm>
+                        <a:off x="2535273" y="2638581"/>
+                        <a:ext cx="266220" cy="342900"/>
+                      </a:xfrm>
+                      <a:prstGeom prst="rect">
+                        <a:avLst/>
+                      </a:prstGeom>
+                    </p:spPr>
+                  </p:pic>
+                </p:oleObj>
+              </mc:Fallback>
+            </mc:AlternateContent>
+          </a:graphicData>
+        </a:graphic>
+      </p:graphicFrame>
+      <p:graphicFrame>
+        <p:nvGraphicFramePr>
+          <p:cNvPr id="55" name="オブジェクト 54">
+            <a:extLst>
+              <a:ext uri="{FF2B5EF4-FFF2-40B4-BE49-F238E27FC236}">
+                <a16:creationId xmlns:a16="http://schemas.microsoft.com/office/drawing/2014/main" id="{61BFA713-C1DB-434B-919F-DF382C402A28}"/>
+              </a:ext>
+            </a:extLst>
+          </p:cNvPr>
+          <p:cNvGraphicFramePr>
+            <a:graphicFrameLocks noChangeAspect="1"/>
+          </p:cNvGraphicFramePr>
+          <p:nvPr>
+            <p:extLst>
+              <p:ext uri="{D42A27DB-BD31-4B8C-83A1-F6EECF244321}">
+                <p14:modId xmlns:p14="http://schemas.microsoft.com/office/powerpoint/2010/main" val="78357760"/>
+              </p:ext>
+            </p:extLst>
+          </p:nvPr>
+        </p:nvGraphicFramePr>
+        <p:xfrm>
+          <a:off x="2642199" y="3816681"/>
+          <a:ext cx="266220" cy="342900"/>
+        </p:xfrm>
+        <a:graphic>
+          <a:graphicData uri="http://schemas.openxmlformats.org/presentationml/2006/ole">
+            <mc:AlternateContent xmlns:mc="http://schemas.openxmlformats.org/markup-compatibility/2006">
+              <mc:Choice xmlns:v="urn:schemas-microsoft-com:vml" Requires="v">
+                <p:oleObj name="Equation" r:id="rId30" imgW="177480" imgH="228600" progId="Equation.DSMT4">
+                  <p:embed/>
+                </p:oleObj>
+              </mc:Choice>
+              <mc:Fallback>
+                <p:oleObj name="Equation" r:id="rId30" imgW="177480" imgH="228600" progId="Equation.DSMT4">
+                  <p:embed/>
+                  <p:pic>
+                    <p:nvPicPr>
+                      <p:cNvPr id="46" name="オブジェクト 45">
+                        <a:extLst>
+                          <a:ext uri="{FF2B5EF4-FFF2-40B4-BE49-F238E27FC236}">
+                            <a16:creationId xmlns:a16="http://schemas.microsoft.com/office/drawing/2014/main" id="{E9F41BD0-35AF-42F2-9286-B3E06046B368}"/>
+                          </a:ext>
+                        </a:extLst>
+                      </p:cNvPr>
+                      <p:cNvPicPr/>
+                      <p:nvPr/>
+                    </p:nvPicPr>
+                    <p:blipFill>
+                      <a:blip r:embed="rId31"/>
+                      <a:stretch>
+                        <a:fillRect/>
+                      </a:stretch>
+                    </p:blipFill>
+                    <p:spPr>
+                      <a:xfrm>
+                        <a:off x="2642199" y="3816681"/>
+                        <a:ext cx="266220" cy="342900"/>
+                      </a:xfrm>
+                      <a:prstGeom prst="rect">
+                        <a:avLst/>
+                      </a:prstGeom>
+                    </p:spPr>
+                  </p:pic>
+                </p:oleObj>
+              </mc:Fallback>
+            </mc:AlternateContent>
+          </a:graphicData>
+        </a:graphic>
+      </p:graphicFrame>
+      <p:graphicFrame>
+        <p:nvGraphicFramePr>
+          <p:cNvPr id="57" name="オブジェクト 56">
+            <a:extLst>
+              <a:ext uri="{FF2B5EF4-FFF2-40B4-BE49-F238E27FC236}">
+                <a16:creationId xmlns:a16="http://schemas.microsoft.com/office/drawing/2014/main" id="{6CE61644-F87E-4826-9A82-6A9466A32A35}"/>
+              </a:ext>
+            </a:extLst>
+          </p:cNvPr>
+          <p:cNvGraphicFramePr>
+            <a:graphicFrameLocks noChangeAspect="1"/>
+          </p:cNvGraphicFramePr>
+          <p:nvPr>
+            <p:extLst>
+              <p:ext uri="{D42A27DB-BD31-4B8C-83A1-F6EECF244321}">
+                <p14:modId xmlns:p14="http://schemas.microsoft.com/office/powerpoint/2010/main" val="1035182391"/>
+              </p:ext>
+            </p:extLst>
+          </p:nvPr>
+        </p:nvGraphicFramePr>
+        <p:xfrm>
+          <a:off x="1665561" y="4978400"/>
+          <a:ext cx="247650" cy="342900"/>
+        </p:xfrm>
+        <a:graphic>
+          <a:graphicData uri="http://schemas.openxmlformats.org/presentationml/2006/ole">
+            <mc:AlternateContent xmlns:mc="http://schemas.openxmlformats.org/markup-compatibility/2006">
+              <mc:Choice xmlns:v="urn:schemas-microsoft-com:vml" Requires="v">
+                <p:oleObj name="Equation" r:id="rId32" imgW="164880" imgH="228600" progId="Equation.DSMT4">
+                  <p:embed/>
+                </p:oleObj>
+              </mc:Choice>
+              <mc:Fallback>
+                <p:oleObj name="Equation" r:id="rId32" imgW="164880" imgH="228600" progId="Equation.DSMT4">
+                  <p:embed/>
+                  <p:pic>
+                    <p:nvPicPr>
+                      <p:cNvPr id="48" name="オブジェクト 47">
+                        <a:extLst>
+                          <a:ext uri="{FF2B5EF4-FFF2-40B4-BE49-F238E27FC236}">
+                            <a16:creationId xmlns:a16="http://schemas.microsoft.com/office/drawing/2014/main" id="{98593DD7-A118-4580-A331-1466FE3DD9B4}"/>
+                          </a:ext>
+                        </a:extLst>
+                      </p:cNvPr>
+                      <p:cNvPicPr/>
+                      <p:nvPr/>
+                    </p:nvPicPr>
+                    <p:blipFill>
+                      <a:blip r:embed="rId33"/>
+                      <a:stretch>
+                        <a:fillRect/>
+                      </a:stretch>
+                    </p:blipFill>
+                    <p:spPr>
+                      <a:xfrm>
+                        <a:off x="1665561" y="4978400"/>
+                        <a:ext cx="247650" cy="342900"/>
                       </a:xfrm>
                       <a:prstGeom prst="rect">
                         <a:avLst/>
@@ -15757,6 +18989,1113 @@
     <p:extLst>
       <p:ext uri="{BB962C8B-B14F-4D97-AF65-F5344CB8AC3E}">
         <p14:creationId xmlns:p14="http://schemas.microsoft.com/office/powerpoint/2010/main" val="2581347943"/>
+      </p:ext>
+    </p:extLst>
+  </p:cSld>
+  <p:clrMapOvr>
+    <a:masterClrMapping/>
+  </p:clrMapOvr>
+</p:sld>
+</file>
+
+<file path=ppt/slides/slide7.xml><?xml version="1.0" encoding="utf-8"?>
+<p:sld xmlns:a="http://schemas.openxmlformats.org/drawingml/2006/main" xmlns:r="http://schemas.openxmlformats.org/officeDocument/2006/relationships" xmlns:p="http://schemas.openxmlformats.org/presentationml/2006/main">
+  <p:cSld>
+    <p:spTree>
+      <p:nvGrpSpPr>
+        <p:cNvPr id="1" name=""/>
+        <p:cNvGrpSpPr/>
+        <p:nvPr/>
+      </p:nvGrpSpPr>
+      <p:grpSpPr>
+        <a:xfrm>
+          <a:off x="0" y="0"/>
+          <a:ext cx="0" cy="0"/>
+          <a:chOff x="0" y="0"/>
+          <a:chExt cx="0" cy="0"/>
+        </a:xfrm>
+      </p:grpSpPr>
+      <p:pic>
+        <p:nvPicPr>
+          <p:cNvPr id="21" name="図 20">
+            <a:extLst>
+              <a:ext uri="{FF2B5EF4-FFF2-40B4-BE49-F238E27FC236}">
+                <a16:creationId xmlns:a16="http://schemas.microsoft.com/office/drawing/2014/main" id="{013AF487-F452-4A56-8840-5D5696EB979B}"/>
+              </a:ext>
+            </a:extLst>
+          </p:cNvPr>
+          <p:cNvPicPr>
+            <a:picLocks noChangeAspect="1"/>
+          </p:cNvPicPr>
+          <p:nvPr/>
+        </p:nvPicPr>
+        <p:blipFill>
+          <a:blip r:embed="rId2"/>
+          <a:stretch>
+            <a:fillRect/>
+          </a:stretch>
+        </p:blipFill>
+        <p:spPr>
+          <a:xfrm>
+            <a:off x="479376" y="2898369"/>
+            <a:ext cx="2743825" cy="2762879"/>
+          </a:xfrm>
+          <a:prstGeom prst="rect">
+            <a:avLst/>
+          </a:prstGeom>
+        </p:spPr>
+      </p:pic>
+      <p:sp>
+        <p:nvSpPr>
+          <p:cNvPr id="2" name="タイトル 1">
+            <a:extLst>
+              <a:ext uri="{FF2B5EF4-FFF2-40B4-BE49-F238E27FC236}">
+                <a16:creationId xmlns:a16="http://schemas.microsoft.com/office/drawing/2014/main" id="{32E1E9CA-7D84-4ECE-BCDC-1D224094CE18}"/>
+              </a:ext>
+            </a:extLst>
+          </p:cNvPr>
+          <p:cNvSpPr>
+            <a:spLocks noGrp="1"/>
+          </p:cNvSpPr>
+          <p:nvPr>
+            <p:ph type="title"/>
+          </p:nvPr>
+        </p:nvSpPr>
+        <p:spPr/>
+        <p:txBody>
+          <a:bodyPr>
+            <a:normAutofit/>
+          </a:bodyPr>
+          <a:lstStyle/>
+          <a:p>
+            <a:r>
+              <a:rPr lang="ja-JP" altLang="en-US" dirty="0"/>
+              <a:t>平面</a:t>
+            </a:r>
+            <a:r>
+              <a:rPr lang="en-US" altLang="ja-JP" dirty="0"/>
+              <a:t>3</a:t>
+            </a:r>
+            <a:r>
+              <a:rPr lang="ja-JP" altLang="en-US" dirty="0"/>
+              <a:t>リンクロボットアームの逆</a:t>
+            </a:r>
+            <a:r>
+              <a:rPr kumimoji="1" lang="ja-JP" altLang="en-US" dirty="0"/>
+              <a:t>運動学のサンプルコード</a:t>
+            </a:r>
+            <a:br>
+              <a:rPr kumimoji="1" lang="en-US" altLang="ja-JP" dirty="0"/>
+            </a:br>
+            <a:r>
+              <a:rPr kumimoji="1" lang="en-US" altLang="ja-JP" sz="2400" dirty="0"/>
+              <a:t>Mathematica Sample Code of Inverse Kinematics</a:t>
+            </a:r>
+            <a:r>
+              <a:rPr lang="ja-JP" altLang="en-US" sz="2400" dirty="0"/>
+              <a:t> </a:t>
+            </a:r>
+            <a:r>
+              <a:rPr lang="en-US" altLang="ja-JP" sz="2400" dirty="0"/>
+              <a:t>of</a:t>
+            </a:r>
+            <a:r>
+              <a:rPr lang="ja-JP" altLang="en-US" sz="2400" dirty="0"/>
+              <a:t> </a:t>
+            </a:r>
+            <a:r>
+              <a:rPr lang="en-US" altLang="ja-JP" sz="2400" dirty="0"/>
+              <a:t>Planar 3-Link Robot Arm</a:t>
+            </a:r>
+            <a:endParaRPr kumimoji="1" lang="ja-JP" altLang="en-US" dirty="0"/>
+          </a:p>
+        </p:txBody>
+      </p:sp>
+      <p:sp>
+        <p:nvSpPr>
+          <p:cNvPr id="3" name="日付プレースホルダー 2">
+            <a:extLst>
+              <a:ext uri="{FF2B5EF4-FFF2-40B4-BE49-F238E27FC236}">
+                <a16:creationId xmlns:a16="http://schemas.microsoft.com/office/drawing/2014/main" id="{B33B31F8-6F78-4083-91A2-2E449F501BF9}"/>
+              </a:ext>
+            </a:extLst>
+          </p:cNvPr>
+          <p:cNvSpPr>
+            <a:spLocks noGrp="1"/>
+          </p:cNvSpPr>
+          <p:nvPr>
+            <p:ph type="dt" sz="half" idx="10"/>
+          </p:nvPr>
+        </p:nvSpPr>
+        <p:spPr/>
+        <p:txBody>
+          <a:bodyPr/>
+          <a:lstStyle/>
+          <a:p>
+            <a:r>
+              <a:rPr kumimoji="1" lang="en-US" altLang="ja-JP"/>
+              <a:t>2021-04-04</a:t>
+            </a:r>
+            <a:endParaRPr kumimoji="1" lang="ja-JP" altLang="en-US"/>
+          </a:p>
+        </p:txBody>
+      </p:sp>
+      <p:sp>
+        <p:nvSpPr>
+          <p:cNvPr id="4" name="フッター プレースホルダー 3">
+            <a:extLst>
+              <a:ext uri="{FF2B5EF4-FFF2-40B4-BE49-F238E27FC236}">
+                <a16:creationId xmlns:a16="http://schemas.microsoft.com/office/drawing/2014/main" id="{732C67E6-0EB8-476A-B33B-F522B8846ED7}"/>
+              </a:ext>
+            </a:extLst>
+          </p:cNvPr>
+          <p:cNvSpPr>
+            <a:spLocks noGrp="1"/>
+          </p:cNvSpPr>
+          <p:nvPr>
+            <p:ph type="ftr" sz="quarter" idx="11"/>
+          </p:nvPr>
+        </p:nvSpPr>
+        <p:spPr/>
+        <p:txBody>
+          <a:bodyPr/>
+          <a:lstStyle/>
+          <a:p>
+            <a:r>
+              <a:rPr kumimoji="1" lang="en-US" altLang="ja-JP"/>
+              <a:t>K.Naruse(UAizu) Robot Arm Inverse Kinematics: Principle</a:t>
+            </a:r>
+            <a:endParaRPr kumimoji="1" lang="ja-JP" altLang="en-US"/>
+          </a:p>
+        </p:txBody>
+      </p:sp>
+      <p:sp>
+        <p:nvSpPr>
+          <p:cNvPr id="5" name="スライド番号プレースホルダー 4">
+            <a:extLst>
+              <a:ext uri="{FF2B5EF4-FFF2-40B4-BE49-F238E27FC236}">
+                <a16:creationId xmlns:a16="http://schemas.microsoft.com/office/drawing/2014/main" id="{A4D73EC0-F648-41D8-8B0E-5CD6744FDC14}"/>
+              </a:ext>
+            </a:extLst>
+          </p:cNvPr>
+          <p:cNvSpPr>
+            <a:spLocks noGrp="1"/>
+          </p:cNvSpPr>
+          <p:nvPr>
+            <p:ph type="sldNum" sz="quarter" idx="12"/>
+          </p:nvPr>
+        </p:nvSpPr>
+        <p:spPr/>
+        <p:txBody>
+          <a:bodyPr/>
+          <a:lstStyle/>
+          <a:p>
+            <a:fld id="{CCD68D70-93DA-4EE4-9A1A-18650286EF01}" type="slidenum">
+              <a:rPr kumimoji="1" lang="ja-JP" altLang="en-US" smtClean="0"/>
+              <a:t>7</a:t>
+            </a:fld>
+            <a:endParaRPr kumimoji="1" lang="ja-JP" altLang="en-US"/>
+          </a:p>
+        </p:txBody>
+      </p:sp>
+      <p:sp>
+        <p:nvSpPr>
+          <p:cNvPr id="9" name="テキスト ボックス 8">
+            <a:extLst>
+              <a:ext uri="{FF2B5EF4-FFF2-40B4-BE49-F238E27FC236}">
+                <a16:creationId xmlns:a16="http://schemas.microsoft.com/office/drawing/2014/main" id="{51AD74D2-93CD-438D-834A-AA075288A373}"/>
+              </a:ext>
+            </a:extLst>
+          </p:cNvPr>
+          <p:cNvSpPr txBox="1"/>
+          <p:nvPr/>
+        </p:nvSpPr>
+        <p:spPr>
+          <a:xfrm>
+            <a:off x="7320136" y="2510894"/>
+            <a:ext cx="4248472" cy="3600986"/>
+          </a:xfrm>
+          <a:prstGeom prst="rect">
+            <a:avLst/>
+          </a:prstGeom>
+          <a:noFill/>
+        </p:spPr>
+        <p:txBody>
+          <a:bodyPr wrap="square" rtlCol="0">
+            <a:spAutoFit/>
+          </a:bodyPr>
+          <a:lstStyle/>
+          <a:p>
+            <a:pPr algn="l"/>
+            <a:r>
+              <a:rPr lang="en-US" altLang="ja-JP" sz="1200" b="1" dirty="0">
+                <a:latin typeface="Courier New" panose="02070309020205020404" pitchFamily="49" charset="0"/>
+                <a:cs typeface="Courier New" panose="02070309020205020404" pitchFamily="49" charset="0"/>
+              </a:rPr>
+              <a:t>I</a:t>
+            </a:r>
+            <a:r>
+              <a:rPr lang="en-US" altLang="ja-JP" sz="1200" b="1" i="0" u="none" strike="noStrike" dirty="0">
+                <a:latin typeface="Courier New" panose="02070309020205020404" pitchFamily="49" charset="0"/>
+                <a:cs typeface="Courier New" panose="02070309020205020404" pitchFamily="49" charset="0"/>
+              </a:rPr>
+              <a:t>K-3LinkPlanarArm.nb</a:t>
+            </a:r>
+          </a:p>
+          <a:p>
+            <a:pPr algn="l"/>
+            <a:r>
+              <a:rPr kumimoji="1" lang="en-US" altLang="ja-JP" sz="1200" dirty="0">
+                <a:latin typeface="Courier New" panose="02070309020205020404" pitchFamily="49" charset="0"/>
+                <a:cs typeface="Courier New" panose="02070309020205020404" pitchFamily="49" charset="0"/>
+              </a:rPr>
+              <a:t>(*Inverse kinematics solution: initialize*)</a:t>
+            </a:r>
+          </a:p>
+          <a:p>
+            <a:pPr algn="l"/>
+            <a:r>
+              <a:rPr kumimoji="1" lang="en-US" altLang="ja-JP" sz="1200" dirty="0">
+                <a:latin typeface="Courier New" panose="02070309020205020404" pitchFamily="49" charset="0"/>
+                <a:cs typeface="Courier New" panose="02070309020205020404" pitchFamily="49" charset="0"/>
+              </a:rPr>
+              <a:t>k = 0.1;</a:t>
+            </a:r>
+          </a:p>
+          <a:p>
+            <a:pPr algn="l"/>
+            <a:r>
+              <a:rPr lang="en-US" altLang="ja-JP" sz="1200" dirty="0">
+                <a:latin typeface="Courier New" panose="02070309020205020404" pitchFamily="49" charset="0"/>
+                <a:cs typeface="Courier New" panose="02070309020205020404" pitchFamily="49" charset="0"/>
+              </a:rPr>
+              <a:t>dt = 1;</a:t>
+            </a:r>
+            <a:endParaRPr kumimoji="1" lang="en-US" altLang="ja-JP" sz="1200" dirty="0">
+              <a:latin typeface="Courier New" panose="02070309020205020404" pitchFamily="49" charset="0"/>
+              <a:cs typeface="Courier New" panose="02070309020205020404" pitchFamily="49" charset="0"/>
+            </a:endParaRPr>
+          </a:p>
+          <a:p>
+            <a:pPr algn="l"/>
+            <a:r>
+              <a:rPr kumimoji="1" lang="en-US" altLang="ja-JP" sz="1200" dirty="0">
+                <a:latin typeface="Courier New" panose="02070309020205020404" pitchFamily="49" charset="0"/>
+                <a:cs typeface="Courier New" panose="02070309020205020404" pitchFamily="49" charset="0"/>
+              </a:rPr>
+              <a:t>q0 = {0.1, 0.2, 0.3};</a:t>
+            </a:r>
+          </a:p>
+          <a:p>
+            <a:pPr algn="l"/>
+            <a:r>
+              <a:rPr kumimoji="1" lang="en-US" altLang="ja-JP" sz="1200" dirty="0">
+                <a:latin typeface="Courier New" panose="02070309020205020404" pitchFamily="49" charset="0"/>
+                <a:cs typeface="Courier New" panose="02070309020205020404" pitchFamily="49" charset="0"/>
+              </a:rPr>
+              <a:t>pd = {1, 1, pi/2};</a:t>
+            </a:r>
+          </a:p>
+          <a:p>
+            <a:pPr algn="l"/>
+            <a:endParaRPr kumimoji="1" lang="en-US" altLang="ja-JP" sz="1200" dirty="0">
+              <a:latin typeface="Courier New" panose="02070309020205020404" pitchFamily="49" charset="0"/>
+              <a:cs typeface="Courier New" panose="02070309020205020404" pitchFamily="49" charset="0"/>
+            </a:endParaRPr>
+          </a:p>
+          <a:p>
+            <a:pPr algn="l"/>
+            <a:r>
+              <a:rPr kumimoji="1" lang="en-US" altLang="ja-JP" sz="1200" dirty="0">
+                <a:latin typeface="Courier New" panose="02070309020205020404" pitchFamily="49" charset="0"/>
+                <a:cs typeface="Courier New" panose="02070309020205020404" pitchFamily="49" charset="0"/>
+              </a:rPr>
+              <a:t>(*Inverse kinematics solution by function*)</a:t>
+            </a:r>
+          </a:p>
+          <a:p>
+            <a:pPr algn="l"/>
+            <a:r>
+              <a:rPr kumimoji="1" lang="en-US" altLang="ja-JP" sz="1200" dirty="0">
+                <a:latin typeface="Courier New" panose="02070309020205020404" pitchFamily="49" charset="0"/>
+                <a:cs typeface="Courier New" panose="02070309020205020404" pitchFamily="49" charset="0"/>
+              </a:rPr>
+              <a:t>q = IK[pd, q0, k, dt]</a:t>
+            </a:r>
+            <a:endParaRPr kumimoji="1" lang="ja-JP" altLang="en-US" sz="1200" dirty="0">
+              <a:latin typeface="Courier New" panose="02070309020205020404" pitchFamily="49" charset="0"/>
+              <a:cs typeface="Courier New" panose="02070309020205020404" pitchFamily="49" charset="0"/>
+            </a:endParaRPr>
+          </a:p>
+          <a:p>
+            <a:pPr algn="l"/>
+            <a:endParaRPr kumimoji="1" lang="en-US" altLang="ja-JP" sz="1200" dirty="0">
+              <a:latin typeface="Courier New" panose="02070309020205020404" pitchFamily="49" charset="0"/>
+              <a:cs typeface="Courier New" panose="02070309020205020404" pitchFamily="49" charset="0"/>
+            </a:endParaRPr>
+          </a:p>
+          <a:p>
+            <a:pPr algn="l"/>
+            <a:r>
+              <a:rPr kumimoji="1" lang="en-US" altLang="ja-JP" sz="1200" dirty="0">
+                <a:latin typeface="Courier New" panose="02070309020205020404" pitchFamily="49" charset="0"/>
+                <a:cs typeface="Courier New" panose="02070309020205020404" pitchFamily="49" charset="0"/>
+              </a:rPr>
+              <a:t>(*Inverse kinematics function*)</a:t>
+            </a:r>
+          </a:p>
+          <a:p>
+            <a:pPr algn="l"/>
+            <a:r>
+              <a:rPr kumimoji="1" lang="en-US" altLang="ja-JP" sz="1200" dirty="0">
+                <a:latin typeface="Courier New" panose="02070309020205020404" pitchFamily="49" charset="0"/>
+                <a:cs typeface="Courier New" panose="02070309020205020404" pitchFamily="49" charset="0"/>
+              </a:rPr>
+              <a:t>IK[pd_, q0_, k_, dt_] :=</a:t>
+            </a:r>
+          </a:p>
+          <a:p>
+            <a:pPr algn="l"/>
+            <a:r>
+              <a:rPr kumimoji="1" lang="en-US" altLang="ja-JP" sz="1200" dirty="0">
+                <a:latin typeface="Courier New" panose="02070309020205020404" pitchFamily="49" charset="0"/>
+                <a:cs typeface="Courier New" panose="02070309020205020404" pitchFamily="49" charset="0"/>
+              </a:rPr>
+              <a:t> Module[{p, q = q0},</a:t>
+            </a:r>
+          </a:p>
+          <a:p>
+            <a:pPr algn="l"/>
+            <a:r>
+              <a:rPr kumimoji="1" lang="en-US" altLang="ja-JP" sz="1200" dirty="0">
+                <a:latin typeface="Courier New" panose="02070309020205020404" pitchFamily="49" charset="0"/>
+                <a:cs typeface="Courier New" panose="02070309020205020404" pitchFamily="49" charset="0"/>
+              </a:rPr>
+              <a:t>  For[</a:t>
+            </a:r>
+            <a:r>
+              <a:rPr kumimoji="1" lang="en-US" altLang="ja-JP" sz="1200" dirty="0" err="1">
+                <a:latin typeface="Courier New" panose="02070309020205020404" pitchFamily="49" charset="0"/>
+                <a:cs typeface="Courier New" panose="02070309020205020404" pitchFamily="49" charset="0"/>
+              </a:rPr>
+              <a:t>i</a:t>
+            </a:r>
+            <a:r>
+              <a:rPr kumimoji="1" lang="en-US" altLang="ja-JP" sz="1200" dirty="0">
+                <a:latin typeface="Courier New" panose="02070309020205020404" pitchFamily="49" charset="0"/>
+                <a:cs typeface="Courier New" panose="02070309020205020404" pitchFamily="49" charset="0"/>
+              </a:rPr>
+              <a:t> = 1, </a:t>
+            </a:r>
+            <a:r>
+              <a:rPr kumimoji="1" lang="en-US" altLang="ja-JP" sz="1200" dirty="0" err="1">
+                <a:latin typeface="Courier New" panose="02070309020205020404" pitchFamily="49" charset="0"/>
+                <a:cs typeface="Courier New" panose="02070309020205020404" pitchFamily="49" charset="0"/>
+              </a:rPr>
+              <a:t>i</a:t>
+            </a:r>
+            <a:r>
+              <a:rPr kumimoji="1" lang="en-US" altLang="ja-JP" sz="1200" dirty="0">
+                <a:latin typeface="Courier New" panose="02070309020205020404" pitchFamily="49" charset="0"/>
+                <a:cs typeface="Courier New" panose="02070309020205020404" pitchFamily="49" charset="0"/>
+              </a:rPr>
+              <a:t> &lt;= 50, </a:t>
+            </a:r>
+            <a:r>
+              <a:rPr kumimoji="1" lang="en-US" altLang="ja-JP" sz="1200" dirty="0" err="1">
+                <a:latin typeface="Courier New" panose="02070309020205020404" pitchFamily="49" charset="0"/>
+                <a:cs typeface="Courier New" panose="02070309020205020404" pitchFamily="49" charset="0"/>
+              </a:rPr>
+              <a:t>i</a:t>
+            </a:r>
+            <a:r>
+              <a:rPr kumimoji="1" lang="en-US" altLang="ja-JP" sz="1200" dirty="0">
+                <a:latin typeface="Courier New" panose="02070309020205020404" pitchFamily="49" charset="0"/>
+                <a:cs typeface="Courier New" panose="02070309020205020404" pitchFamily="49" charset="0"/>
+              </a:rPr>
+              <a:t>++,</a:t>
+            </a:r>
+          </a:p>
+          <a:p>
+            <a:pPr algn="l"/>
+            <a:r>
+              <a:rPr kumimoji="1" lang="en-US" altLang="ja-JP" sz="1200" dirty="0">
+                <a:latin typeface="Courier New" panose="02070309020205020404" pitchFamily="49" charset="0"/>
+                <a:cs typeface="Courier New" panose="02070309020205020404" pitchFamily="49" charset="0"/>
+              </a:rPr>
+              <a:t>   p = FK[q];</a:t>
+            </a:r>
+          </a:p>
+          <a:p>
+            <a:pPr algn="l"/>
+            <a:r>
+              <a:rPr kumimoji="1" lang="en-US" altLang="ja-JP" sz="1200" dirty="0">
+                <a:latin typeface="Courier New" panose="02070309020205020404" pitchFamily="49" charset="0"/>
+                <a:cs typeface="Courier New" panose="02070309020205020404" pitchFamily="49" charset="0"/>
+              </a:rPr>
+              <a:t>   q += k dt Inverse[J[q]].(pd - p[[4]]);</a:t>
+            </a:r>
+          </a:p>
+          <a:p>
+            <a:pPr algn="l"/>
+            <a:r>
+              <a:rPr kumimoji="1" lang="en-US" altLang="ja-JP" sz="1200" dirty="0">
+                <a:latin typeface="Courier New" panose="02070309020205020404" pitchFamily="49" charset="0"/>
+                <a:cs typeface="Courier New" panose="02070309020205020404" pitchFamily="49" charset="0"/>
+              </a:rPr>
+              <a:t>   ];</a:t>
+            </a:r>
+          </a:p>
+          <a:p>
+            <a:pPr algn="l"/>
+            <a:r>
+              <a:rPr kumimoji="1" lang="en-US" altLang="ja-JP" sz="1200" dirty="0">
+                <a:latin typeface="Courier New" panose="02070309020205020404" pitchFamily="49" charset="0"/>
+                <a:cs typeface="Courier New" panose="02070309020205020404" pitchFamily="49" charset="0"/>
+              </a:rPr>
+              <a:t>  q]</a:t>
+            </a:r>
+          </a:p>
+          <a:p>
+            <a:pPr algn="l"/>
+            <a:endParaRPr kumimoji="1" lang="en-US" altLang="ja-JP" sz="1200" dirty="0">
+              <a:latin typeface="Courier New" panose="02070309020205020404" pitchFamily="49" charset="0"/>
+              <a:cs typeface="Courier New" panose="02070309020205020404" pitchFamily="49" charset="0"/>
+            </a:endParaRPr>
+          </a:p>
+        </p:txBody>
+      </p:sp>
+      <p:sp>
+        <p:nvSpPr>
+          <p:cNvPr id="13" name="テキスト ボックス 12">
+            <a:extLst>
+              <a:ext uri="{FF2B5EF4-FFF2-40B4-BE49-F238E27FC236}">
+                <a16:creationId xmlns:a16="http://schemas.microsoft.com/office/drawing/2014/main" id="{9E959BB8-C552-414A-A2CE-03B29EB67C37}"/>
+              </a:ext>
+            </a:extLst>
+          </p:cNvPr>
+          <p:cNvSpPr txBox="1"/>
+          <p:nvPr/>
+        </p:nvSpPr>
+        <p:spPr>
+          <a:xfrm>
+            <a:off x="7248128" y="1785226"/>
+            <a:ext cx="4608512" cy="646331"/>
+          </a:xfrm>
+          <a:prstGeom prst="rect">
+            <a:avLst/>
+          </a:prstGeom>
+          <a:noFill/>
+        </p:spPr>
+        <p:txBody>
+          <a:bodyPr wrap="square">
+            <a:spAutoFit/>
+          </a:bodyPr>
+          <a:lstStyle/>
+          <a:p>
+            <a:pPr algn="l"/>
+            <a:r>
+              <a:rPr lang="ja-JP" altLang="en-US" dirty="0">
+                <a:cs typeface="Courier New" panose="02070309020205020404" pitchFamily="49" charset="0"/>
+              </a:rPr>
+              <a:t>マセマティカによるサンプルコード（一部のみ）</a:t>
+            </a:r>
+            <a:endParaRPr lang="en-US" altLang="ja-JP" dirty="0">
+              <a:cs typeface="Courier New" panose="02070309020205020404" pitchFamily="49" charset="0"/>
+            </a:endParaRPr>
+          </a:p>
+          <a:p>
+            <a:pPr algn="l"/>
+            <a:r>
+              <a:rPr lang="en-US" altLang="ja-JP" sz="1800" b="0" i="0" u="none" strike="noStrike" dirty="0">
+                <a:cs typeface="Courier New" panose="02070309020205020404" pitchFamily="49" charset="0"/>
+              </a:rPr>
+              <a:t>Sample code in Mathematica (Only a part)</a:t>
+            </a:r>
+          </a:p>
+        </p:txBody>
+      </p:sp>
+      <p:sp>
+        <p:nvSpPr>
+          <p:cNvPr id="15" name="テキスト ボックス 14">
+            <a:extLst>
+              <a:ext uri="{FF2B5EF4-FFF2-40B4-BE49-F238E27FC236}">
+                <a16:creationId xmlns:a16="http://schemas.microsoft.com/office/drawing/2014/main" id="{B6F2938E-9508-454E-A842-E5350AF9BECB}"/>
+              </a:ext>
+            </a:extLst>
+          </p:cNvPr>
+          <p:cNvSpPr txBox="1"/>
+          <p:nvPr/>
+        </p:nvSpPr>
+        <p:spPr>
+          <a:xfrm>
+            <a:off x="609600" y="5860297"/>
+            <a:ext cx="11031016" cy="276999"/>
+          </a:xfrm>
+          <a:prstGeom prst="rect">
+            <a:avLst/>
+          </a:prstGeom>
+          <a:noFill/>
+        </p:spPr>
+        <p:txBody>
+          <a:bodyPr wrap="square">
+            <a:spAutoFit/>
+          </a:bodyPr>
+          <a:lstStyle/>
+          <a:p>
+            <a:pPr algn="l"/>
+            <a:r>
+              <a:rPr lang="en-US" altLang="ja-JP" sz="1200" dirty="0">
+                <a:cs typeface="Courier New" panose="02070309020205020404" pitchFamily="49" charset="0"/>
+              </a:rPr>
+              <a:t>Code is available at https://github.com/keitaronaruse/Naruse-robotics-tutorial/blob/main/src/mathematica/IK-3LinkPlanarArm.nb</a:t>
+            </a:r>
+            <a:endParaRPr lang="en-US" altLang="ja-JP" sz="1200" b="0" i="0" u="none" strike="noStrike" dirty="0">
+              <a:cs typeface="Courier New" panose="02070309020205020404" pitchFamily="49" charset="0"/>
+            </a:endParaRPr>
+          </a:p>
+        </p:txBody>
+      </p:sp>
+      <p:pic>
+        <p:nvPicPr>
+          <p:cNvPr id="23" name="図 22">
+            <a:extLst>
+              <a:ext uri="{FF2B5EF4-FFF2-40B4-BE49-F238E27FC236}">
+                <a16:creationId xmlns:a16="http://schemas.microsoft.com/office/drawing/2014/main" id="{1524903F-CA5C-4C57-A714-B0ECF7DDB8AE}"/>
+              </a:ext>
+            </a:extLst>
+          </p:cNvPr>
+          <p:cNvPicPr>
+            <a:picLocks noChangeAspect="1"/>
+          </p:cNvPicPr>
+          <p:nvPr/>
+        </p:nvPicPr>
+        <p:blipFill>
+          <a:blip r:embed="rId3"/>
+          <a:stretch>
+            <a:fillRect/>
+          </a:stretch>
+        </p:blipFill>
+        <p:spPr>
+          <a:xfrm>
+            <a:off x="3863752" y="2898369"/>
+            <a:ext cx="2743825" cy="2762879"/>
+          </a:xfrm>
+          <a:prstGeom prst="rect">
+            <a:avLst/>
+          </a:prstGeom>
+        </p:spPr>
+      </p:pic>
+      <p:cxnSp>
+        <p:nvCxnSpPr>
+          <p:cNvPr id="25" name="直線矢印コネクタ 24">
+            <a:extLst>
+              <a:ext uri="{FF2B5EF4-FFF2-40B4-BE49-F238E27FC236}">
+                <a16:creationId xmlns:a16="http://schemas.microsoft.com/office/drawing/2014/main" id="{D5BB3252-3918-4927-AAA9-0B5429C3E6A0}"/>
+              </a:ext>
+            </a:extLst>
+          </p:cNvPr>
+          <p:cNvCxnSpPr>
+            <a:stCxn id="21" idx="3"/>
+            <a:endCxn id="23" idx="1"/>
+          </p:cNvCxnSpPr>
+          <p:nvPr/>
+        </p:nvCxnSpPr>
+        <p:spPr>
+          <a:xfrm>
+            <a:off x="3223201" y="4279809"/>
+            <a:ext cx="640551" cy="0"/>
+          </a:xfrm>
+          <a:prstGeom prst="straightConnector1">
+            <a:avLst/>
+          </a:prstGeom>
+          <a:ln>
+            <a:solidFill>
+              <a:srgbClr val="FF0000"/>
+            </a:solidFill>
+            <a:tailEnd type="triangle" w="lg" len="lg"/>
+          </a:ln>
+        </p:spPr>
+        <p:style>
+          <a:lnRef idx="1">
+            <a:schemeClr val="accent1"/>
+          </a:lnRef>
+          <a:fillRef idx="0">
+            <a:schemeClr val="accent1"/>
+          </a:fillRef>
+          <a:effectRef idx="0">
+            <a:schemeClr val="accent1"/>
+          </a:effectRef>
+          <a:fontRef idx="minor">
+            <a:schemeClr val="tx1"/>
+          </a:fontRef>
+        </p:style>
+      </p:cxnSp>
+      <p:sp>
+        <p:nvSpPr>
+          <p:cNvPr id="26" name="テキスト ボックス 25">
+            <a:extLst>
+              <a:ext uri="{FF2B5EF4-FFF2-40B4-BE49-F238E27FC236}">
+                <a16:creationId xmlns:a16="http://schemas.microsoft.com/office/drawing/2014/main" id="{A528B27E-6CBB-4CAC-862F-B350155AB0BD}"/>
+              </a:ext>
+            </a:extLst>
+          </p:cNvPr>
+          <p:cNvSpPr txBox="1"/>
+          <p:nvPr/>
+        </p:nvSpPr>
+        <p:spPr>
+          <a:xfrm>
+            <a:off x="609600" y="1875515"/>
+            <a:ext cx="2255746" cy="923330"/>
+          </a:xfrm>
+          <a:prstGeom prst="rect">
+            <a:avLst/>
+          </a:prstGeom>
+          <a:noFill/>
+        </p:spPr>
+        <p:txBody>
+          <a:bodyPr wrap="none" rtlCol="0">
+            <a:spAutoFit/>
+          </a:bodyPr>
+          <a:lstStyle/>
+          <a:p>
+            <a:r>
+              <a:rPr kumimoji="1" lang="ja-JP" altLang="en-US" dirty="0"/>
+              <a:t>初期姿勢</a:t>
+            </a:r>
+            <a:endParaRPr kumimoji="1" lang="en-US" altLang="ja-JP" dirty="0"/>
+          </a:p>
+          <a:p>
+            <a:r>
+              <a:rPr kumimoji="1" lang="en-US" altLang="ja-JP" dirty="0"/>
+              <a:t>Initial pose</a:t>
+            </a:r>
+          </a:p>
+          <a:p>
+            <a:r>
+              <a:rPr lang="en-US" altLang="ja-JP" dirty="0"/>
+              <a:t>q0</a:t>
+            </a:r>
+            <a:r>
+              <a:rPr lang="ja-JP" altLang="en-US" dirty="0"/>
+              <a:t>　</a:t>
+            </a:r>
+            <a:r>
+              <a:rPr lang="en-US" altLang="ja-JP" dirty="0"/>
+              <a:t>=</a:t>
+            </a:r>
+            <a:r>
+              <a:rPr lang="ja-JP" altLang="en-US" dirty="0"/>
+              <a:t>　</a:t>
+            </a:r>
+            <a:r>
+              <a:rPr lang="en-US" altLang="ja-JP" dirty="0"/>
+              <a:t>{0.1, 0.2, 0,3}</a:t>
+            </a:r>
+            <a:endParaRPr kumimoji="1" lang="ja-JP" altLang="en-US" dirty="0"/>
+          </a:p>
+        </p:txBody>
+      </p:sp>
+      <p:sp>
+        <p:nvSpPr>
+          <p:cNvPr id="27" name="テキスト ボックス 26">
+            <a:extLst>
+              <a:ext uri="{FF2B5EF4-FFF2-40B4-BE49-F238E27FC236}">
+                <a16:creationId xmlns:a16="http://schemas.microsoft.com/office/drawing/2014/main" id="{B43A849A-FEF2-4826-861E-1F1D2E0487FA}"/>
+              </a:ext>
+            </a:extLst>
+          </p:cNvPr>
+          <p:cNvSpPr txBox="1"/>
+          <p:nvPr/>
+        </p:nvSpPr>
+        <p:spPr>
+          <a:xfrm>
+            <a:off x="3427851" y="1826486"/>
+            <a:ext cx="3820277" cy="923330"/>
+          </a:xfrm>
+          <a:prstGeom prst="rect">
+            <a:avLst/>
+          </a:prstGeom>
+          <a:noFill/>
+        </p:spPr>
+        <p:txBody>
+          <a:bodyPr wrap="none" rtlCol="0">
+            <a:spAutoFit/>
+          </a:bodyPr>
+          <a:lstStyle/>
+          <a:p>
+            <a:r>
+              <a:rPr lang="ja-JP" altLang="en-US" dirty="0"/>
+              <a:t>逆運動学解</a:t>
+            </a:r>
+            <a:r>
+              <a:rPr kumimoji="1" lang="ja-JP" altLang="en-US" dirty="0"/>
+              <a:t> </a:t>
+            </a:r>
+            <a:endParaRPr kumimoji="1" lang="en-US" altLang="ja-JP" dirty="0"/>
+          </a:p>
+          <a:p>
+            <a:r>
+              <a:rPr lang="en-US" altLang="ja-JP" dirty="0"/>
+              <a:t>Inverse kinematics solution</a:t>
+            </a:r>
+            <a:endParaRPr kumimoji="1" lang="en-US" altLang="ja-JP" dirty="0"/>
+          </a:p>
+          <a:p>
+            <a:r>
+              <a:rPr lang="en-US" altLang="ja-JP" dirty="0"/>
+              <a:t>q</a:t>
+            </a:r>
+            <a:r>
+              <a:rPr lang="ja-JP" altLang="en-US" dirty="0"/>
+              <a:t>　</a:t>
+            </a:r>
+            <a:r>
+              <a:rPr lang="en-US" altLang="ja-JP" dirty="0"/>
+              <a:t>=</a:t>
+            </a:r>
+            <a:r>
+              <a:rPr lang="ja-JP" altLang="en-US" dirty="0"/>
+              <a:t>　</a:t>
+            </a:r>
+            <a:r>
+              <a:rPr kumimoji="1" lang="en-US" altLang="ja-JP" dirty="0"/>
+              <a:t>{-2.09196, 4.18453, -2.08948}</a:t>
+            </a:r>
+            <a:endParaRPr kumimoji="1" lang="ja-JP" altLang="en-US" dirty="0"/>
+          </a:p>
+        </p:txBody>
+      </p:sp>
+      <p:sp>
+        <p:nvSpPr>
+          <p:cNvPr id="32" name="吹き出し: 線 (強調線付き) 31">
+            <a:extLst>
+              <a:ext uri="{FF2B5EF4-FFF2-40B4-BE49-F238E27FC236}">
+                <a16:creationId xmlns:a16="http://schemas.microsoft.com/office/drawing/2014/main" id="{236FEADE-D0D3-4212-947D-53ED81E4D9D4}"/>
+              </a:ext>
+            </a:extLst>
+          </p:cNvPr>
+          <p:cNvSpPr/>
+          <p:nvPr/>
+        </p:nvSpPr>
+        <p:spPr>
+          <a:xfrm>
+            <a:off x="2639616" y="2928324"/>
+            <a:ext cx="2095940" cy="923325"/>
+          </a:xfrm>
+          <a:prstGeom prst="accentCallout1">
+            <a:avLst>
+              <a:gd name="adj1" fmla="val 34919"/>
+              <a:gd name="adj2" fmla="val 90051"/>
+              <a:gd name="adj3" fmla="val 88247"/>
+              <a:gd name="adj4" fmla="val 141518"/>
+            </a:avLst>
+          </a:prstGeom>
+          <a:noFill/>
+          <a:ln w="9525">
+            <a:solidFill>
+              <a:srgbClr val="FF0000"/>
+            </a:solidFill>
+            <a:tailEnd type="triangle" w="lg" len="lg"/>
+          </a:ln>
+        </p:spPr>
+        <p:style>
+          <a:lnRef idx="2">
+            <a:schemeClr val="accent1">
+              <a:shade val="50000"/>
+            </a:schemeClr>
+          </a:lnRef>
+          <a:fillRef idx="1">
+            <a:schemeClr val="accent1"/>
+          </a:fillRef>
+          <a:effectRef idx="0">
+            <a:schemeClr val="accent1"/>
+          </a:effectRef>
+          <a:fontRef idx="minor">
+            <a:schemeClr val="lt1"/>
+          </a:fontRef>
+        </p:style>
+        <p:txBody>
+          <a:bodyPr rtlCol="0" anchor="t"/>
+          <a:lstStyle/>
+          <a:p>
+            <a:r>
+              <a:rPr lang="ja-JP" altLang="en-US" dirty="0">
+                <a:solidFill>
+                  <a:srgbClr val="FF0000"/>
+                </a:solidFill>
+              </a:rPr>
+              <a:t>手先の目標姿勢</a:t>
+            </a:r>
+            <a:endParaRPr lang="en-US" altLang="ja-JP" dirty="0">
+              <a:solidFill>
+                <a:srgbClr val="FF0000"/>
+              </a:solidFill>
+            </a:endParaRPr>
+          </a:p>
+          <a:p>
+            <a:r>
+              <a:rPr lang="en-US" altLang="ja-JP" dirty="0">
+                <a:solidFill>
+                  <a:srgbClr val="FF0000"/>
+                </a:solidFill>
+              </a:rPr>
+              <a:t>Hand target pose</a:t>
+            </a:r>
+          </a:p>
+          <a:p>
+            <a:r>
+              <a:rPr lang="en-US" altLang="ja-JP" dirty="0">
+                <a:solidFill>
+                  <a:srgbClr val="FF0000"/>
+                </a:solidFill>
+              </a:rPr>
+              <a:t>pd</a:t>
+            </a:r>
+            <a:r>
+              <a:rPr lang="ja-JP" altLang="en-US" dirty="0">
+                <a:solidFill>
+                  <a:srgbClr val="FF0000"/>
+                </a:solidFill>
+              </a:rPr>
+              <a:t>　</a:t>
+            </a:r>
+            <a:r>
+              <a:rPr lang="en-US" altLang="ja-JP" dirty="0">
+                <a:solidFill>
+                  <a:srgbClr val="FF0000"/>
+                </a:solidFill>
+              </a:rPr>
+              <a:t>=</a:t>
+            </a:r>
+            <a:r>
+              <a:rPr lang="ja-JP" altLang="en-US" dirty="0">
+                <a:solidFill>
+                  <a:srgbClr val="FF0000"/>
+                </a:solidFill>
+              </a:rPr>
+              <a:t>　</a:t>
+            </a:r>
+            <a:r>
+              <a:rPr kumimoji="1" lang="en-US" altLang="ja-JP" dirty="0">
+                <a:solidFill>
+                  <a:srgbClr val="FF0000"/>
+                </a:solidFill>
+              </a:rPr>
+              <a:t>{1, 1, </a:t>
+            </a:r>
+            <a:r>
+              <a:rPr kumimoji="1" lang="en-US" altLang="ja-JP" dirty="0">
+                <a:solidFill>
+                  <a:srgbClr val="FF0000"/>
+                </a:solidFill>
+                <a:latin typeface="Symbol" panose="05050102010706020507" pitchFamily="18" charset="2"/>
+              </a:rPr>
+              <a:t>p</a:t>
+            </a:r>
+            <a:r>
+              <a:rPr kumimoji="1" lang="en-US" altLang="ja-JP" dirty="0">
+                <a:solidFill>
+                  <a:srgbClr val="FF0000"/>
+                </a:solidFill>
+              </a:rPr>
+              <a:t>/2}</a:t>
+            </a:r>
+            <a:endParaRPr kumimoji="1" lang="ja-JP" altLang="en-US" dirty="0">
+              <a:solidFill>
+                <a:srgbClr val="FF0000"/>
+              </a:solidFill>
+            </a:endParaRPr>
+          </a:p>
+        </p:txBody>
+      </p:sp>
+    </p:spTree>
+    <p:extLst>
+      <p:ext uri="{BB962C8B-B14F-4D97-AF65-F5344CB8AC3E}">
+        <p14:creationId xmlns:p14="http://schemas.microsoft.com/office/powerpoint/2010/main" val="364722783"/>
+      </p:ext>
+    </p:extLst>
+  </p:cSld>
+  <p:clrMapOvr>
+    <a:masterClrMapping/>
+  </p:clrMapOvr>
+</p:sld>
+</file>
+
+<file path=ppt/slides/slide8.xml><?xml version="1.0" encoding="utf-8"?>
+<p:sld xmlns:a="http://schemas.openxmlformats.org/drawingml/2006/main" xmlns:r="http://schemas.openxmlformats.org/officeDocument/2006/relationships" xmlns:p="http://schemas.openxmlformats.org/presentationml/2006/main">
+  <p:cSld>
+    <p:spTree>
+      <p:nvGrpSpPr>
+        <p:cNvPr id="1" name=""/>
+        <p:cNvGrpSpPr/>
+        <p:nvPr/>
+      </p:nvGrpSpPr>
+      <p:grpSpPr>
+        <a:xfrm>
+          <a:off x="0" y="0"/>
+          <a:ext cx="0" cy="0"/>
+          <a:chOff x="0" y="0"/>
+          <a:chExt cx="0" cy="0"/>
+        </a:xfrm>
+      </p:grpSpPr>
+      <p:sp>
+        <p:nvSpPr>
+          <p:cNvPr id="2" name="タイトル 1">
+            <a:extLst>
+              <a:ext uri="{FF2B5EF4-FFF2-40B4-BE49-F238E27FC236}">
+                <a16:creationId xmlns:a16="http://schemas.microsoft.com/office/drawing/2014/main" id="{130F8745-EADB-43AE-AB2A-97FD592C091D}"/>
+              </a:ext>
+            </a:extLst>
+          </p:cNvPr>
+          <p:cNvSpPr>
+            <a:spLocks noGrp="1"/>
+          </p:cNvSpPr>
+          <p:nvPr>
+            <p:ph type="title"/>
+          </p:nvPr>
+        </p:nvSpPr>
+        <p:spPr/>
+        <p:txBody>
+          <a:bodyPr/>
+          <a:lstStyle/>
+          <a:p>
+            <a:r>
+              <a:rPr lang="ja-JP" altLang="en-US" dirty="0"/>
+              <a:t>マセマティカによる逆運動学のデモンストレーション</a:t>
+            </a:r>
+            <a:br>
+              <a:rPr kumimoji="1" lang="en-US" altLang="ja-JP" dirty="0"/>
+            </a:br>
+            <a:r>
+              <a:rPr kumimoji="1" lang="en-US" altLang="ja-JP" sz="2400" dirty="0"/>
+              <a:t>Demonstration of Inverse Kinematics by Mathematica</a:t>
+            </a:r>
+            <a:endParaRPr kumimoji="1" lang="ja-JP" altLang="en-US" dirty="0"/>
+          </a:p>
+        </p:txBody>
+      </p:sp>
+      <p:sp>
+        <p:nvSpPr>
+          <p:cNvPr id="3" name="日付プレースホルダー 2">
+            <a:extLst>
+              <a:ext uri="{FF2B5EF4-FFF2-40B4-BE49-F238E27FC236}">
+                <a16:creationId xmlns:a16="http://schemas.microsoft.com/office/drawing/2014/main" id="{0A5E5716-581F-4B6C-ADBF-FCE5540E9C79}"/>
+              </a:ext>
+            </a:extLst>
+          </p:cNvPr>
+          <p:cNvSpPr>
+            <a:spLocks noGrp="1"/>
+          </p:cNvSpPr>
+          <p:nvPr>
+            <p:ph type="dt" sz="half" idx="10"/>
+          </p:nvPr>
+        </p:nvSpPr>
+        <p:spPr/>
+        <p:txBody>
+          <a:bodyPr/>
+          <a:lstStyle/>
+          <a:p>
+            <a:r>
+              <a:rPr kumimoji="1" lang="en-US" altLang="ja-JP"/>
+              <a:t>2021-04-04</a:t>
+            </a:r>
+            <a:endParaRPr kumimoji="1" lang="ja-JP" altLang="en-US"/>
+          </a:p>
+        </p:txBody>
+      </p:sp>
+      <p:sp>
+        <p:nvSpPr>
+          <p:cNvPr id="4" name="フッター プレースホルダー 3">
+            <a:extLst>
+              <a:ext uri="{FF2B5EF4-FFF2-40B4-BE49-F238E27FC236}">
+                <a16:creationId xmlns:a16="http://schemas.microsoft.com/office/drawing/2014/main" id="{749FDBFC-F61D-45C7-8397-EC01E89E63D9}"/>
+              </a:ext>
+            </a:extLst>
+          </p:cNvPr>
+          <p:cNvSpPr>
+            <a:spLocks noGrp="1"/>
+          </p:cNvSpPr>
+          <p:nvPr>
+            <p:ph type="ftr" sz="quarter" idx="11"/>
+          </p:nvPr>
+        </p:nvSpPr>
+        <p:spPr/>
+        <p:txBody>
+          <a:bodyPr/>
+          <a:lstStyle/>
+          <a:p>
+            <a:r>
+              <a:rPr kumimoji="1" lang="en-US" altLang="ja-JP"/>
+              <a:t>K.Naruse(UAizu) Robot Arm Inverse Kinematics: Principle</a:t>
+            </a:r>
+            <a:endParaRPr kumimoji="1" lang="ja-JP" altLang="en-US"/>
+          </a:p>
+        </p:txBody>
+      </p:sp>
+      <p:sp>
+        <p:nvSpPr>
+          <p:cNvPr id="5" name="スライド番号プレースホルダー 4">
+            <a:extLst>
+              <a:ext uri="{FF2B5EF4-FFF2-40B4-BE49-F238E27FC236}">
+                <a16:creationId xmlns:a16="http://schemas.microsoft.com/office/drawing/2014/main" id="{38DEE5A0-E160-4D7C-AD3B-EBD52305E805}"/>
+              </a:ext>
+            </a:extLst>
+          </p:cNvPr>
+          <p:cNvSpPr>
+            <a:spLocks noGrp="1"/>
+          </p:cNvSpPr>
+          <p:nvPr>
+            <p:ph type="sldNum" sz="quarter" idx="12"/>
+          </p:nvPr>
+        </p:nvSpPr>
+        <p:spPr/>
+        <p:txBody>
+          <a:bodyPr/>
+          <a:lstStyle/>
+          <a:p>
+            <a:fld id="{CCD68D70-93DA-4EE4-9A1A-18650286EF01}" type="slidenum">
+              <a:rPr kumimoji="1" lang="ja-JP" altLang="en-US" smtClean="0"/>
+              <a:t>8</a:t>
+            </a:fld>
+            <a:endParaRPr kumimoji="1" lang="ja-JP" altLang="en-US"/>
+          </a:p>
+        </p:txBody>
+      </p:sp>
+      <p:pic>
+        <p:nvPicPr>
+          <p:cNvPr id="8" name="図 7">
+            <a:extLst>
+              <a:ext uri="{FF2B5EF4-FFF2-40B4-BE49-F238E27FC236}">
+                <a16:creationId xmlns:a16="http://schemas.microsoft.com/office/drawing/2014/main" id="{F4C2E813-C7EA-451F-BC89-53B1243E0221}"/>
+              </a:ext>
+            </a:extLst>
+          </p:cNvPr>
+          <p:cNvPicPr>
+            <a:picLocks noChangeAspect="1"/>
+          </p:cNvPicPr>
+          <p:nvPr/>
+        </p:nvPicPr>
+        <p:blipFill>
+          <a:blip r:embed="rId2"/>
+          <a:stretch>
+            <a:fillRect/>
+          </a:stretch>
+        </p:blipFill>
+        <p:spPr>
+          <a:xfrm>
+            <a:off x="4110285" y="1363209"/>
+            <a:ext cx="3971429" cy="4961905"/>
+          </a:xfrm>
+          <a:prstGeom prst="rect">
+            <a:avLst/>
+          </a:prstGeom>
+        </p:spPr>
+      </p:pic>
+    </p:spTree>
+    <p:extLst>
+      <p:ext uri="{BB962C8B-B14F-4D97-AF65-F5344CB8AC3E}">
+        <p14:creationId xmlns:p14="http://schemas.microsoft.com/office/powerpoint/2010/main" val="815579613"/>
       </p:ext>
     </p:extLst>
   </p:cSld>
